--- a/Practice Tasks/Final_Task/K8C_FinalTask1_(Task7).pptx
+++ b/Practice Tasks/Final_Task/K8C_FinalTask1_(Task7).pptx
@@ -5,25 +5,22 @@
     <p:sldMasterId id="2147483659" r:id="rId1"/>
   </p:sldMasterIdLst>
   <p:notesMasterIdLst>
-    <p:notesMasterId r:id="rId18"/>
+    <p:notesMasterId r:id="rId15"/>
   </p:notesMasterIdLst>
   <p:sldIdLst>
     <p:sldId id="256" r:id="rId2"/>
     <p:sldId id="267" r:id="rId3"/>
-    <p:sldId id="257" r:id="rId4"/>
-    <p:sldId id="258" r:id="rId5"/>
-    <p:sldId id="259" r:id="rId6"/>
-    <p:sldId id="260" r:id="rId7"/>
-    <p:sldId id="261" r:id="rId8"/>
-    <p:sldId id="262" r:id="rId9"/>
-    <p:sldId id="263" r:id="rId10"/>
-    <p:sldId id="264" r:id="rId11"/>
-    <p:sldId id="265" r:id="rId12"/>
-    <p:sldId id="268" r:id="rId13"/>
-    <p:sldId id="269" r:id="rId14"/>
-    <p:sldId id="270" r:id="rId15"/>
-    <p:sldId id="271" r:id="rId16"/>
-    <p:sldId id="272" r:id="rId17"/>
+    <p:sldId id="268" r:id="rId4"/>
+    <p:sldId id="269" r:id="rId5"/>
+    <p:sldId id="270" r:id="rId6"/>
+    <p:sldId id="272" r:id="rId7"/>
+    <p:sldId id="260" r:id="rId8"/>
+    <p:sldId id="261" r:id="rId9"/>
+    <p:sldId id="262" r:id="rId10"/>
+    <p:sldId id="263" r:id="rId11"/>
+    <p:sldId id="264" r:id="rId12"/>
+    <p:sldId id="265" r:id="rId13"/>
+    <p:sldId id="271" r:id="rId14"/>
   </p:sldIdLst>
   <p:sldSz cx="9144000" cy="5143500" type="screen16x9"/>
   <p:notesSz cx="6858000" cy="9144000"/>
@@ -263,9 +260,10 @@
           <p14:sldIdLst>
             <p14:sldId id="256"/>
             <p14:sldId id="267"/>
-            <p14:sldId id="257"/>
-            <p14:sldId id="258"/>
-            <p14:sldId id="259"/>
+            <p14:sldId id="268"/>
+            <p14:sldId id="269"/>
+            <p14:sldId id="270"/>
+            <p14:sldId id="272"/>
             <p14:sldId id="260"/>
             <p14:sldId id="261"/>
             <p14:sldId id="262"/>
@@ -276,11 +274,7 @@
         </p14:section>
         <p14:section name="Task3" id="{9222689A-1169-40CD-875E-0FB52BCA49A1}">
           <p14:sldIdLst>
-            <p14:sldId id="268"/>
-            <p14:sldId id="269"/>
-            <p14:sldId id="270"/>
             <p14:sldId id="271"/>
-            <p14:sldId id="272"/>
           </p14:sldIdLst>
         </p14:section>
       </p14:sectionLst>
@@ -853,110 +847,6 @@
   <p:cSld>
     <p:spTree>
       <p:nvGrpSpPr>
-        <p:cNvPr id="1" name="Shape 104"/>
-        <p:cNvGrpSpPr/>
-        <p:nvPr/>
-      </p:nvGrpSpPr>
-      <p:grpSpPr>
-        <a:xfrm>
-          <a:off x="0" y="0"/>
-          <a:ext cx="0" cy="0"/>
-          <a:chOff x="0" y="0"/>
-          <a:chExt cx="0" cy="0"/>
-        </a:xfrm>
-      </p:grpSpPr>
-      <p:sp>
-        <p:nvSpPr>
-          <p:cNvPr id="105" name="Google Shape;105;gf5e49ec3f2_0_0:notes"/>
-          <p:cNvSpPr>
-            <a:spLocks noGrp="1" noRot="1" noChangeAspect="1"/>
-          </p:cNvSpPr>
-          <p:nvPr>
-            <p:ph type="sldImg" idx="2"/>
-          </p:nvPr>
-        </p:nvSpPr>
-        <p:spPr>
-          <a:xfrm>
-            <a:off x="381000" y="685800"/>
-            <a:ext cx="6096000" cy="3429000"/>
-          </a:xfrm>
-          <a:custGeom>
-            <a:avLst/>
-            <a:gdLst/>
-            <a:ahLst/>
-            <a:cxnLst/>
-            <a:rect l="l" t="t" r="r" b="b"/>
-            <a:pathLst>
-              <a:path w="120000" h="120000" extrusionOk="0">
-                <a:moveTo>
-                  <a:pt x="0" y="0"/>
-                </a:moveTo>
-                <a:lnTo>
-                  <a:pt x="120000" y="0"/>
-                </a:lnTo>
-                <a:lnTo>
-                  <a:pt x="120000" y="120000"/>
-                </a:lnTo>
-                <a:lnTo>
-                  <a:pt x="0" y="120000"/>
-                </a:lnTo>
-                <a:close/>
-              </a:path>
-            </a:pathLst>
-          </a:custGeom>
-        </p:spPr>
-      </p:sp>
-      <p:sp>
-        <p:nvSpPr>
-          <p:cNvPr id="106" name="Google Shape;106;gf5e49ec3f2_0_0:notes"/>
-          <p:cNvSpPr txBox="1">
-            <a:spLocks noGrp="1"/>
-          </p:cNvSpPr>
-          <p:nvPr>
-            <p:ph type="body" idx="1"/>
-          </p:nvPr>
-        </p:nvSpPr>
-        <p:spPr>
-          <a:xfrm>
-            <a:off x="685800" y="4343400"/>
-            <a:ext cx="5486400" cy="4114800"/>
-          </a:xfrm>
-          <a:prstGeom prst="rect">
-            <a:avLst/>
-          </a:prstGeom>
-        </p:spPr>
-        <p:txBody>
-          <a:bodyPr spcFirstLastPara="1" wrap="square" lIns="91425" tIns="91425" rIns="91425" bIns="91425" anchor="t" anchorCtr="0">
-            <a:noAutofit/>
-          </a:bodyPr>
-          <a:lstStyle/>
-          <a:p>
-            <a:pPr marL="0" lvl="0" indent="0" algn="l" rtl="0">
-              <a:spcBef>
-                <a:spcPts val="0"/>
-              </a:spcBef>
-              <a:spcAft>
-                <a:spcPts val="0"/>
-              </a:spcAft>
-              <a:buNone/>
-            </a:pPr>
-            <a:endParaRPr/>
-          </a:p>
-        </p:txBody>
-      </p:sp>
-    </p:spTree>
-  </p:cSld>
-  <p:clrMapOvr>
-    <a:masterClrMapping/>
-  </p:clrMapOvr>
-</p:notes>
-</file>
-
-<file path=ppt/notesSlides/notesSlide11.xml><?xml version="1.0" encoding="utf-8"?>
-<p:notes xmlns:a="http://schemas.openxmlformats.org/drawingml/2006/main" xmlns:r="http://schemas.openxmlformats.org/officeDocument/2006/relationships" xmlns:p="http://schemas.openxmlformats.org/presentationml/2006/main" showMasterSp="0" showMasterPhAnim="0">
-  <p:cSld>
-    <p:spTree>
-      <p:nvGrpSpPr>
         <p:cNvPr id="1" name="Shape 110"/>
         <p:cNvGrpSpPr/>
         <p:nvPr/>
@@ -1056,111 +946,7 @@
 </p:notes>
 </file>
 
-<file path=ppt/notesSlides/notesSlide12.xml><?xml version="1.0" encoding="utf-8"?>
-<p:notes xmlns:a="http://schemas.openxmlformats.org/drawingml/2006/main" xmlns:r="http://schemas.openxmlformats.org/officeDocument/2006/relationships" xmlns:p="http://schemas.openxmlformats.org/presentationml/2006/main" showMasterSp="0" showMasterPhAnim="0">
-  <p:cSld>
-    <p:spTree>
-      <p:nvGrpSpPr>
-        <p:cNvPr id="1" name="Shape 62"/>
-        <p:cNvGrpSpPr/>
-        <p:nvPr/>
-      </p:nvGrpSpPr>
-      <p:grpSpPr>
-        <a:xfrm>
-          <a:off x="0" y="0"/>
-          <a:ext cx="0" cy="0"/>
-          <a:chOff x="0" y="0"/>
-          <a:chExt cx="0" cy="0"/>
-        </a:xfrm>
-      </p:grpSpPr>
-      <p:sp>
-        <p:nvSpPr>
-          <p:cNvPr id="63" name="Google Shape;63;gebdfeb45a5_0_5:notes"/>
-          <p:cNvSpPr>
-            <a:spLocks noGrp="1" noRot="1" noChangeAspect="1"/>
-          </p:cNvSpPr>
-          <p:nvPr>
-            <p:ph type="sldImg" idx="2"/>
-          </p:nvPr>
-        </p:nvSpPr>
-        <p:spPr>
-          <a:xfrm>
-            <a:off x="381000" y="685800"/>
-            <a:ext cx="6096000" cy="3429000"/>
-          </a:xfrm>
-          <a:custGeom>
-            <a:avLst/>
-            <a:gdLst/>
-            <a:ahLst/>
-            <a:cxnLst/>
-            <a:rect l="l" t="t" r="r" b="b"/>
-            <a:pathLst>
-              <a:path w="120000" h="120000" extrusionOk="0">
-                <a:moveTo>
-                  <a:pt x="0" y="0"/>
-                </a:moveTo>
-                <a:lnTo>
-                  <a:pt x="120000" y="0"/>
-                </a:lnTo>
-                <a:lnTo>
-                  <a:pt x="120000" y="120000"/>
-                </a:lnTo>
-                <a:lnTo>
-                  <a:pt x="0" y="120000"/>
-                </a:lnTo>
-                <a:close/>
-              </a:path>
-            </a:pathLst>
-          </a:custGeom>
-        </p:spPr>
-      </p:sp>
-      <p:sp>
-        <p:nvSpPr>
-          <p:cNvPr id="64" name="Google Shape;64;gebdfeb45a5_0_5:notes"/>
-          <p:cNvSpPr txBox="1">
-            <a:spLocks noGrp="1"/>
-          </p:cNvSpPr>
-          <p:nvPr>
-            <p:ph type="body" idx="1"/>
-          </p:nvPr>
-        </p:nvSpPr>
-        <p:spPr>
-          <a:xfrm>
-            <a:off x="685800" y="4343400"/>
-            <a:ext cx="5486400" cy="4114800"/>
-          </a:xfrm>
-          <a:prstGeom prst="rect">
-            <a:avLst/>
-          </a:prstGeom>
-        </p:spPr>
-        <p:txBody>
-          <a:bodyPr spcFirstLastPara="1" wrap="square" lIns="91425" tIns="91425" rIns="91425" bIns="91425" anchor="t" anchorCtr="0">
-            <a:noAutofit/>
-          </a:bodyPr>
-          <a:lstStyle/>
-          <a:p>
-            <a:pPr marL="0" lvl="0" indent="0" algn="l" rtl="0">
-              <a:spcBef>
-                <a:spcPts val="0"/>
-              </a:spcBef>
-              <a:spcAft>
-                <a:spcPts val="0"/>
-              </a:spcAft>
-              <a:buNone/>
-            </a:pPr>
-            <a:endParaRPr/>
-          </a:p>
-        </p:txBody>
-      </p:sp>
-    </p:spTree>
-  </p:cSld>
-  <p:clrMapOvr>
-    <a:masterClrMapping/>
-  </p:clrMapOvr>
-</p:notes>
-</file>
-
-<file path=ppt/notesSlides/notesSlide13.xml><?xml version="1.0" encoding="utf-8"?>
+<file path=ppt/notesSlides/notesSlide11.xml><?xml version="1.0" encoding="utf-8"?>
 <p:notes xmlns:a="http://schemas.openxmlformats.org/drawingml/2006/main" xmlns:r="http://schemas.openxmlformats.org/officeDocument/2006/relationships" xmlns:p="http://schemas.openxmlformats.org/presentationml/2006/main" showMasterSp="0" showMasterPhAnim="0">
   <p:cSld>
     <p:spTree>
@@ -1221,110 +1007,6 @@
       <p:sp>
         <p:nvSpPr>
           <p:cNvPr id="89" name="Google Shape;89;gebdfeb45a5_0_38:notes"/>
-          <p:cNvSpPr txBox="1">
-            <a:spLocks noGrp="1"/>
-          </p:cNvSpPr>
-          <p:nvPr>
-            <p:ph type="body" idx="1"/>
-          </p:nvPr>
-        </p:nvSpPr>
-        <p:spPr>
-          <a:xfrm>
-            <a:off x="685800" y="4343400"/>
-            <a:ext cx="5486400" cy="4114800"/>
-          </a:xfrm>
-          <a:prstGeom prst="rect">
-            <a:avLst/>
-          </a:prstGeom>
-        </p:spPr>
-        <p:txBody>
-          <a:bodyPr spcFirstLastPara="1" wrap="square" lIns="91425" tIns="91425" rIns="91425" bIns="91425" anchor="t" anchorCtr="0">
-            <a:noAutofit/>
-          </a:bodyPr>
-          <a:lstStyle/>
-          <a:p>
-            <a:pPr marL="0" lvl="0" indent="0" algn="l" rtl="0">
-              <a:spcBef>
-                <a:spcPts val="0"/>
-              </a:spcBef>
-              <a:spcAft>
-                <a:spcPts val="0"/>
-              </a:spcAft>
-              <a:buNone/>
-            </a:pPr>
-            <a:endParaRPr/>
-          </a:p>
-        </p:txBody>
-      </p:sp>
-    </p:spTree>
-  </p:cSld>
-  <p:clrMapOvr>
-    <a:masterClrMapping/>
-  </p:clrMapOvr>
-</p:notes>
-</file>
-
-<file path=ppt/notesSlides/notesSlide14.xml><?xml version="1.0" encoding="utf-8"?>
-<p:notes xmlns:a="http://schemas.openxmlformats.org/drawingml/2006/main" xmlns:r="http://schemas.openxmlformats.org/officeDocument/2006/relationships" xmlns:p="http://schemas.openxmlformats.org/presentationml/2006/main" showMasterSp="0" showMasterPhAnim="0">
-  <p:cSld>
-    <p:spTree>
-      <p:nvGrpSpPr>
-        <p:cNvPr id="1" name="Shape 94"/>
-        <p:cNvGrpSpPr/>
-        <p:nvPr/>
-      </p:nvGrpSpPr>
-      <p:grpSpPr>
-        <a:xfrm>
-          <a:off x="0" y="0"/>
-          <a:ext cx="0" cy="0"/>
-          <a:chOff x="0" y="0"/>
-          <a:chExt cx="0" cy="0"/>
-        </a:xfrm>
-      </p:grpSpPr>
-      <p:sp>
-        <p:nvSpPr>
-          <p:cNvPr id="95" name="Google Shape;95;gebdfeb45a5_0_29:notes"/>
-          <p:cNvSpPr>
-            <a:spLocks noGrp="1" noRot="1" noChangeAspect="1"/>
-          </p:cNvSpPr>
-          <p:nvPr>
-            <p:ph type="sldImg" idx="2"/>
-          </p:nvPr>
-        </p:nvSpPr>
-        <p:spPr>
-          <a:xfrm>
-            <a:off x="381000" y="685800"/>
-            <a:ext cx="6096000" cy="3429000"/>
-          </a:xfrm>
-          <a:custGeom>
-            <a:avLst/>
-            <a:gdLst/>
-            <a:ahLst/>
-            <a:cxnLst/>
-            <a:rect l="l" t="t" r="r" b="b"/>
-            <a:pathLst>
-              <a:path w="120000" h="120000" extrusionOk="0">
-                <a:moveTo>
-                  <a:pt x="0" y="0"/>
-                </a:moveTo>
-                <a:lnTo>
-                  <a:pt x="120000" y="0"/>
-                </a:lnTo>
-                <a:lnTo>
-                  <a:pt x="120000" y="120000"/>
-                </a:lnTo>
-                <a:lnTo>
-                  <a:pt x="0" y="120000"/>
-                </a:lnTo>
-                <a:close/>
-              </a:path>
-            </a:pathLst>
-          </a:custGeom>
-        </p:spPr>
-      </p:sp>
-      <p:sp>
-        <p:nvSpPr>
-          <p:cNvPr id="96" name="Google Shape;96;gebdfeb45a5_0_29:notes"/>
           <p:cNvSpPr txBox="1">
             <a:spLocks noGrp="1"/>
           </p:cNvSpPr>
@@ -1482,7 +1164,7 @@
   <p:cSld>
     <p:spTree>
       <p:nvGrpSpPr>
-        <p:cNvPr id="1" name="Shape 56"/>
+        <p:cNvPr id="1" name="Shape 62"/>
         <p:cNvGrpSpPr/>
         <p:nvPr/>
       </p:nvGrpSpPr>
@@ -1496,7 +1178,7 @@
       </p:grpSpPr>
       <p:sp>
         <p:nvSpPr>
-          <p:cNvPr id="57" name="Google Shape;57;gf6a3e371d8_0_0:notes"/>
+          <p:cNvPr id="63" name="Google Shape;63;gebdfeb45a5_0_5:notes"/>
           <p:cNvSpPr>
             <a:spLocks noGrp="1" noRot="1" noChangeAspect="1"/>
           </p:cNvSpPr>
@@ -1537,7 +1219,7 @@
       </p:sp>
       <p:sp>
         <p:nvSpPr>
-          <p:cNvPr id="58" name="Google Shape;58;gf6a3e371d8_0_0:notes"/>
+          <p:cNvPr id="64" name="Google Shape;64;gebdfeb45a5_0_5:notes"/>
           <p:cNvSpPr txBox="1">
             <a:spLocks noGrp="1"/>
           </p:cNvSpPr>
@@ -1574,6 +1256,11 @@
         </p:txBody>
       </p:sp>
     </p:spTree>
+    <p:extLst>
+      <p:ext uri="{BB962C8B-B14F-4D97-AF65-F5344CB8AC3E}">
+        <p14:creationId xmlns:p14="http://schemas.microsoft.com/office/powerpoint/2010/main" val="2710544688"/>
+      </p:ext>
+    </p:extLst>
   </p:cSld>
   <p:clrMapOvr>
     <a:masterClrMapping/>
@@ -1586,7 +1273,7 @@
   <p:cSld>
     <p:spTree>
       <p:nvGrpSpPr>
-        <p:cNvPr id="1" name="Shape 62"/>
+        <p:cNvPr id="1" name="Shape 94"/>
         <p:cNvGrpSpPr/>
         <p:nvPr/>
       </p:nvGrpSpPr>
@@ -1600,7 +1287,7 @@
       </p:grpSpPr>
       <p:sp>
         <p:nvSpPr>
-          <p:cNvPr id="63" name="Google Shape;63;gf6a3e371d8_0_50:notes"/>
+          <p:cNvPr id="95" name="Google Shape;95;gebdfeb45a5_0_29:notes"/>
           <p:cNvSpPr>
             <a:spLocks noGrp="1" noRot="1" noChangeAspect="1"/>
           </p:cNvSpPr>
@@ -1641,7 +1328,7 @@
       </p:sp>
       <p:sp>
         <p:nvSpPr>
-          <p:cNvPr id="64" name="Google Shape;64;gf6a3e371d8_0_50:notes"/>
+          <p:cNvPr id="96" name="Google Shape;96;gebdfeb45a5_0_29:notes"/>
           <p:cNvSpPr txBox="1">
             <a:spLocks noGrp="1"/>
           </p:cNvSpPr>
@@ -1678,6 +1365,11 @@
         </p:txBody>
       </p:sp>
     </p:spTree>
+    <p:extLst>
+      <p:ext uri="{BB962C8B-B14F-4D97-AF65-F5344CB8AC3E}">
+        <p14:creationId xmlns:p14="http://schemas.microsoft.com/office/powerpoint/2010/main" val="3862888145"/>
+      </p:ext>
+    </p:extLst>
   </p:cSld>
   <p:clrMapOvr>
     <a:masterClrMapping/>
@@ -1686,110 +1378,6 @@
 </file>
 
 <file path=ppt/notesSlides/notesSlide5.xml><?xml version="1.0" encoding="utf-8"?>
-<p:notes xmlns:a="http://schemas.openxmlformats.org/drawingml/2006/main" xmlns:r="http://schemas.openxmlformats.org/officeDocument/2006/relationships" xmlns:p="http://schemas.openxmlformats.org/presentationml/2006/main" showMasterSp="0" showMasterPhAnim="0">
-  <p:cSld>
-    <p:spTree>
-      <p:nvGrpSpPr>
-        <p:cNvPr id="1" name="Shape 71"/>
-        <p:cNvGrpSpPr/>
-        <p:nvPr/>
-      </p:nvGrpSpPr>
-      <p:grpSpPr>
-        <a:xfrm>
-          <a:off x="0" y="0"/>
-          <a:ext cx="0" cy="0"/>
-          <a:chOff x="0" y="0"/>
-          <a:chExt cx="0" cy="0"/>
-        </a:xfrm>
-      </p:grpSpPr>
-      <p:sp>
-        <p:nvSpPr>
-          <p:cNvPr id="72" name="Google Shape;72;gf6a3e371d8_0_58:notes"/>
-          <p:cNvSpPr>
-            <a:spLocks noGrp="1" noRot="1" noChangeAspect="1"/>
-          </p:cNvSpPr>
-          <p:nvPr>
-            <p:ph type="sldImg" idx="2"/>
-          </p:nvPr>
-        </p:nvSpPr>
-        <p:spPr>
-          <a:xfrm>
-            <a:off x="381000" y="685800"/>
-            <a:ext cx="6096000" cy="3429000"/>
-          </a:xfrm>
-          <a:custGeom>
-            <a:avLst/>
-            <a:gdLst/>
-            <a:ahLst/>
-            <a:cxnLst/>
-            <a:rect l="l" t="t" r="r" b="b"/>
-            <a:pathLst>
-              <a:path w="120000" h="120000" extrusionOk="0">
-                <a:moveTo>
-                  <a:pt x="0" y="0"/>
-                </a:moveTo>
-                <a:lnTo>
-                  <a:pt x="120000" y="0"/>
-                </a:lnTo>
-                <a:lnTo>
-                  <a:pt x="120000" y="120000"/>
-                </a:lnTo>
-                <a:lnTo>
-                  <a:pt x="0" y="120000"/>
-                </a:lnTo>
-                <a:close/>
-              </a:path>
-            </a:pathLst>
-          </a:custGeom>
-        </p:spPr>
-      </p:sp>
-      <p:sp>
-        <p:nvSpPr>
-          <p:cNvPr id="73" name="Google Shape;73;gf6a3e371d8_0_58:notes"/>
-          <p:cNvSpPr txBox="1">
-            <a:spLocks noGrp="1"/>
-          </p:cNvSpPr>
-          <p:nvPr>
-            <p:ph type="body" idx="1"/>
-          </p:nvPr>
-        </p:nvSpPr>
-        <p:spPr>
-          <a:xfrm>
-            <a:off x="685800" y="4343400"/>
-            <a:ext cx="5486400" cy="4114800"/>
-          </a:xfrm>
-          <a:prstGeom prst="rect">
-            <a:avLst/>
-          </a:prstGeom>
-        </p:spPr>
-        <p:txBody>
-          <a:bodyPr spcFirstLastPara="1" wrap="square" lIns="91425" tIns="91425" rIns="91425" bIns="91425" anchor="t" anchorCtr="0">
-            <a:noAutofit/>
-          </a:bodyPr>
-          <a:lstStyle/>
-          <a:p>
-            <a:pPr marL="0" lvl="0" indent="0" algn="l" rtl="0">
-              <a:spcBef>
-                <a:spcPts val="0"/>
-              </a:spcBef>
-              <a:spcAft>
-                <a:spcPts val="0"/>
-              </a:spcAft>
-              <a:buNone/>
-            </a:pPr>
-            <a:endParaRPr/>
-          </a:p>
-        </p:txBody>
-      </p:sp>
-    </p:spTree>
-  </p:cSld>
-  <p:clrMapOvr>
-    <a:masterClrMapping/>
-  </p:clrMapOvr>
-</p:notes>
-</file>
-
-<file path=ppt/notesSlides/notesSlide6.xml><?xml version="1.0" encoding="utf-8"?>
 <p:notes xmlns:a="http://schemas.openxmlformats.org/drawingml/2006/main" xmlns:r="http://schemas.openxmlformats.org/officeDocument/2006/relationships" xmlns:p="http://schemas.openxmlformats.org/presentationml/2006/main" showMasterSp="0" showMasterPhAnim="0">
   <p:cSld>
     <p:spTree>
@@ -1893,7 +1481,7 @@
 </p:notes>
 </file>
 
-<file path=ppt/notesSlides/notesSlide7.xml><?xml version="1.0" encoding="utf-8"?>
+<file path=ppt/notesSlides/notesSlide6.xml><?xml version="1.0" encoding="utf-8"?>
 <p:notes xmlns:a="http://schemas.openxmlformats.org/drawingml/2006/main" xmlns:r="http://schemas.openxmlformats.org/officeDocument/2006/relationships" xmlns:p="http://schemas.openxmlformats.org/presentationml/2006/main" showMasterSp="0" showMasterPhAnim="0">
   <p:cSld>
     <p:spTree>
@@ -1997,7 +1585,7 @@
 </p:notes>
 </file>
 
-<file path=ppt/notesSlides/notesSlide8.xml><?xml version="1.0" encoding="utf-8"?>
+<file path=ppt/notesSlides/notesSlide7.xml><?xml version="1.0" encoding="utf-8"?>
 <p:notes xmlns:a="http://schemas.openxmlformats.org/drawingml/2006/main" xmlns:r="http://schemas.openxmlformats.org/officeDocument/2006/relationships" xmlns:p="http://schemas.openxmlformats.org/presentationml/2006/main" showMasterSp="0" showMasterPhAnim="0">
   <p:cSld>
     <p:spTree>
@@ -2101,7 +1689,7 @@
 </p:notes>
 </file>
 
-<file path=ppt/notesSlides/notesSlide9.xml><?xml version="1.0" encoding="utf-8"?>
+<file path=ppt/notesSlides/notesSlide8.xml><?xml version="1.0" encoding="utf-8"?>
 <p:notes xmlns:a="http://schemas.openxmlformats.org/drawingml/2006/main" xmlns:r="http://schemas.openxmlformats.org/officeDocument/2006/relationships" xmlns:p="http://schemas.openxmlformats.org/presentationml/2006/main" showMasterSp="0" showMasterPhAnim="0">
   <p:cSld>
     <p:spTree>
@@ -2162,6 +1750,110 @@
       <p:sp>
         <p:nvSpPr>
           <p:cNvPr id="100" name="Google Shape;100;gf6a3e371d8_0_171:notes"/>
+          <p:cNvSpPr txBox="1">
+            <a:spLocks noGrp="1"/>
+          </p:cNvSpPr>
+          <p:nvPr>
+            <p:ph type="body" idx="1"/>
+          </p:nvPr>
+        </p:nvSpPr>
+        <p:spPr>
+          <a:xfrm>
+            <a:off x="685800" y="4343400"/>
+            <a:ext cx="5486400" cy="4114800"/>
+          </a:xfrm>
+          <a:prstGeom prst="rect">
+            <a:avLst/>
+          </a:prstGeom>
+        </p:spPr>
+        <p:txBody>
+          <a:bodyPr spcFirstLastPara="1" wrap="square" lIns="91425" tIns="91425" rIns="91425" bIns="91425" anchor="t" anchorCtr="0">
+            <a:noAutofit/>
+          </a:bodyPr>
+          <a:lstStyle/>
+          <a:p>
+            <a:pPr marL="0" lvl="0" indent="0" algn="l" rtl="0">
+              <a:spcBef>
+                <a:spcPts val="0"/>
+              </a:spcBef>
+              <a:spcAft>
+                <a:spcPts val="0"/>
+              </a:spcAft>
+              <a:buNone/>
+            </a:pPr>
+            <a:endParaRPr/>
+          </a:p>
+        </p:txBody>
+      </p:sp>
+    </p:spTree>
+  </p:cSld>
+  <p:clrMapOvr>
+    <a:masterClrMapping/>
+  </p:clrMapOvr>
+</p:notes>
+</file>
+
+<file path=ppt/notesSlides/notesSlide9.xml><?xml version="1.0" encoding="utf-8"?>
+<p:notes xmlns:a="http://schemas.openxmlformats.org/drawingml/2006/main" xmlns:r="http://schemas.openxmlformats.org/officeDocument/2006/relationships" xmlns:p="http://schemas.openxmlformats.org/presentationml/2006/main" showMasterSp="0" showMasterPhAnim="0">
+  <p:cSld>
+    <p:spTree>
+      <p:nvGrpSpPr>
+        <p:cNvPr id="1" name="Shape 104"/>
+        <p:cNvGrpSpPr/>
+        <p:nvPr/>
+      </p:nvGrpSpPr>
+      <p:grpSpPr>
+        <a:xfrm>
+          <a:off x="0" y="0"/>
+          <a:ext cx="0" cy="0"/>
+          <a:chOff x="0" y="0"/>
+          <a:chExt cx="0" cy="0"/>
+        </a:xfrm>
+      </p:grpSpPr>
+      <p:sp>
+        <p:nvSpPr>
+          <p:cNvPr id="105" name="Google Shape;105;gf5e49ec3f2_0_0:notes"/>
+          <p:cNvSpPr>
+            <a:spLocks noGrp="1" noRot="1" noChangeAspect="1"/>
+          </p:cNvSpPr>
+          <p:nvPr>
+            <p:ph type="sldImg" idx="2"/>
+          </p:nvPr>
+        </p:nvSpPr>
+        <p:spPr>
+          <a:xfrm>
+            <a:off x="381000" y="685800"/>
+            <a:ext cx="6096000" cy="3429000"/>
+          </a:xfrm>
+          <a:custGeom>
+            <a:avLst/>
+            <a:gdLst/>
+            <a:ahLst/>
+            <a:cxnLst/>
+            <a:rect l="l" t="t" r="r" b="b"/>
+            <a:pathLst>
+              <a:path w="120000" h="120000" extrusionOk="0">
+                <a:moveTo>
+                  <a:pt x="0" y="0"/>
+                </a:moveTo>
+                <a:lnTo>
+                  <a:pt x="120000" y="0"/>
+                </a:lnTo>
+                <a:lnTo>
+                  <a:pt x="120000" y="120000"/>
+                </a:lnTo>
+                <a:lnTo>
+                  <a:pt x="0" y="120000"/>
+                </a:lnTo>
+                <a:close/>
+              </a:path>
+            </a:pathLst>
+          </a:custGeom>
+        </p:spPr>
+      </p:sp>
+      <p:sp>
+        <p:nvSpPr>
+          <p:cNvPr id="106" name="Google Shape;106;gf5e49ec3f2_0_0:notes"/>
           <p:cNvSpPr txBox="1">
             <a:spLocks noGrp="1"/>
           </p:cNvSpPr>
@@ -6849,6 +6541,187 @@
   <p:cSld>
     <p:spTree>
       <p:nvGrpSpPr>
+        <p:cNvPr id="1" name="Shape 101"/>
+        <p:cNvGrpSpPr/>
+        <p:nvPr/>
+      </p:nvGrpSpPr>
+      <p:grpSpPr>
+        <a:xfrm>
+          <a:off x="0" y="0"/>
+          <a:ext cx="0" cy="0"/>
+          <a:chOff x="0" y="0"/>
+          <a:chExt cx="0" cy="0"/>
+        </a:xfrm>
+      </p:grpSpPr>
+      <p:sp>
+        <p:nvSpPr>
+          <p:cNvPr id="102" name="Google Shape;102;p20"/>
+          <p:cNvSpPr txBox="1">
+            <a:spLocks noGrp="1"/>
+          </p:cNvSpPr>
+          <p:nvPr>
+            <p:ph type="title"/>
+          </p:nvPr>
+        </p:nvSpPr>
+        <p:spPr>
+          <a:xfrm>
+            <a:off x="311700" y="445025"/>
+            <a:ext cx="8520600" cy="572700"/>
+          </a:xfrm>
+          <a:prstGeom prst="rect">
+            <a:avLst/>
+          </a:prstGeom>
+        </p:spPr>
+        <p:txBody>
+          <a:bodyPr spcFirstLastPara="1" wrap="square" lIns="91425" tIns="91425" rIns="91425" bIns="91425" anchor="t" anchorCtr="0">
+            <a:noAutofit/>
+          </a:bodyPr>
+          <a:lstStyle/>
+          <a:p>
+            <a:pPr marL="0" lvl="0" indent="0" algn="l" rtl="0">
+              <a:spcBef>
+                <a:spcPts val="0"/>
+              </a:spcBef>
+              <a:spcAft>
+                <a:spcPts val="0"/>
+              </a:spcAft>
+              <a:buNone/>
+            </a:pPr>
+            <a:r>
+              <a:rPr lang="en-GB" dirty="0">
+                <a:solidFill>
+                  <a:srgbClr val="FF0000"/>
+                </a:solidFill>
+              </a:rPr>
+              <a:t>Detailed behaviour</a:t>
+            </a:r>
+            <a:endParaRPr dirty="0">
+              <a:solidFill>
+                <a:srgbClr val="FF0000"/>
+              </a:solidFill>
+            </a:endParaRPr>
+          </a:p>
+        </p:txBody>
+      </p:sp>
+      <p:sp>
+        <p:nvSpPr>
+          <p:cNvPr id="103" name="Google Shape;103;p20"/>
+          <p:cNvSpPr txBox="1">
+            <a:spLocks noGrp="1"/>
+          </p:cNvSpPr>
+          <p:nvPr>
+            <p:ph type="body" idx="1"/>
+          </p:nvPr>
+        </p:nvSpPr>
+        <p:spPr>
+          <a:xfrm>
+            <a:off x="311700" y="1152475"/>
+            <a:ext cx="8520600" cy="3416400"/>
+          </a:xfrm>
+          <a:prstGeom prst="rect">
+            <a:avLst/>
+          </a:prstGeom>
+        </p:spPr>
+        <p:txBody>
+          <a:bodyPr spcFirstLastPara="1" wrap="square" lIns="91425" tIns="91425" rIns="91425" bIns="91425" anchor="t" anchorCtr="0">
+            <a:noAutofit/>
+          </a:bodyPr>
+          <a:lstStyle/>
+          <a:p>
+            <a:pPr marL="0" lvl="0" indent="0" algn="l" rtl="0">
+              <a:spcBef>
+                <a:spcPts val="0"/>
+              </a:spcBef>
+              <a:spcAft>
+                <a:spcPts val="0"/>
+              </a:spcAft>
+              <a:buNone/>
+            </a:pPr>
+            <a:r>
+              <a:rPr lang="en-GB" dirty="0"/>
+              <a:t>Use an activity or state diagram to describe </a:t>
+            </a:r>
+            <a:r>
+              <a:rPr lang="en-GB" dirty="0" err="1"/>
+              <a:t>behavior</a:t>
+            </a:r>
+            <a:r>
+              <a:rPr lang="en-GB" dirty="0"/>
+              <a:t> of </a:t>
+            </a:r>
+            <a:r>
+              <a:rPr lang="en-GB" b="1" dirty="0"/>
+              <a:t>one </a:t>
+            </a:r>
+            <a:r>
+              <a:rPr lang="en-GB" dirty="0"/>
+              <a:t>of the dynamic classifiers in your model</a:t>
+            </a:r>
+            <a:endParaRPr dirty="0"/>
+          </a:p>
+          <a:p>
+            <a:pPr marL="0" lvl="0" indent="0" algn="l" rtl="0">
+              <a:spcBef>
+                <a:spcPts val="1200"/>
+              </a:spcBef>
+              <a:spcAft>
+                <a:spcPts val="0"/>
+              </a:spcAft>
+              <a:buNone/>
+            </a:pPr>
+            <a:r>
+              <a:rPr lang="en-GB" dirty="0"/>
+              <a:t>Add the diagram here and explain how it works precisely in detail</a:t>
+            </a:r>
+            <a:endParaRPr dirty="0"/>
+          </a:p>
+          <a:p>
+            <a:pPr marL="0" lvl="0" indent="0" algn="l" rtl="0">
+              <a:spcBef>
+                <a:spcPts val="1200"/>
+              </a:spcBef>
+              <a:spcAft>
+                <a:spcPts val="0"/>
+              </a:spcAft>
+              <a:buNone/>
+            </a:pPr>
+            <a:r>
+              <a:rPr lang="en-GB" dirty="0"/>
+              <a:t>Check that the overall model remains well-formed</a:t>
+            </a:r>
+            <a:endParaRPr dirty="0"/>
+          </a:p>
+          <a:p>
+            <a:pPr marL="0" lvl="0" indent="0" algn="l" rtl="0">
+              <a:spcBef>
+                <a:spcPts val="1200"/>
+              </a:spcBef>
+              <a:spcAft>
+                <a:spcPts val="1200"/>
+              </a:spcAft>
+              <a:buNone/>
+            </a:pPr>
+            <a:r>
+              <a:rPr lang="en-GB" dirty="0"/>
+              <a:t>Note: too small models may not be enough to demonstrate your qualification</a:t>
+            </a:r>
+            <a:endParaRPr dirty="0"/>
+          </a:p>
+        </p:txBody>
+      </p:sp>
+    </p:spTree>
+  </p:cSld>
+  <p:clrMapOvr>
+    <a:masterClrMapping/>
+  </p:clrMapOvr>
+</p:sld>
+</file>
+
+<file path=ppt/slides/slide11.xml><?xml version="1.0" encoding="utf-8"?>
+<p:sld xmlns:a="http://schemas.openxmlformats.org/drawingml/2006/main" xmlns:r="http://schemas.openxmlformats.org/officeDocument/2006/relationships" xmlns:p="http://schemas.openxmlformats.org/presentationml/2006/main">
+  <p:cSld>
+    <p:spTree>
+      <p:nvGrpSpPr>
         <p:cNvPr id="1" name="Shape 107"/>
         <p:cNvGrpSpPr/>
         <p:nvPr/>
@@ -6896,10 +6769,18 @@
               <a:buNone/>
             </a:pPr>
             <a:r>
-              <a:rPr lang="en-GB"/>
+              <a:rPr lang="en-GB" dirty="0">
+                <a:solidFill>
+                  <a:srgbClr val="FF0000"/>
+                </a:solidFill>
+              </a:rPr>
               <a:t>Repository structure</a:t>
             </a:r>
-            <a:endParaRPr/>
+            <a:endParaRPr dirty="0">
+              <a:solidFill>
+                <a:srgbClr val="FF0000"/>
+              </a:solidFill>
+            </a:endParaRPr>
           </a:p>
         </p:txBody>
       </p:sp>
@@ -6985,7 +6866,7 @@
 </p:sld>
 </file>
 
-<file path=ppt/slides/slide11.xml><?xml version="1.0" encoding="utf-8"?>
+<file path=ppt/slides/slide12.xml><?xml version="1.0" encoding="utf-8"?>
 <p:sld xmlns:a="http://schemas.openxmlformats.org/drawingml/2006/main" xmlns:r="http://schemas.openxmlformats.org/officeDocument/2006/relationships" xmlns:p="http://schemas.openxmlformats.org/presentationml/2006/main">
   <p:cSld>
     <p:spTree>
@@ -7037,10 +6918,18 @@
               <a:buNone/>
             </a:pPr>
             <a:r>
-              <a:rPr lang="en-GB"/>
+              <a:rPr lang="en-GB" dirty="0">
+                <a:solidFill>
+                  <a:srgbClr val="FF0000"/>
+                </a:solidFill>
+              </a:rPr>
               <a:t>Team and roles</a:t>
             </a:r>
-            <a:endParaRPr/>
+            <a:endParaRPr dirty="0">
+              <a:solidFill>
+                <a:srgbClr val="FF0000"/>
+              </a:solidFill>
+            </a:endParaRPr>
           </a:p>
         </p:txBody>
       </p:sp>
@@ -7094,1517 +6983,8 @@
 </p:sld>
 </file>
 
-<file path=ppt/slides/slide12.xml><?xml version="1.0" encoding="utf-8"?>
-<p:sld xmlns:a="http://schemas.openxmlformats.org/drawingml/2006/main" xmlns:r="http://schemas.openxmlformats.org/officeDocument/2006/relationships" xmlns:p="http://schemas.openxmlformats.org/presentationml/2006/main">
-  <p:cSld>
-    <p:spTree>
-      <p:nvGrpSpPr>
-        <p:cNvPr id="1" name="Shape 65"/>
-        <p:cNvGrpSpPr/>
-        <p:nvPr/>
-      </p:nvGrpSpPr>
-      <p:grpSpPr>
-        <a:xfrm>
-          <a:off x="0" y="0"/>
-          <a:ext cx="0" cy="0"/>
-          <a:chOff x="0" y="0"/>
-          <a:chExt cx="0" cy="0"/>
-        </a:xfrm>
-      </p:grpSpPr>
-      <p:sp>
-        <p:nvSpPr>
-          <p:cNvPr id="66" name="Google Shape;66;p15"/>
-          <p:cNvSpPr txBox="1">
-            <a:spLocks noGrp="1"/>
-          </p:cNvSpPr>
-          <p:nvPr>
-            <p:ph type="title"/>
-          </p:nvPr>
-        </p:nvSpPr>
-        <p:spPr>
-          <a:xfrm>
-            <a:off x="252575" y="140425"/>
-            <a:ext cx="8520600" cy="572700"/>
-          </a:xfrm>
-          <a:prstGeom prst="rect">
-            <a:avLst/>
-          </a:prstGeom>
-        </p:spPr>
-        <p:txBody>
-          <a:bodyPr spcFirstLastPara="1" wrap="square" lIns="91425" tIns="91425" rIns="91425" bIns="91425" anchor="t" anchorCtr="0">
-            <a:noAutofit/>
-          </a:bodyPr>
-          <a:lstStyle/>
-          <a:p>
-            <a:pPr marL="0" lvl="0" indent="0" algn="l" rtl="0">
-              <a:spcBef>
-                <a:spcPts val="0"/>
-              </a:spcBef>
-              <a:spcAft>
-                <a:spcPts val="0"/>
-              </a:spcAft>
-              <a:buNone/>
-            </a:pPr>
-            <a:r>
-              <a:rPr lang="en-GB" dirty="0"/>
-              <a:t>Roles</a:t>
-            </a:r>
-            <a:endParaRPr dirty="0"/>
-          </a:p>
-        </p:txBody>
-      </p:sp>
-      <p:sp>
-        <p:nvSpPr>
-          <p:cNvPr id="67" name="Google Shape;67;p15"/>
-          <p:cNvSpPr txBox="1">
-            <a:spLocks noGrp="1"/>
-          </p:cNvSpPr>
-          <p:nvPr>
-            <p:ph type="body" idx="1"/>
-          </p:nvPr>
-        </p:nvSpPr>
-        <p:spPr>
-          <a:xfrm>
-            <a:off x="4867836" y="1277470"/>
-            <a:ext cx="3939988" cy="3012142"/>
-          </a:xfrm>
-          <a:prstGeom prst="rect">
-            <a:avLst/>
-          </a:prstGeom>
-        </p:spPr>
-        <p:txBody>
-          <a:bodyPr spcFirstLastPara="1" wrap="square" lIns="91425" tIns="91425" rIns="91425" bIns="91425" anchor="t" anchorCtr="0">
-            <a:noAutofit/>
-          </a:bodyPr>
-          <a:lstStyle/>
-          <a:p>
-            <a:pPr marL="0" lvl="0" indent="0" algn="just" rtl="0">
-              <a:spcBef>
-                <a:spcPts val="0"/>
-              </a:spcBef>
-              <a:spcAft>
-                <a:spcPts val="0"/>
-              </a:spcAft>
-              <a:buNone/>
-            </a:pPr>
-            <a:r>
-              <a:rPr lang="en-US" b="1" dirty="0">
-                <a:solidFill>
-                  <a:schemeClr val="tx1"/>
-                </a:solidFill>
-              </a:rPr>
-              <a:t>API Consumer</a:t>
-            </a:r>
-          </a:p>
-          <a:p>
-            <a:pPr marL="0" lvl="0" indent="0" algn="just" rtl="0">
-              <a:spcBef>
-                <a:spcPts val="0"/>
-              </a:spcBef>
-              <a:spcAft>
-                <a:spcPts val="0"/>
-              </a:spcAft>
-              <a:buNone/>
-            </a:pPr>
-            <a:endParaRPr lang="en-US" b="1" dirty="0">
-              <a:solidFill>
-                <a:schemeClr val="tx1"/>
-              </a:solidFill>
-            </a:endParaRPr>
-          </a:p>
-          <a:p>
-            <a:pPr marL="0" lvl="0" indent="0" algn="just" rtl="0">
-              <a:spcBef>
-                <a:spcPts val="0"/>
-              </a:spcBef>
-              <a:spcAft>
-                <a:spcPts val="0"/>
-              </a:spcAft>
-              <a:buNone/>
-            </a:pPr>
-            <a:r>
-              <a:rPr lang="en-US" b="1" dirty="0">
-                <a:solidFill>
-                  <a:schemeClr val="tx1"/>
-                </a:solidFill>
-              </a:rPr>
-              <a:t>Description:</a:t>
-            </a:r>
-            <a:r>
-              <a:rPr lang="en-US" dirty="0">
-                <a:solidFill>
-                  <a:schemeClr val="tx1"/>
-                </a:solidFill>
-              </a:rPr>
-              <a:t> This role includes all users interacting with APIs to integrate ML models into their applications. They want to access reliable and well-documented APIs, enabling seamless integration of ML models into their business applications and ensuring optimal performance and usability.</a:t>
-            </a:r>
-            <a:endParaRPr dirty="0">
-              <a:solidFill>
-                <a:schemeClr val="tx1"/>
-              </a:solidFill>
-            </a:endParaRPr>
-          </a:p>
-        </p:txBody>
-      </p:sp>
-      <p:sp>
-        <p:nvSpPr>
-          <p:cNvPr id="70" name="Google Shape;70;p15"/>
-          <p:cNvSpPr txBox="1">
-            <a:spLocks noGrp="1"/>
-          </p:cNvSpPr>
-          <p:nvPr>
-            <p:ph type="body" idx="1"/>
-          </p:nvPr>
-        </p:nvSpPr>
-        <p:spPr>
-          <a:xfrm>
-            <a:off x="336176" y="1277470"/>
-            <a:ext cx="4034118" cy="3160059"/>
-          </a:xfrm>
-          <a:prstGeom prst="rect">
-            <a:avLst/>
-          </a:prstGeom>
-        </p:spPr>
-        <p:txBody>
-          <a:bodyPr spcFirstLastPara="1" wrap="square" lIns="91425" tIns="91425" rIns="91425" bIns="91425" anchor="t" anchorCtr="0">
-            <a:noAutofit/>
-          </a:bodyPr>
-          <a:lstStyle/>
-          <a:p>
-            <a:pPr marL="139700" indent="0">
-              <a:buNone/>
-            </a:pPr>
-            <a:r>
-              <a:rPr lang="en-US" b="1" dirty="0">
-                <a:solidFill>
-                  <a:schemeClr val="tx1"/>
-                </a:solidFill>
-              </a:rPr>
-              <a:t>ML Engineer</a:t>
-            </a:r>
-            <a:endParaRPr lang="ru-RU" b="1" dirty="0">
-              <a:solidFill>
-                <a:schemeClr val="tx1"/>
-              </a:solidFill>
-            </a:endParaRPr>
-          </a:p>
-          <a:p>
-            <a:pPr marL="139700" indent="0">
-              <a:buNone/>
-            </a:pPr>
-            <a:br>
-              <a:rPr lang="en-US" dirty="0">
-                <a:solidFill>
-                  <a:schemeClr val="tx1"/>
-                </a:solidFill>
-              </a:rPr>
-            </a:br>
-            <a:r>
-              <a:rPr lang="en-US" b="1" dirty="0">
-                <a:solidFill>
-                  <a:schemeClr val="tx1"/>
-                </a:solidFill>
-              </a:rPr>
-              <a:t>Description:</a:t>
-            </a:r>
-            <a:r>
-              <a:rPr lang="en-US" dirty="0">
-                <a:solidFill>
-                  <a:schemeClr val="tx1"/>
-                </a:solidFill>
-              </a:rPr>
-              <a:t> This role joins professionals involved in the development, deployment, and monitoring of ML models. They want to simplify the deployment process, automate API documentation, and ensure efficient request validation and caching, ultimately enhancing their workflow and model performance.</a:t>
-            </a:r>
-          </a:p>
-        </p:txBody>
-      </p:sp>
-    </p:spTree>
-  </p:cSld>
-  <p:clrMapOvr>
-    <a:masterClrMapping/>
-  </p:clrMapOvr>
-</p:sld>
-</file>
-
 <file path=ppt/slides/slide13.xml><?xml version="1.0" encoding="utf-8"?>
-<p:sld xmlns:a="http://schemas.openxmlformats.org/drawingml/2006/main" xmlns:r="http://schemas.openxmlformats.org/officeDocument/2006/relationships" xmlns:p="http://schemas.openxmlformats.org/presentationml/2006/main">
-  <p:cSld>
-    <p:spTree>
-      <p:nvGrpSpPr>
-        <p:cNvPr id="1" name=""/>
-        <p:cNvGrpSpPr/>
-        <p:nvPr/>
-      </p:nvGrpSpPr>
-      <p:grpSpPr>
-        <a:xfrm>
-          <a:off x="0" y="0"/>
-          <a:ext cx="0" cy="0"/>
-          <a:chOff x="0" y="0"/>
-          <a:chExt cx="0" cy="0"/>
-        </a:xfrm>
-      </p:grpSpPr>
-      <p:sp>
-        <p:nvSpPr>
-          <p:cNvPr id="3" name="Текст 2">
-            <a:extLst>
-              <a:ext uri="{FF2B5EF4-FFF2-40B4-BE49-F238E27FC236}">
-                <a16:creationId xmlns:a16="http://schemas.microsoft.com/office/drawing/2014/main" id="{73D9E495-74CF-49FC-8FE9-9E20997A0616}"/>
-              </a:ext>
-            </a:extLst>
-          </p:cNvPr>
-          <p:cNvSpPr>
-            <a:spLocks noGrp="1"/>
-          </p:cNvSpPr>
-          <p:nvPr>
-            <p:ph type="body" idx="1"/>
-          </p:nvPr>
-        </p:nvSpPr>
-        <p:spPr>
-          <a:xfrm>
-            <a:off x="311701" y="863550"/>
-            <a:ext cx="4051870" cy="3416400"/>
-          </a:xfrm>
-        </p:spPr>
-        <p:txBody>
-          <a:bodyPr/>
-          <a:lstStyle/>
-          <a:p>
-            <a:pPr marL="139700" indent="0">
-              <a:buNone/>
-            </a:pPr>
-            <a:r>
-              <a:rPr lang="en-US" b="1" dirty="0">
-                <a:solidFill>
-                  <a:schemeClr val="tx1"/>
-                </a:solidFill>
-              </a:rPr>
-              <a:t>ML Engineer (Maria, 32 years old)</a:t>
-            </a:r>
-          </a:p>
-          <a:p>
-            <a:pPr marL="139700" indent="0">
-              <a:buNone/>
-            </a:pPr>
-            <a:br>
-              <a:rPr lang="en-US" dirty="0">
-                <a:solidFill>
-                  <a:schemeClr val="tx1"/>
-                </a:solidFill>
-              </a:rPr>
-            </a:br>
-            <a:r>
-              <a:rPr lang="en-US" b="1" dirty="0">
-                <a:solidFill>
-                  <a:schemeClr val="tx1"/>
-                </a:solidFill>
-              </a:rPr>
-              <a:t>Goals:</a:t>
-            </a:r>
-            <a:endParaRPr lang="en-US" dirty="0">
-              <a:solidFill>
-                <a:schemeClr val="tx1"/>
-              </a:solidFill>
-            </a:endParaRPr>
-          </a:p>
-          <a:p>
-            <a:pPr>
-              <a:buFont typeface="Arial" panose="020B0604020202020204" pitchFamily="34" charset="0"/>
-              <a:buChar char="•"/>
-            </a:pPr>
-            <a:r>
-              <a:rPr lang="en-US" dirty="0">
-                <a:solidFill>
-                  <a:schemeClr val="tx1"/>
-                </a:solidFill>
-              </a:rPr>
-              <a:t>Deploy and version ML models in Kubernetes.</a:t>
-            </a:r>
-          </a:p>
-          <a:p>
-            <a:pPr>
-              <a:buFont typeface="Arial" panose="020B0604020202020204" pitchFamily="34" charset="0"/>
-              <a:buChar char="•"/>
-            </a:pPr>
-            <a:r>
-              <a:rPr lang="en-US" dirty="0">
-                <a:solidFill>
-                  <a:schemeClr val="tx1"/>
-                </a:solidFill>
-              </a:rPr>
-              <a:t>Automatic API documentation and request validation.</a:t>
-            </a:r>
-          </a:p>
-          <a:p>
-            <a:pPr>
-              <a:buFont typeface="Arial" panose="020B0604020202020204" pitchFamily="34" charset="0"/>
-              <a:buChar char="•"/>
-            </a:pPr>
-            <a:r>
-              <a:rPr lang="en-US" dirty="0">
-                <a:solidFill>
-                  <a:schemeClr val="tx1"/>
-                </a:solidFill>
-              </a:rPr>
-              <a:t>Flexibility for different ML frameworks.</a:t>
-            </a:r>
-          </a:p>
-          <a:p>
-            <a:pPr marL="139700" indent="0">
-              <a:buNone/>
-            </a:pPr>
-            <a:endParaRPr lang="ru-RU" b="1" dirty="0">
-              <a:solidFill>
-                <a:schemeClr val="tx1"/>
-              </a:solidFill>
-            </a:endParaRPr>
-          </a:p>
-          <a:p>
-            <a:pPr marL="139700" indent="0">
-              <a:buNone/>
-            </a:pPr>
-            <a:endParaRPr lang="ru-RU" b="1" dirty="0">
-              <a:solidFill>
-                <a:schemeClr val="tx1"/>
-              </a:solidFill>
-            </a:endParaRPr>
-          </a:p>
-          <a:p>
-            <a:pPr marL="139700" indent="0">
-              <a:buNone/>
-            </a:pPr>
-            <a:r>
-              <a:rPr lang="en-US" b="1" dirty="0">
-                <a:solidFill>
-                  <a:schemeClr val="tx1"/>
-                </a:solidFill>
-              </a:rPr>
-              <a:t>Pain points:</a:t>
-            </a:r>
-            <a:endParaRPr lang="en-US" dirty="0">
-              <a:solidFill>
-                <a:schemeClr val="tx1"/>
-              </a:solidFill>
-            </a:endParaRPr>
-          </a:p>
-          <a:p>
-            <a:pPr>
-              <a:buFont typeface="Arial" panose="020B0604020202020204" pitchFamily="34" charset="0"/>
-              <a:buChar char="•"/>
-            </a:pPr>
-            <a:r>
-              <a:rPr lang="en-US" dirty="0">
-                <a:solidFill>
-                  <a:schemeClr val="tx1"/>
-                </a:solidFill>
-              </a:rPr>
-              <a:t>Manual API documentation.</a:t>
-            </a:r>
-          </a:p>
-          <a:p>
-            <a:pPr>
-              <a:buFont typeface="Arial" panose="020B0604020202020204" pitchFamily="34" charset="0"/>
-              <a:buChar char="•"/>
-            </a:pPr>
-            <a:r>
-              <a:rPr lang="en-US" dirty="0">
-                <a:solidFill>
-                  <a:schemeClr val="tx1"/>
-                </a:solidFill>
-              </a:rPr>
-              <a:t>Difficulties in monitoring model performance.</a:t>
-            </a:r>
-          </a:p>
-        </p:txBody>
-      </p:sp>
-      <p:sp>
-        <p:nvSpPr>
-          <p:cNvPr id="7" name="Google Shape;66;p15">
-            <a:extLst>
-              <a:ext uri="{FF2B5EF4-FFF2-40B4-BE49-F238E27FC236}">
-                <a16:creationId xmlns:a16="http://schemas.microsoft.com/office/drawing/2014/main" id="{A2B7074F-A1D8-444B-9DA8-BFF70B4A2A8A}"/>
-              </a:ext>
-            </a:extLst>
-          </p:cNvPr>
-          <p:cNvSpPr txBox="1">
-            <a:spLocks/>
-          </p:cNvSpPr>
-          <p:nvPr/>
-        </p:nvSpPr>
-        <p:spPr>
-          <a:xfrm>
-            <a:off x="252575" y="140425"/>
-            <a:ext cx="8520600" cy="572700"/>
-          </a:xfrm>
-          <a:prstGeom prst="rect">
-            <a:avLst/>
-          </a:prstGeom>
-          <a:noFill/>
-          <a:ln>
-            <a:noFill/>
-          </a:ln>
-        </p:spPr>
-        <p:txBody>
-          <a:bodyPr spcFirstLastPara="1" wrap="square" lIns="91425" tIns="91425" rIns="91425" bIns="91425" anchor="t" anchorCtr="0">
-            <a:noAutofit/>
-          </a:bodyPr>
-          <a:lstStyle>
-            <a:defPPr marR="0" lvl="0" algn="l" rtl="0">
-              <a:lnSpc>
-                <a:spcPct val="100000"/>
-              </a:lnSpc>
-              <a:spcBef>
-                <a:spcPts val="0"/>
-              </a:spcBef>
-              <a:spcAft>
-                <a:spcPts val="0"/>
-              </a:spcAft>
-            </a:defPPr>
-            <a:lvl1pPr marR="0" lvl="0" algn="l" rtl="0">
-              <a:lnSpc>
-                <a:spcPct val="100000"/>
-              </a:lnSpc>
-              <a:spcBef>
-                <a:spcPts val="0"/>
-              </a:spcBef>
-              <a:spcAft>
-                <a:spcPts val="0"/>
-              </a:spcAft>
-              <a:buClr>
-                <a:schemeClr val="dk1"/>
-              </a:buClr>
-              <a:buSzPts val="2800"/>
-              <a:buFont typeface="Arial"/>
-              <a:buNone/>
-              <a:defRPr sz="2800" b="0" i="0" u="none" strike="noStrike" cap="none">
-                <a:solidFill>
-                  <a:schemeClr val="dk1"/>
-                </a:solidFill>
-                <a:latin typeface="Arial"/>
-                <a:ea typeface="Arial"/>
-                <a:cs typeface="Arial"/>
-                <a:sym typeface="Arial"/>
-              </a:defRPr>
-            </a:lvl1pPr>
-            <a:lvl2pPr marR="0" lvl="1" algn="l" rtl="0">
-              <a:lnSpc>
-                <a:spcPct val="100000"/>
-              </a:lnSpc>
-              <a:spcBef>
-                <a:spcPts val="0"/>
-              </a:spcBef>
-              <a:spcAft>
-                <a:spcPts val="0"/>
-              </a:spcAft>
-              <a:buClr>
-                <a:schemeClr val="dk1"/>
-              </a:buClr>
-              <a:buSzPts val="2800"/>
-              <a:buFont typeface="Arial"/>
-              <a:buNone/>
-              <a:defRPr sz="2800" b="0" i="0" u="none" strike="noStrike" cap="none">
-                <a:solidFill>
-                  <a:schemeClr val="dk1"/>
-                </a:solidFill>
-                <a:latin typeface="Arial"/>
-                <a:ea typeface="Arial"/>
-                <a:cs typeface="Arial"/>
-                <a:sym typeface="Arial"/>
-              </a:defRPr>
-            </a:lvl2pPr>
-            <a:lvl3pPr marR="0" lvl="2" algn="l" rtl="0">
-              <a:lnSpc>
-                <a:spcPct val="100000"/>
-              </a:lnSpc>
-              <a:spcBef>
-                <a:spcPts val="0"/>
-              </a:spcBef>
-              <a:spcAft>
-                <a:spcPts val="0"/>
-              </a:spcAft>
-              <a:buClr>
-                <a:schemeClr val="dk1"/>
-              </a:buClr>
-              <a:buSzPts val="2800"/>
-              <a:buFont typeface="Arial"/>
-              <a:buNone/>
-              <a:defRPr sz="2800" b="0" i="0" u="none" strike="noStrike" cap="none">
-                <a:solidFill>
-                  <a:schemeClr val="dk1"/>
-                </a:solidFill>
-                <a:latin typeface="Arial"/>
-                <a:ea typeface="Arial"/>
-                <a:cs typeface="Arial"/>
-                <a:sym typeface="Arial"/>
-              </a:defRPr>
-            </a:lvl3pPr>
-            <a:lvl4pPr marR="0" lvl="3" algn="l" rtl="0">
-              <a:lnSpc>
-                <a:spcPct val="100000"/>
-              </a:lnSpc>
-              <a:spcBef>
-                <a:spcPts val="0"/>
-              </a:spcBef>
-              <a:spcAft>
-                <a:spcPts val="0"/>
-              </a:spcAft>
-              <a:buClr>
-                <a:schemeClr val="dk1"/>
-              </a:buClr>
-              <a:buSzPts val="2800"/>
-              <a:buFont typeface="Arial"/>
-              <a:buNone/>
-              <a:defRPr sz="2800" b="0" i="0" u="none" strike="noStrike" cap="none">
-                <a:solidFill>
-                  <a:schemeClr val="dk1"/>
-                </a:solidFill>
-                <a:latin typeface="Arial"/>
-                <a:ea typeface="Arial"/>
-                <a:cs typeface="Arial"/>
-                <a:sym typeface="Arial"/>
-              </a:defRPr>
-            </a:lvl4pPr>
-            <a:lvl5pPr marR="0" lvl="4" algn="l" rtl="0">
-              <a:lnSpc>
-                <a:spcPct val="100000"/>
-              </a:lnSpc>
-              <a:spcBef>
-                <a:spcPts val="0"/>
-              </a:spcBef>
-              <a:spcAft>
-                <a:spcPts val="0"/>
-              </a:spcAft>
-              <a:buClr>
-                <a:schemeClr val="dk1"/>
-              </a:buClr>
-              <a:buSzPts val="2800"/>
-              <a:buFont typeface="Arial"/>
-              <a:buNone/>
-              <a:defRPr sz="2800" b="0" i="0" u="none" strike="noStrike" cap="none">
-                <a:solidFill>
-                  <a:schemeClr val="dk1"/>
-                </a:solidFill>
-                <a:latin typeface="Arial"/>
-                <a:ea typeface="Arial"/>
-                <a:cs typeface="Arial"/>
-                <a:sym typeface="Arial"/>
-              </a:defRPr>
-            </a:lvl5pPr>
-            <a:lvl6pPr marR="0" lvl="5" algn="l" rtl="0">
-              <a:lnSpc>
-                <a:spcPct val="100000"/>
-              </a:lnSpc>
-              <a:spcBef>
-                <a:spcPts val="0"/>
-              </a:spcBef>
-              <a:spcAft>
-                <a:spcPts val="0"/>
-              </a:spcAft>
-              <a:buClr>
-                <a:schemeClr val="dk1"/>
-              </a:buClr>
-              <a:buSzPts val="2800"/>
-              <a:buFont typeface="Arial"/>
-              <a:buNone/>
-              <a:defRPr sz="2800" b="0" i="0" u="none" strike="noStrike" cap="none">
-                <a:solidFill>
-                  <a:schemeClr val="dk1"/>
-                </a:solidFill>
-                <a:latin typeface="Arial"/>
-                <a:ea typeface="Arial"/>
-                <a:cs typeface="Arial"/>
-                <a:sym typeface="Arial"/>
-              </a:defRPr>
-            </a:lvl6pPr>
-            <a:lvl7pPr marR="0" lvl="6" algn="l" rtl="0">
-              <a:lnSpc>
-                <a:spcPct val="100000"/>
-              </a:lnSpc>
-              <a:spcBef>
-                <a:spcPts val="0"/>
-              </a:spcBef>
-              <a:spcAft>
-                <a:spcPts val="0"/>
-              </a:spcAft>
-              <a:buClr>
-                <a:schemeClr val="dk1"/>
-              </a:buClr>
-              <a:buSzPts val="2800"/>
-              <a:buFont typeface="Arial"/>
-              <a:buNone/>
-              <a:defRPr sz="2800" b="0" i="0" u="none" strike="noStrike" cap="none">
-                <a:solidFill>
-                  <a:schemeClr val="dk1"/>
-                </a:solidFill>
-                <a:latin typeface="Arial"/>
-                <a:ea typeface="Arial"/>
-                <a:cs typeface="Arial"/>
-                <a:sym typeface="Arial"/>
-              </a:defRPr>
-            </a:lvl7pPr>
-            <a:lvl8pPr marR="0" lvl="7" algn="l" rtl="0">
-              <a:lnSpc>
-                <a:spcPct val="100000"/>
-              </a:lnSpc>
-              <a:spcBef>
-                <a:spcPts val="0"/>
-              </a:spcBef>
-              <a:spcAft>
-                <a:spcPts val="0"/>
-              </a:spcAft>
-              <a:buClr>
-                <a:schemeClr val="dk1"/>
-              </a:buClr>
-              <a:buSzPts val="2800"/>
-              <a:buFont typeface="Arial"/>
-              <a:buNone/>
-              <a:defRPr sz="2800" b="0" i="0" u="none" strike="noStrike" cap="none">
-                <a:solidFill>
-                  <a:schemeClr val="dk1"/>
-                </a:solidFill>
-                <a:latin typeface="Arial"/>
-                <a:ea typeface="Arial"/>
-                <a:cs typeface="Arial"/>
-                <a:sym typeface="Arial"/>
-              </a:defRPr>
-            </a:lvl8pPr>
-            <a:lvl9pPr marR="0" lvl="8" algn="l" rtl="0">
-              <a:lnSpc>
-                <a:spcPct val="100000"/>
-              </a:lnSpc>
-              <a:spcBef>
-                <a:spcPts val="0"/>
-              </a:spcBef>
-              <a:spcAft>
-                <a:spcPts val="0"/>
-              </a:spcAft>
-              <a:buClr>
-                <a:schemeClr val="dk1"/>
-              </a:buClr>
-              <a:buSzPts val="2800"/>
-              <a:buFont typeface="Arial"/>
-              <a:buNone/>
-              <a:defRPr sz="2800" b="0" i="0" u="none" strike="noStrike" cap="none">
-                <a:solidFill>
-                  <a:schemeClr val="dk1"/>
-                </a:solidFill>
-                <a:latin typeface="Arial"/>
-                <a:ea typeface="Arial"/>
-                <a:cs typeface="Arial"/>
-                <a:sym typeface="Arial"/>
-              </a:defRPr>
-            </a:lvl9pPr>
-          </a:lstStyle>
-          <a:p>
-            <a:r>
-              <a:rPr lang="en-GB" dirty="0"/>
-              <a:t>Personas</a:t>
-            </a:r>
-          </a:p>
-        </p:txBody>
-      </p:sp>
-      <p:sp>
-        <p:nvSpPr>
-          <p:cNvPr id="8" name="TextBox 7">
-            <a:extLst>
-              <a:ext uri="{FF2B5EF4-FFF2-40B4-BE49-F238E27FC236}">
-                <a16:creationId xmlns:a16="http://schemas.microsoft.com/office/drawing/2014/main" id="{4B40FD6D-82C8-48B1-A5D3-456D8792334C}"/>
-              </a:ext>
-            </a:extLst>
-          </p:cNvPr>
-          <p:cNvSpPr txBox="1"/>
-          <p:nvPr/>
-        </p:nvSpPr>
-        <p:spPr>
-          <a:xfrm>
-            <a:off x="4666129" y="863550"/>
-            <a:ext cx="4269442" cy="3539430"/>
-          </a:xfrm>
-          <a:prstGeom prst="rect">
-            <a:avLst/>
-          </a:prstGeom>
-          <a:noFill/>
-        </p:spPr>
-        <p:txBody>
-          <a:bodyPr wrap="square" rtlCol="0">
-            <a:spAutoFit/>
-          </a:bodyPr>
-          <a:lstStyle/>
-          <a:p>
-            <a:r>
-              <a:rPr lang="en-US" b="1" dirty="0">
-                <a:solidFill>
-                  <a:schemeClr val="tx1"/>
-                </a:solidFill>
-              </a:rPr>
-              <a:t>Backend Developer (Alexander, 28 years old)</a:t>
-            </a:r>
-          </a:p>
-          <a:p>
-            <a:br>
-              <a:rPr lang="en-US" dirty="0">
-                <a:solidFill>
-                  <a:schemeClr val="tx1"/>
-                </a:solidFill>
-              </a:rPr>
-            </a:br>
-            <a:r>
-              <a:rPr lang="en-US" b="1" dirty="0">
-                <a:solidFill>
-                  <a:schemeClr val="tx1"/>
-                </a:solidFill>
-              </a:rPr>
-              <a:t>Goals:</a:t>
-            </a:r>
-            <a:endParaRPr lang="en-US" dirty="0">
-              <a:solidFill>
-                <a:schemeClr val="tx1"/>
-              </a:solidFill>
-            </a:endParaRPr>
-          </a:p>
-          <a:p>
-            <a:pPr marL="285750" indent="-285750">
-              <a:buFont typeface="Arial" panose="020B0604020202020204" pitchFamily="34" charset="0"/>
-              <a:buChar char="•"/>
-            </a:pPr>
-            <a:r>
-              <a:rPr lang="en-US" dirty="0">
-                <a:solidFill>
-                  <a:schemeClr val="tx1"/>
-                </a:solidFill>
-              </a:rPr>
-              <a:t>Use automatic </a:t>
-            </a:r>
-            <a:r>
-              <a:rPr lang="en-US" dirty="0" err="1">
-                <a:solidFill>
-                  <a:schemeClr val="tx1"/>
-                </a:solidFill>
-              </a:rPr>
-              <a:t>OpenAPI</a:t>
-            </a:r>
-            <a:r>
-              <a:rPr lang="en-US" dirty="0">
-                <a:solidFill>
-                  <a:schemeClr val="tx1"/>
-                </a:solidFill>
-              </a:rPr>
-              <a:t> schema generation.</a:t>
-            </a:r>
-          </a:p>
-          <a:p>
-            <a:pPr marL="285750" indent="-285750">
-              <a:buFont typeface="Arial" panose="020B0604020202020204" pitchFamily="34" charset="0"/>
-              <a:buChar char="•"/>
-            </a:pPr>
-            <a:r>
-              <a:rPr lang="en-US" dirty="0">
-                <a:solidFill>
-                  <a:schemeClr val="tx1"/>
-                </a:solidFill>
-              </a:rPr>
-              <a:t>Easily add API endpoints with request validation and security.</a:t>
-            </a:r>
-            <a:endParaRPr lang="ru-RU" dirty="0">
-              <a:solidFill>
-                <a:schemeClr val="tx1"/>
-              </a:solidFill>
-            </a:endParaRPr>
-          </a:p>
-          <a:p>
-            <a:pPr marL="285750" indent="-285750">
-              <a:buFont typeface="Arial" panose="020B0604020202020204" pitchFamily="34" charset="0"/>
-              <a:buChar char="•"/>
-            </a:pPr>
-            <a:endParaRPr lang="en-US" dirty="0">
-              <a:solidFill>
-                <a:schemeClr val="tx1"/>
-              </a:solidFill>
-            </a:endParaRPr>
-          </a:p>
-          <a:p>
-            <a:endParaRPr lang="ru-RU" b="1" dirty="0">
-              <a:solidFill>
-                <a:schemeClr val="tx1"/>
-              </a:solidFill>
-            </a:endParaRPr>
-          </a:p>
-          <a:p>
-            <a:endParaRPr lang="ru-RU" b="1" dirty="0">
-              <a:solidFill>
-                <a:schemeClr val="tx1"/>
-              </a:solidFill>
-            </a:endParaRPr>
-          </a:p>
-          <a:p>
-            <a:endParaRPr lang="ru-RU" b="1" dirty="0">
-              <a:solidFill>
-                <a:schemeClr val="tx1"/>
-              </a:solidFill>
-            </a:endParaRPr>
-          </a:p>
-          <a:p>
-            <a:endParaRPr lang="ru-RU" b="1" dirty="0">
-              <a:solidFill>
-                <a:schemeClr val="tx1"/>
-              </a:solidFill>
-            </a:endParaRPr>
-          </a:p>
-          <a:p>
-            <a:r>
-              <a:rPr lang="en-US" b="1" dirty="0">
-                <a:solidFill>
-                  <a:schemeClr val="tx1"/>
-                </a:solidFill>
-              </a:rPr>
-              <a:t>Pain points:</a:t>
-            </a:r>
-            <a:endParaRPr lang="en-US" dirty="0">
-              <a:solidFill>
-                <a:schemeClr val="tx1"/>
-              </a:solidFill>
-            </a:endParaRPr>
-          </a:p>
-          <a:p>
-            <a:pPr marL="285750" indent="-285750">
-              <a:buFont typeface="Arial" panose="020B0604020202020204" pitchFamily="34" charset="0"/>
-              <a:buChar char="•"/>
-            </a:pPr>
-            <a:r>
-              <a:rPr lang="en-US" dirty="0">
-                <a:solidFill>
-                  <a:schemeClr val="tx1"/>
-                </a:solidFill>
-              </a:rPr>
-              <a:t>Manual API documentation.</a:t>
-            </a:r>
-          </a:p>
-          <a:p>
-            <a:pPr marL="285750" indent="-285750">
-              <a:buFont typeface="Arial" panose="020B0604020202020204" pitchFamily="34" charset="0"/>
-              <a:buChar char="•"/>
-            </a:pPr>
-            <a:r>
-              <a:rPr lang="en-US" dirty="0">
-                <a:solidFill>
-                  <a:schemeClr val="tx1"/>
-                </a:solidFill>
-              </a:rPr>
-              <a:t>Challenges with integrating authorization and managing access control.</a:t>
-            </a:r>
-          </a:p>
-          <a:p>
-            <a:endParaRPr lang="ru-RU" dirty="0">
-              <a:solidFill>
-                <a:schemeClr val="tx1"/>
-              </a:solidFill>
-            </a:endParaRPr>
-          </a:p>
-        </p:txBody>
-      </p:sp>
-    </p:spTree>
-    <p:extLst>
-      <p:ext uri="{BB962C8B-B14F-4D97-AF65-F5344CB8AC3E}">
-        <p14:creationId xmlns:p14="http://schemas.microsoft.com/office/powerpoint/2010/main" val="2730667058"/>
-      </p:ext>
-    </p:extLst>
-  </p:cSld>
-  <p:clrMapOvr>
-    <a:masterClrMapping/>
-  </p:clrMapOvr>
-</p:sld>
-</file>
-
-<file path=ppt/slides/slide14.xml><?xml version="1.0" encoding="utf-8"?>
-<p:sld xmlns:a="http://schemas.openxmlformats.org/drawingml/2006/main" xmlns:r="http://schemas.openxmlformats.org/officeDocument/2006/relationships" xmlns:p="http://schemas.openxmlformats.org/presentationml/2006/main">
-  <p:cSld>
-    <p:spTree>
-      <p:nvGrpSpPr>
-        <p:cNvPr id="1" name=""/>
-        <p:cNvGrpSpPr/>
-        <p:nvPr/>
-      </p:nvGrpSpPr>
-      <p:grpSpPr>
-        <a:xfrm>
-          <a:off x="0" y="0"/>
-          <a:ext cx="0" cy="0"/>
-          <a:chOff x="0" y="0"/>
-          <a:chExt cx="0" cy="0"/>
-        </a:xfrm>
-      </p:grpSpPr>
-      <p:sp>
-        <p:nvSpPr>
-          <p:cNvPr id="7" name="Google Shape;66;p15">
-            <a:extLst>
-              <a:ext uri="{FF2B5EF4-FFF2-40B4-BE49-F238E27FC236}">
-                <a16:creationId xmlns:a16="http://schemas.microsoft.com/office/drawing/2014/main" id="{A2B7074F-A1D8-444B-9DA8-BFF70B4A2A8A}"/>
-              </a:ext>
-            </a:extLst>
-          </p:cNvPr>
-          <p:cNvSpPr txBox="1">
-            <a:spLocks/>
-          </p:cNvSpPr>
-          <p:nvPr/>
-        </p:nvSpPr>
-        <p:spPr>
-          <a:xfrm>
-            <a:off x="252575" y="140425"/>
-            <a:ext cx="8520600" cy="572700"/>
-          </a:xfrm>
-          <a:prstGeom prst="rect">
-            <a:avLst/>
-          </a:prstGeom>
-          <a:noFill/>
-          <a:ln>
-            <a:noFill/>
-          </a:ln>
-        </p:spPr>
-        <p:txBody>
-          <a:bodyPr spcFirstLastPara="1" wrap="square" lIns="91425" tIns="91425" rIns="91425" bIns="91425" anchor="t" anchorCtr="0">
-            <a:noAutofit/>
-          </a:bodyPr>
-          <a:lstStyle>
-            <a:defPPr marR="0" lvl="0" algn="l" rtl="0">
-              <a:lnSpc>
-                <a:spcPct val="100000"/>
-              </a:lnSpc>
-              <a:spcBef>
-                <a:spcPts val="0"/>
-              </a:spcBef>
-              <a:spcAft>
-                <a:spcPts val="0"/>
-              </a:spcAft>
-            </a:defPPr>
-            <a:lvl1pPr marR="0" lvl="0" algn="l" rtl="0">
-              <a:lnSpc>
-                <a:spcPct val="100000"/>
-              </a:lnSpc>
-              <a:spcBef>
-                <a:spcPts val="0"/>
-              </a:spcBef>
-              <a:spcAft>
-                <a:spcPts val="0"/>
-              </a:spcAft>
-              <a:buClr>
-                <a:schemeClr val="dk1"/>
-              </a:buClr>
-              <a:buSzPts val="2800"/>
-              <a:buFont typeface="Arial"/>
-              <a:buNone/>
-              <a:defRPr sz="2800" b="0" i="0" u="none" strike="noStrike" cap="none">
-                <a:solidFill>
-                  <a:schemeClr val="dk1"/>
-                </a:solidFill>
-                <a:latin typeface="Arial"/>
-                <a:ea typeface="Arial"/>
-                <a:cs typeface="Arial"/>
-                <a:sym typeface="Arial"/>
-              </a:defRPr>
-            </a:lvl1pPr>
-            <a:lvl2pPr marR="0" lvl="1" algn="l" rtl="0">
-              <a:lnSpc>
-                <a:spcPct val="100000"/>
-              </a:lnSpc>
-              <a:spcBef>
-                <a:spcPts val="0"/>
-              </a:spcBef>
-              <a:spcAft>
-                <a:spcPts val="0"/>
-              </a:spcAft>
-              <a:buClr>
-                <a:schemeClr val="dk1"/>
-              </a:buClr>
-              <a:buSzPts val="2800"/>
-              <a:buFont typeface="Arial"/>
-              <a:buNone/>
-              <a:defRPr sz="2800" b="0" i="0" u="none" strike="noStrike" cap="none">
-                <a:solidFill>
-                  <a:schemeClr val="dk1"/>
-                </a:solidFill>
-                <a:latin typeface="Arial"/>
-                <a:ea typeface="Arial"/>
-                <a:cs typeface="Arial"/>
-                <a:sym typeface="Arial"/>
-              </a:defRPr>
-            </a:lvl2pPr>
-            <a:lvl3pPr marR="0" lvl="2" algn="l" rtl="0">
-              <a:lnSpc>
-                <a:spcPct val="100000"/>
-              </a:lnSpc>
-              <a:spcBef>
-                <a:spcPts val="0"/>
-              </a:spcBef>
-              <a:spcAft>
-                <a:spcPts val="0"/>
-              </a:spcAft>
-              <a:buClr>
-                <a:schemeClr val="dk1"/>
-              </a:buClr>
-              <a:buSzPts val="2800"/>
-              <a:buFont typeface="Arial"/>
-              <a:buNone/>
-              <a:defRPr sz="2800" b="0" i="0" u="none" strike="noStrike" cap="none">
-                <a:solidFill>
-                  <a:schemeClr val="dk1"/>
-                </a:solidFill>
-                <a:latin typeface="Arial"/>
-                <a:ea typeface="Arial"/>
-                <a:cs typeface="Arial"/>
-                <a:sym typeface="Arial"/>
-              </a:defRPr>
-            </a:lvl3pPr>
-            <a:lvl4pPr marR="0" lvl="3" algn="l" rtl="0">
-              <a:lnSpc>
-                <a:spcPct val="100000"/>
-              </a:lnSpc>
-              <a:spcBef>
-                <a:spcPts val="0"/>
-              </a:spcBef>
-              <a:spcAft>
-                <a:spcPts val="0"/>
-              </a:spcAft>
-              <a:buClr>
-                <a:schemeClr val="dk1"/>
-              </a:buClr>
-              <a:buSzPts val="2800"/>
-              <a:buFont typeface="Arial"/>
-              <a:buNone/>
-              <a:defRPr sz="2800" b="0" i="0" u="none" strike="noStrike" cap="none">
-                <a:solidFill>
-                  <a:schemeClr val="dk1"/>
-                </a:solidFill>
-                <a:latin typeface="Arial"/>
-                <a:ea typeface="Arial"/>
-                <a:cs typeface="Arial"/>
-                <a:sym typeface="Arial"/>
-              </a:defRPr>
-            </a:lvl4pPr>
-            <a:lvl5pPr marR="0" lvl="4" algn="l" rtl="0">
-              <a:lnSpc>
-                <a:spcPct val="100000"/>
-              </a:lnSpc>
-              <a:spcBef>
-                <a:spcPts val="0"/>
-              </a:spcBef>
-              <a:spcAft>
-                <a:spcPts val="0"/>
-              </a:spcAft>
-              <a:buClr>
-                <a:schemeClr val="dk1"/>
-              </a:buClr>
-              <a:buSzPts val="2800"/>
-              <a:buFont typeface="Arial"/>
-              <a:buNone/>
-              <a:defRPr sz="2800" b="0" i="0" u="none" strike="noStrike" cap="none">
-                <a:solidFill>
-                  <a:schemeClr val="dk1"/>
-                </a:solidFill>
-                <a:latin typeface="Arial"/>
-                <a:ea typeface="Arial"/>
-                <a:cs typeface="Arial"/>
-                <a:sym typeface="Arial"/>
-              </a:defRPr>
-            </a:lvl5pPr>
-            <a:lvl6pPr marR="0" lvl="5" algn="l" rtl="0">
-              <a:lnSpc>
-                <a:spcPct val="100000"/>
-              </a:lnSpc>
-              <a:spcBef>
-                <a:spcPts val="0"/>
-              </a:spcBef>
-              <a:spcAft>
-                <a:spcPts val="0"/>
-              </a:spcAft>
-              <a:buClr>
-                <a:schemeClr val="dk1"/>
-              </a:buClr>
-              <a:buSzPts val="2800"/>
-              <a:buFont typeface="Arial"/>
-              <a:buNone/>
-              <a:defRPr sz="2800" b="0" i="0" u="none" strike="noStrike" cap="none">
-                <a:solidFill>
-                  <a:schemeClr val="dk1"/>
-                </a:solidFill>
-                <a:latin typeface="Arial"/>
-                <a:ea typeface="Arial"/>
-                <a:cs typeface="Arial"/>
-                <a:sym typeface="Arial"/>
-              </a:defRPr>
-            </a:lvl6pPr>
-            <a:lvl7pPr marR="0" lvl="6" algn="l" rtl="0">
-              <a:lnSpc>
-                <a:spcPct val="100000"/>
-              </a:lnSpc>
-              <a:spcBef>
-                <a:spcPts val="0"/>
-              </a:spcBef>
-              <a:spcAft>
-                <a:spcPts val="0"/>
-              </a:spcAft>
-              <a:buClr>
-                <a:schemeClr val="dk1"/>
-              </a:buClr>
-              <a:buSzPts val="2800"/>
-              <a:buFont typeface="Arial"/>
-              <a:buNone/>
-              <a:defRPr sz="2800" b="0" i="0" u="none" strike="noStrike" cap="none">
-                <a:solidFill>
-                  <a:schemeClr val="dk1"/>
-                </a:solidFill>
-                <a:latin typeface="Arial"/>
-                <a:ea typeface="Arial"/>
-                <a:cs typeface="Arial"/>
-                <a:sym typeface="Arial"/>
-              </a:defRPr>
-            </a:lvl7pPr>
-            <a:lvl8pPr marR="0" lvl="7" algn="l" rtl="0">
-              <a:lnSpc>
-                <a:spcPct val="100000"/>
-              </a:lnSpc>
-              <a:spcBef>
-                <a:spcPts val="0"/>
-              </a:spcBef>
-              <a:spcAft>
-                <a:spcPts val="0"/>
-              </a:spcAft>
-              <a:buClr>
-                <a:schemeClr val="dk1"/>
-              </a:buClr>
-              <a:buSzPts val="2800"/>
-              <a:buFont typeface="Arial"/>
-              <a:buNone/>
-              <a:defRPr sz="2800" b="0" i="0" u="none" strike="noStrike" cap="none">
-                <a:solidFill>
-                  <a:schemeClr val="dk1"/>
-                </a:solidFill>
-                <a:latin typeface="Arial"/>
-                <a:ea typeface="Arial"/>
-                <a:cs typeface="Arial"/>
-                <a:sym typeface="Arial"/>
-              </a:defRPr>
-            </a:lvl8pPr>
-            <a:lvl9pPr marR="0" lvl="8" algn="l" rtl="0">
-              <a:lnSpc>
-                <a:spcPct val="100000"/>
-              </a:lnSpc>
-              <a:spcBef>
-                <a:spcPts val="0"/>
-              </a:spcBef>
-              <a:spcAft>
-                <a:spcPts val="0"/>
-              </a:spcAft>
-              <a:buClr>
-                <a:schemeClr val="dk1"/>
-              </a:buClr>
-              <a:buSzPts val="2800"/>
-              <a:buFont typeface="Arial"/>
-              <a:buNone/>
-              <a:defRPr sz="2800" b="0" i="0" u="none" strike="noStrike" cap="none">
-                <a:solidFill>
-                  <a:schemeClr val="dk1"/>
-                </a:solidFill>
-                <a:latin typeface="Arial"/>
-                <a:ea typeface="Arial"/>
-                <a:cs typeface="Arial"/>
-                <a:sym typeface="Arial"/>
-              </a:defRPr>
-            </a:lvl9pPr>
-          </a:lstStyle>
-          <a:p>
-            <a:r>
-              <a:rPr lang="en-GB" dirty="0"/>
-              <a:t>Personas</a:t>
-            </a:r>
-          </a:p>
-        </p:txBody>
-      </p:sp>
-      <p:sp>
-        <p:nvSpPr>
-          <p:cNvPr id="8" name="TextBox 7">
-            <a:extLst>
-              <a:ext uri="{FF2B5EF4-FFF2-40B4-BE49-F238E27FC236}">
-                <a16:creationId xmlns:a16="http://schemas.microsoft.com/office/drawing/2014/main" id="{4B40FD6D-82C8-48B1-A5D3-456D8792334C}"/>
-              </a:ext>
-            </a:extLst>
-          </p:cNvPr>
-          <p:cNvSpPr txBox="1"/>
-          <p:nvPr/>
-        </p:nvSpPr>
-        <p:spPr>
-          <a:xfrm>
-            <a:off x="4666129" y="903891"/>
-            <a:ext cx="4269442" cy="3539430"/>
-          </a:xfrm>
-          <a:prstGeom prst="rect">
-            <a:avLst/>
-          </a:prstGeom>
-          <a:noFill/>
-        </p:spPr>
-        <p:txBody>
-          <a:bodyPr wrap="square" rtlCol="0">
-            <a:spAutoFit/>
-          </a:bodyPr>
-          <a:lstStyle/>
-          <a:p>
-            <a:r>
-              <a:rPr lang="en-US" b="1" dirty="0"/>
-              <a:t>Corporate Client (Yandex, </a:t>
-            </a:r>
-            <a:r>
-              <a:rPr lang="en-US" b="1" dirty="0" err="1"/>
-              <a:t>Sber</a:t>
-            </a:r>
-            <a:r>
-              <a:rPr lang="en-US" b="1" dirty="0"/>
-              <a:t>)</a:t>
-            </a:r>
-          </a:p>
-          <a:p>
-            <a:br>
-              <a:rPr lang="en-US" dirty="0"/>
-            </a:br>
-            <a:r>
-              <a:rPr lang="en-US" b="1" dirty="0"/>
-              <a:t>Goals:</a:t>
-            </a:r>
-            <a:endParaRPr lang="en-US" dirty="0"/>
-          </a:p>
-          <a:p>
-            <a:pPr marL="285750" indent="-285750">
-              <a:buFont typeface="Arial" panose="020B0604020202020204" pitchFamily="34" charset="0"/>
-              <a:buChar char="•"/>
-            </a:pPr>
-            <a:r>
-              <a:rPr lang="en-US" dirty="0"/>
-              <a:t>Scalable and secure deployment of ML models.</a:t>
-            </a:r>
-          </a:p>
-          <a:p>
-            <a:pPr marL="285750" indent="-285750">
-              <a:buFont typeface="Arial" panose="020B0604020202020204" pitchFamily="34" charset="0"/>
-              <a:buChar char="•"/>
-            </a:pPr>
-            <a:r>
-              <a:rPr lang="en-US" dirty="0"/>
-              <a:t>Integration of the API gateway into existing infrastructure.</a:t>
-            </a:r>
-          </a:p>
-          <a:p>
-            <a:pPr>
-              <a:buFont typeface="Arial" panose="020B0604020202020204" pitchFamily="34" charset="0"/>
-              <a:buChar char="•"/>
-            </a:pPr>
-            <a:endParaRPr lang="en-US" dirty="0"/>
-          </a:p>
-          <a:p>
-            <a:pPr>
-              <a:buFont typeface="Arial" panose="020B0604020202020204" pitchFamily="34" charset="0"/>
-              <a:buChar char="•"/>
-            </a:pPr>
-            <a:endParaRPr lang="en-US" dirty="0"/>
-          </a:p>
-          <a:p>
-            <a:pPr>
-              <a:buFont typeface="Arial" panose="020B0604020202020204" pitchFamily="34" charset="0"/>
-              <a:buChar char="•"/>
-            </a:pPr>
-            <a:endParaRPr lang="en-US" dirty="0"/>
-          </a:p>
-          <a:p>
-            <a:pPr>
-              <a:buFont typeface="Arial" panose="020B0604020202020204" pitchFamily="34" charset="0"/>
-              <a:buChar char="•"/>
-            </a:pPr>
-            <a:endParaRPr lang="en-US" dirty="0"/>
-          </a:p>
-          <a:p>
-            <a:pPr>
-              <a:buFont typeface="Arial" panose="020B0604020202020204" pitchFamily="34" charset="0"/>
-              <a:buChar char="•"/>
-            </a:pPr>
-            <a:endParaRPr lang="en-US" dirty="0"/>
-          </a:p>
-          <a:p>
-            <a:pPr>
-              <a:buFont typeface="Arial" panose="020B0604020202020204" pitchFamily="34" charset="0"/>
-              <a:buChar char="•"/>
-            </a:pPr>
-            <a:endParaRPr lang="en-US" dirty="0"/>
-          </a:p>
-          <a:p>
-            <a:pPr>
-              <a:buFont typeface="Arial" panose="020B0604020202020204" pitchFamily="34" charset="0"/>
-              <a:buChar char="•"/>
-            </a:pPr>
-            <a:endParaRPr lang="en-US" dirty="0"/>
-          </a:p>
-          <a:p>
-            <a:r>
-              <a:rPr lang="en-US" b="1" dirty="0"/>
-              <a:t>Pain points:</a:t>
-            </a:r>
-            <a:endParaRPr lang="en-US" dirty="0"/>
-          </a:p>
-          <a:p>
-            <a:pPr marL="285750" indent="-285750">
-              <a:buFont typeface="Arial" panose="020B0604020202020204" pitchFamily="34" charset="0"/>
-              <a:buChar char="•"/>
-            </a:pPr>
-            <a:r>
-              <a:rPr lang="en-US" dirty="0"/>
-              <a:t>Challenges with integration and corporate standards.</a:t>
-            </a:r>
-          </a:p>
-        </p:txBody>
-      </p:sp>
-      <p:sp>
-        <p:nvSpPr>
-          <p:cNvPr id="2" name="TextBox 1">
-            <a:extLst>
-              <a:ext uri="{FF2B5EF4-FFF2-40B4-BE49-F238E27FC236}">
-                <a16:creationId xmlns:a16="http://schemas.microsoft.com/office/drawing/2014/main" id="{BC8183E0-B6FC-471C-B2F8-14996330AB16}"/>
-              </a:ext>
-            </a:extLst>
-          </p:cNvPr>
-          <p:cNvSpPr txBox="1"/>
-          <p:nvPr/>
-        </p:nvSpPr>
-        <p:spPr>
-          <a:xfrm>
-            <a:off x="352043" y="903891"/>
-            <a:ext cx="4051870" cy="3539430"/>
-          </a:xfrm>
-          <a:prstGeom prst="rect">
-            <a:avLst/>
-          </a:prstGeom>
-          <a:noFill/>
-        </p:spPr>
-        <p:txBody>
-          <a:bodyPr wrap="square" rtlCol="0">
-            <a:spAutoFit/>
-          </a:bodyPr>
-          <a:lstStyle/>
-          <a:p>
-            <a:r>
-              <a:rPr lang="en-US" b="1" dirty="0"/>
-              <a:t>API Consumer (Sergey, 30 years old)</a:t>
-            </a:r>
-          </a:p>
-          <a:p>
-            <a:br>
-              <a:rPr lang="en-US" dirty="0"/>
-            </a:br>
-            <a:r>
-              <a:rPr lang="en-US" b="1" dirty="0"/>
-              <a:t>Goals:</a:t>
-            </a:r>
-            <a:endParaRPr lang="en-US" dirty="0"/>
-          </a:p>
-          <a:p>
-            <a:pPr marL="285750" indent="-285750">
-              <a:buFont typeface="Arial" panose="020B0604020202020204" pitchFamily="34" charset="0"/>
-              <a:buChar char="•"/>
-            </a:pPr>
-            <a:r>
-              <a:rPr lang="en-US" dirty="0"/>
-              <a:t>Get documentation for quick access to ML models.</a:t>
-            </a:r>
-          </a:p>
-          <a:p>
-            <a:pPr marL="285750" indent="-285750">
-              <a:buFont typeface="Arial" panose="020B0604020202020204" pitchFamily="34" charset="0"/>
-              <a:buChar char="•"/>
-            </a:pPr>
-            <a:r>
-              <a:rPr lang="en-US" dirty="0"/>
-              <a:t>Work with reliable and validated APIs.</a:t>
-            </a:r>
-            <a:endParaRPr lang="ru-RU" dirty="0"/>
-          </a:p>
-          <a:p>
-            <a:pPr>
-              <a:buFont typeface="Arial" panose="020B0604020202020204" pitchFamily="34" charset="0"/>
-              <a:buChar char="•"/>
-            </a:pPr>
-            <a:endParaRPr lang="en-US" dirty="0"/>
-          </a:p>
-          <a:p>
-            <a:pPr>
-              <a:buFont typeface="Arial" panose="020B0604020202020204" pitchFamily="34" charset="0"/>
-              <a:buChar char="•"/>
-            </a:pPr>
-            <a:endParaRPr lang="en-US" dirty="0"/>
-          </a:p>
-          <a:p>
-            <a:pPr>
-              <a:buFont typeface="Arial" panose="020B0604020202020204" pitchFamily="34" charset="0"/>
-              <a:buChar char="•"/>
-            </a:pPr>
-            <a:endParaRPr lang="en-US" dirty="0"/>
-          </a:p>
-          <a:p>
-            <a:pPr>
-              <a:buFont typeface="Arial" panose="020B0604020202020204" pitchFamily="34" charset="0"/>
-              <a:buChar char="•"/>
-            </a:pPr>
-            <a:endParaRPr lang="en-US" dirty="0"/>
-          </a:p>
-          <a:p>
-            <a:pPr>
-              <a:buFont typeface="Arial" panose="020B0604020202020204" pitchFamily="34" charset="0"/>
-              <a:buChar char="•"/>
-            </a:pPr>
-            <a:endParaRPr lang="en-US" dirty="0"/>
-          </a:p>
-          <a:p>
-            <a:endParaRPr lang="en-US" dirty="0"/>
-          </a:p>
-          <a:p>
-            <a:r>
-              <a:rPr lang="en-US" b="1" dirty="0"/>
-              <a:t>Pain points:</a:t>
-            </a:r>
-            <a:endParaRPr lang="en-US" dirty="0"/>
-          </a:p>
-          <a:p>
-            <a:pPr marL="285750" indent="-285750">
-              <a:buFont typeface="Arial" panose="020B0604020202020204" pitchFamily="34" charset="0"/>
-              <a:buChar char="•"/>
-            </a:pPr>
-            <a:r>
-              <a:rPr lang="en-US" dirty="0"/>
-              <a:t>Incomplete or outdated documentation.</a:t>
-            </a:r>
-          </a:p>
-          <a:p>
-            <a:pPr marL="285750" indent="-285750">
-              <a:buFont typeface="Arial" panose="020B0604020202020204" pitchFamily="34" charset="0"/>
-              <a:buChar char="•"/>
-            </a:pPr>
-            <a:r>
-              <a:rPr lang="en-US" dirty="0"/>
-              <a:t>API instability and delays.</a:t>
-            </a:r>
-          </a:p>
-          <a:p>
-            <a:endParaRPr lang="ru-RU" dirty="0"/>
-          </a:p>
-        </p:txBody>
-      </p:sp>
-    </p:spTree>
-    <p:extLst>
-      <p:ext uri="{BB962C8B-B14F-4D97-AF65-F5344CB8AC3E}">
-        <p14:creationId xmlns:p14="http://schemas.microsoft.com/office/powerpoint/2010/main" val="3099533355"/>
-      </p:ext>
-    </p:extLst>
-  </p:cSld>
-  <p:clrMapOvr>
-    <a:masterClrMapping/>
-  </p:clrMapOvr>
-</p:sld>
-</file>
-
-<file path=ppt/slides/slide15.xml><?xml version="1.0" encoding="utf-8"?>
-<p:sld xmlns:a="http://schemas.openxmlformats.org/drawingml/2006/main" xmlns:r="http://schemas.openxmlformats.org/officeDocument/2006/relationships" xmlns:p="http://schemas.openxmlformats.org/presentationml/2006/main">
+<p:sld xmlns:a="http://schemas.openxmlformats.org/drawingml/2006/main" xmlns:r="http://schemas.openxmlformats.org/officeDocument/2006/relationships" xmlns:p="http://schemas.openxmlformats.org/presentationml/2006/main" show="0">
   <p:cSld>
     <p:spTree>
       <p:nvGrpSpPr>
@@ -8713,116 +7093,6 @@
 </p:sld>
 </file>
 
-<file path=ppt/slides/slide16.xml><?xml version="1.0" encoding="utf-8"?>
-<p:sld xmlns:a="http://schemas.openxmlformats.org/drawingml/2006/main" xmlns:r="http://schemas.openxmlformats.org/officeDocument/2006/relationships" xmlns:p="http://schemas.openxmlformats.org/presentationml/2006/main">
-  <p:cSld>
-    <p:spTree>
-      <p:nvGrpSpPr>
-        <p:cNvPr id="1" name="Shape 97"/>
-        <p:cNvGrpSpPr/>
-        <p:nvPr/>
-      </p:nvGrpSpPr>
-      <p:grpSpPr>
-        <a:xfrm>
-          <a:off x="0" y="0"/>
-          <a:ext cx="0" cy="0"/>
-          <a:chOff x="0" y="0"/>
-          <a:chExt cx="0" cy="0"/>
-        </a:xfrm>
-      </p:grpSpPr>
-      <p:sp>
-        <p:nvSpPr>
-          <p:cNvPr id="98" name="Google Shape;98;p19"/>
-          <p:cNvSpPr txBox="1">
-            <a:spLocks noGrp="1"/>
-          </p:cNvSpPr>
-          <p:nvPr>
-            <p:ph type="title"/>
-          </p:nvPr>
-        </p:nvSpPr>
-        <p:spPr>
-          <a:xfrm>
-            <a:off x="311700" y="445025"/>
-            <a:ext cx="8520600" cy="572700"/>
-          </a:xfrm>
-          <a:prstGeom prst="rect">
-            <a:avLst/>
-          </a:prstGeom>
-        </p:spPr>
-        <p:txBody>
-          <a:bodyPr spcFirstLastPara="1" wrap="square" lIns="91425" tIns="91425" rIns="91425" bIns="91425" anchor="t" anchorCtr="0">
-            <a:noAutofit/>
-          </a:bodyPr>
-          <a:lstStyle/>
-          <a:p>
-            <a:pPr marL="0" lvl="0" indent="0" algn="l" rtl="0">
-              <a:spcBef>
-                <a:spcPts val="0"/>
-              </a:spcBef>
-              <a:spcAft>
-                <a:spcPts val="0"/>
-              </a:spcAft>
-              <a:buNone/>
-            </a:pPr>
-            <a:r>
-              <a:rPr lang="en-GB" dirty="0">
-                <a:solidFill>
-                  <a:schemeClr val="tx1"/>
-                </a:solidFill>
-              </a:rPr>
-              <a:t>Story map</a:t>
-            </a:r>
-            <a:endParaRPr dirty="0">
-              <a:solidFill>
-                <a:schemeClr val="tx1"/>
-              </a:solidFill>
-            </a:endParaRPr>
-          </a:p>
-        </p:txBody>
-      </p:sp>
-      <p:pic>
-        <p:nvPicPr>
-          <p:cNvPr id="5" name="Рисунок 4">
-            <a:extLst>
-              <a:ext uri="{FF2B5EF4-FFF2-40B4-BE49-F238E27FC236}">
-                <a16:creationId xmlns:a16="http://schemas.microsoft.com/office/drawing/2014/main" id="{A588A0EC-05EC-402A-A8DB-6CD6013732BA}"/>
-              </a:ext>
-            </a:extLst>
-          </p:cNvPr>
-          <p:cNvPicPr>
-            <a:picLocks noChangeAspect="1"/>
-          </p:cNvPicPr>
-          <p:nvPr/>
-        </p:nvPicPr>
-        <p:blipFill>
-          <a:blip r:embed="rId3">
-            <a:extLst>
-              <a:ext uri="{96DAC541-7B7A-43D3-8B79-37D633B846F1}">
-                <asvg:svgBlip xmlns:asvg="http://schemas.microsoft.com/office/drawing/2016/SVG/main" r:embed="rId4"/>
-              </a:ext>
-            </a:extLst>
-          </a:blip>
-          <a:srcRect/>
-          <a:stretch/>
-        </p:blipFill>
-        <p:spPr>
-          <a:xfrm>
-            <a:off x="118952" y="1207993"/>
-            <a:ext cx="8953892" cy="3440208"/>
-          </a:xfrm>
-          <a:prstGeom prst="rect">
-            <a:avLst/>
-          </a:prstGeom>
-        </p:spPr>
-      </p:pic>
-    </p:spTree>
-  </p:cSld>
-  <p:clrMapOvr>
-    <a:masterClrMapping/>
-  </p:clrMapOvr>
-</p:sld>
-</file>
-
 <file path=ppt/slides/slide2.xml><?xml version="1.0" encoding="utf-8"?>
 <p:sld xmlns:a="http://schemas.openxmlformats.org/drawingml/2006/main" xmlns:r="http://schemas.openxmlformats.org/officeDocument/2006/relationships" xmlns:p="http://schemas.openxmlformats.org/presentationml/2006/main">
   <p:cSld>
@@ -8852,7 +7122,7 @@
         </p:nvSpPr>
         <p:spPr>
           <a:xfrm>
-            <a:off x="311700" y="445025"/>
+            <a:off x="311700" y="328293"/>
             <a:ext cx="8520600" cy="572700"/>
           </a:xfrm>
           <a:prstGeom prst="rect">
@@ -8907,32 +7177,30 @@
           </a:bodyPr>
           <a:lstStyle/>
           <a:p>
-            <a:pPr marL="0" lvl="0" indent="0" algn="l" rtl="0">
-              <a:spcBef>
-                <a:spcPts val="0"/>
-              </a:spcBef>
-              <a:spcAft>
-                <a:spcPts val="0"/>
-              </a:spcAft>
+            <a:pPr marL="0" lvl="0" indent="0" algn="just">
               <a:buNone/>
             </a:pPr>
             <a:r>
-              <a:rPr lang="en-US" sz="1400" dirty="0">
+              <a:rPr lang="en-US" dirty="0">
                 <a:solidFill>
                   <a:schemeClr val="dk1"/>
                 </a:solidFill>
               </a:rPr>
-              <a:t>The product is a platform for deploying, managing, and scaling machine learning models in a production environment. It's primary purpose is to provide a flexible and secure environment for automating ML processes, including model versioning, request routing, and monitoring. The system integrates with Kubernetes, supports model containerization. The product is designed for developers, ML engineers, DevOps teams, and enterprises that require a stable, scalable, and resilient infrastructure for their ML projects.</a:t>
+              <a:t>The product is a platform for deploying, managing, and scaling machine learning models in production. It offers a secure, flexible environment for automating ML tasks like model versioning, routing, and monitoring. With Kubernetes integration and containerization support, it's designed for developers, ML engineers, and enterprises needing scalable, resilient ML infrastructure.</a:t>
             </a:r>
           </a:p>
           <a:p>
-            <a:pPr marL="0" lvl="0" indent="0" algn="l" rtl="0">
-              <a:spcBef>
-                <a:spcPts val="0"/>
-              </a:spcBef>
-              <a:spcAft>
-                <a:spcPts val="0"/>
-              </a:spcAft>
+            <a:pPr marL="0" lvl="0" indent="0" algn="just">
+              <a:buNone/>
+            </a:pPr>
+            <a:endParaRPr lang="en-US" sz="1400" dirty="0">
+              <a:solidFill>
+                <a:schemeClr val="dk1"/>
+              </a:solidFill>
+            </a:endParaRPr>
+          </a:p>
+          <a:p>
+            <a:pPr marL="0" lvl="0" indent="0" algn="just">
               <a:buNone/>
             </a:pPr>
             <a:endParaRPr sz="1400" dirty="0">
@@ -9062,7 +7330,7 @@
             </a:endParaRPr>
           </a:p>
           <a:p>
-            <a:pPr marL="0" lvl="0" indent="0" algn="l" rtl="0">
+            <a:pPr marL="0" lvl="0" indent="0">
               <a:spcBef>
                 <a:spcPts val="1200"/>
               </a:spcBef>
@@ -9084,15 +7352,47 @@
                 <a:solidFill>
                   <a:schemeClr val="dk1"/>
                 </a:solidFill>
-                <a:hlinkClick r:id="rId3">
-                  <a:extLst>
-                    <a:ext uri="{A12FA001-AC4F-418D-AE19-62706E023703}">
-                      <ahyp:hlinkClr xmlns:ahyp="http://schemas.microsoft.com/office/drawing/2018/hyperlinkcolor" val="tx"/>
-                    </a:ext>
-                  </a:extLst>
-                </a:hlinkClick>
               </a:rPr>
-              <a:t>here</a:t>
+              <a:t>https://github.com/fanglores/Advanced-Software-Design</a:t>
+            </a:r>
+            <a:br>
+              <a:rPr lang="en-GB" sz="1400" u="sng" dirty="0">
+                <a:solidFill>
+                  <a:schemeClr val="dk1"/>
+                </a:solidFill>
+              </a:rPr>
+            </a:br>
+            <a:r>
+              <a:rPr lang="en-GB" sz="1400" dirty="0">
+                <a:solidFill>
+                  <a:schemeClr val="dk1"/>
+                </a:solidFill>
+              </a:rPr>
+              <a:t>		</a:t>
+            </a:r>
+            <a:r>
+              <a:rPr lang="en-GB" sz="1400" u="sng" dirty="0">
+                <a:solidFill>
+                  <a:schemeClr val="dk1"/>
+                </a:solidFill>
+              </a:rPr>
+              <a:t>/blob/master/Practice%20Tasks/</a:t>
+            </a:r>
+            <a:r>
+              <a:rPr lang="en-GB" sz="1400" u="sng" dirty="0" err="1">
+                <a:solidFill>
+                  <a:schemeClr val="dk1"/>
+                </a:solidFill>
+              </a:rPr>
+              <a:t>Final_Task</a:t>
+            </a:r>
+            <a:r>
+              <a:rPr lang="en-GB" sz="1400" u="sng" dirty="0">
+                <a:solidFill>
+                  <a:schemeClr val="dk1"/>
+                </a:solidFill>
+              </a:rPr>
+              <a:t>/K8C_FinalTask1_(Task7).pdf</a:t>
             </a:r>
             <a:endParaRPr sz="1400" dirty="0">
               <a:solidFill>
@@ -9116,199 +7416,6 @@
 </file>
 
 <file path=ppt/slides/slide3.xml><?xml version="1.0" encoding="utf-8"?>
-<p:sld xmlns:a="http://schemas.openxmlformats.org/drawingml/2006/main" xmlns:r="http://schemas.openxmlformats.org/officeDocument/2006/relationships" xmlns:p="http://schemas.openxmlformats.org/presentationml/2006/main">
-  <p:cSld>
-    <p:spTree>
-      <p:nvGrpSpPr>
-        <p:cNvPr id="1" name="Shape 59"/>
-        <p:cNvGrpSpPr/>
-        <p:nvPr/>
-      </p:nvGrpSpPr>
-      <p:grpSpPr>
-        <a:xfrm>
-          <a:off x="0" y="0"/>
-          <a:ext cx="0" cy="0"/>
-          <a:chOff x="0" y="0"/>
-          <a:chExt cx="0" cy="0"/>
-        </a:xfrm>
-      </p:grpSpPr>
-      <p:sp>
-        <p:nvSpPr>
-          <p:cNvPr id="60" name="Google Shape;60;p14"/>
-          <p:cNvSpPr txBox="1">
-            <a:spLocks noGrp="1"/>
-          </p:cNvSpPr>
-          <p:nvPr>
-            <p:ph type="title"/>
-          </p:nvPr>
-        </p:nvSpPr>
-        <p:spPr>
-          <a:xfrm>
-            <a:off x="311700" y="445025"/>
-            <a:ext cx="8520600" cy="572700"/>
-          </a:xfrm>
-          <a:prstGeom prst="rect">
-            <a:avLst/>
-          </a:prstGeom>
-        </p:spPr>
-        <p:txBody>
-          <a:bodyPr spcFirstLastPara="1" wrap="square" lIns="91425" tIns="91425" rIns="91425" bIns="91425" anchor="t" anchorCtr="0">
-            <a:noAutofit/>
-          </a:bodyPr>
-          <a:lstStyle/>
-          <a:p>
-            <a:pPr marL="0" lvl="0" indent="0" algn="l" rtl="0">
-              <a:spcBef>
-                <a:spcPts val="0"/>
-              </a:spcBef>
-              <a:spcAft>
-                <a:spcPts val="0"/>
-              </a:spcAft>
-              <a:buNone/>
-            </a:pPr>
-            <a:r>
-              <a:rPr lang="en-GB"/>
-              <a:t>Product description</a:t>
-            </a:r>
-            <a:endParaRPr/>
-          </a:p>
-        </p:txBody>
-      </p:sp>
-      <p:sp>
-        <p:nvSpPr>
-          <p:cNvPr id="61" name="Google Shape;61;p14"/>
-          <p:cNvSpPr txBox="1">
-            <a:spLocks noGrp="1"/>
-          </p:cNvSpPr>
-          <p:nvPr>
-            <p:ph type="body" idx="1"/>
-          </p:nvPr>
-        </p:nvSpPr>
-        <p:spPr>
-          <a:xfrm>
-            <a:off x="311700" y="1152475"/>
-            <a:ext cx="8520600" cy="3416400"/>
-          </a:xfrm>
-          <a:prstGeom prst="rect">
-            <a:avLst/>
-          </a:prstGeom>
-        </p:spPr>
-        <p:txBody>
-          <a:bodyPr spcFirstLastPara="1" wrap="square" lIns="91425" tIns="91425" rIns="91425" bIns="91425" anchor="t" anchorCtr="0">
-            <a:noAutofit/>
-          </a:bodyPr>
-          <a:lstStyle/>
-          <a:p>
-            <a:pPr marL="0" lvl="0" indent="0" algn="l" rtl="0">
-              <a:spcBef>
-                <a:spcPts val="0"/>
-              </a:spcBef>
-              <a:spcAft>
-                <a:spcPts val="0"/>
-              </a:spcAft>
-              <a:buNone/>
-            </a:pPr>
-            <a:r>
-              <a:rPr lang="en-GB"/>
-              <a:t>&lt;a short description of the product in a few sentences&gt;</a:t>
-            </a:r>
-            <a:endParaRPr/>
-          </a:p>
-          <a:p>
-            <a:pPr marL="0" lvl="0" indent="0" algn="l" rtl="0">
-              <a:spcBef>
-                <a:spcPts val="1200"/>
-              </a:spcBef>
-              <a:spcAft>
-                <a:spcPts val="0"/>
-              </a:spcAft>
-              <a:buNone/>
-            </a:pPr>
-            <a:endParaRPr/>
-          </a:p>
-          <a:p>
-            <a:pPr marL="0" lvl="0" indent="0" algn="l" rtl="0">
-              <a:spcBef>
-                <a:spcPts val="1200"/>
-              </a:spcBef>
-              <a:spcAft>
-                <a:spcPts val="0"/>
-              </a:spcAft>
-              <a:buNone/>
-            </a:pPr>
-            <a:endParaRPr/>
-          </a:p>
-          <a:p>
-            <a:pPr marL="0" lvl="0" indent="0" algn="l" rtl="0">
-              <a:spcBef>
-                <a:spcPts val="1200"/>
-              </a:spcBef>
-              <a:spcAft>
-                <a:spcPts val="0"/>
-              </a:spcAft>
-              <a:buNone/>
-            </a:pPr>
-            <a:endParaRPr/>
-          </a:p>
-          <a:p>
-            <a:pPr marL="0" lvl="0" indent="0" algn="l" rtl="0">
-              <a:spcBef>
-                <a:spcPts val="1200"/>
-              </a:spcBef>
-              <a:spcAft>
-                <a:spcPts val="0"/>
-              </a:spcAft>
-              <a:buNone/>
-            </a:pPr>
-            <a:r>
-              <a:rPr lang="en-GB"/>
-              <a:t>Team: list project members and roles</a:t>
-            </a:r>
-            <a:endParaRPr/>
-          </a:p>
-          <a:p>
-            <a:pPr marL="0" lvl="0" indent="0" algn="l" rtl="0">
-              <a:spcBef>
-                <a:spcPts val="1200"/>
-              </a:spcBef>
-              <a:spcAft>
-                <a:spcPts val="0"/>
-              </a:spcAft>
-              <a:buNone/>
-            </a:pPr>
-            <a:r>
-              <a:rPr lang="en-GB"/>
-              <a:t>Repo: browseable link to project rep</a:t>
-            </a:r>
-            <a:endParaRPr/>
-          </a:p>
-          <a:p>
-            <a:pPr marL="0" lvl="0" indent="0" algn="l" rtl="0">
-              <a:spcBef>
-                <a:spcPts val="1200"/>
-              </a:spcBef>
-              <a:spcAft>
-                <a:spcPts val="1200"/>
-              </a:spcAft>
-              <a:buNone/>
-            </a:pPr>
-            <a:r>
-              <a:rPr lang="en-GB"/>
-              <a:t>Report: a link to this slides within project repo/doc storage</a:t>
-            </a:r>
-            <a:endParaRPr/>
-          </a:p>
-        </p:txBody>
-      </p:sp>
-    </p:spTree>
-  </p:cSld>
-  <p:clrMapOvr>
-    <a:masterClrMapping/>
-  </p:clrMapOvr>
-</p:sld>
-</file>
-
-<file path=ppt/slides/slide4.xml><?xml version="1.0" encoding="utf-8"?>
 <p:sld xmlns:a="http://schemas.openxmlformats.org/drawingml/2006/main" xmlns:r="http://schemas.openxmlformats.org/officeDocument/2006/relationships" xmlns:p="http://schemas.openxmlformats.org/presentationml/2006/main">
   <p:cSld>
     <p:spTree>
@@ -9337,7 +7444,7 @@
         </p:nvSpPr>
         <p:spPr>
           <a:xfrm>
-            <a:off x="311700" y="445025"/>
+            <a:off x="252575" y="140425"/>
             <a:ext cx="8520600" cy="572700"/>
           </a:xfrm>
           <a:prstGeom prst="rect">
@@ -9360,10 +7467,10 @@
               <a:buNone/>
             </a:pPr>
             <a:r>
-              <a:rPr lang="en-GB"/>
-              <a:t>Personas</a:t>
+              <a:rPr lang="en-GB" dirty="0"/>
+              <a:t>Roles</a:t>
             </a:r>
-            <a:endParaRPr/>
+            <a:endParaRPr dirty="0"/>
           </a:p>
         </p:txBody>
       </p:sp>
@@ -9379,8 +7486,8 @@
         </p:nvSpPr>
         <p:spPr>
           <a:xfrm>
-            <a:off x="2246275" y="1152475"/>
-            <a:ext cx="2325600" cy="3784800"/>
+            <a:off x="4867836" y="1277470"/>
+            <a:ext cx="3939988" cy="3012142"/>
           </a:xfrm>
           <a:prstGeom prst="rect">
             <a:avLst/>
@@ -9392,7 +7499,7 @@
           </a:bodyPr>
           <a:lstStyle/>
           <a:p>
-            <a:pPr marL="0" lvl="0" indent="0" algn="l" rtl="0">
+            <a:pPr marL="0" lvl="0" indent="0" algn="just" rtl="0">
               <a:spcBef>
                 <a:spcPts val="0"/>
               </a:spcBef>
@@ -9402,15 +7509,34 @@
               <a:buNone/>
             </a:pPr>
             <a:r>
-              <a:rPr lang="en-GB" b="1"/>
-              <a:t>Name &lt;Persona 1&gt;</a:t>
+              <a:rPr lang="en-US" b="1" dirty="0">
+                <a:solidFill>
+                  <a:schemeClr val="tx1"/>
+                </a:solidFill>
+              </a:rPr>
+              <a:t>API Consumer</a:t>
             </a:r>
-            <a:endParaRPr b="1"/>
-          </a:p>
-          <a:p>
-            <a:pPr marL="0" lvl="0" indent="0" algn="l" rtl="0">
-              <a:spcBef>
-                <a:spcPts val="1200"/>
+          </a:p>
+          <a:p>
+            <a:pPr marL="0" lvl="0" indent="0" algn="just" rtl="0">
+              <a:spcBef>
+                <a:spcPts val="0"/>
+              </a:spcBef>
+              <a:spcAft>
+                <a:spcPts val="0"/>
+              </a:spcAft>
+              <a:buNone/>
+            </a:pPr>
+            <a:endParaRPr lang="en-US" b="1" dirty="0">
+              <a:solidFill>
+                <a:schemeClr val="tx1"/>
+              </a:solidFill>
+            </a:endParaRPr>
+          </a:p>
+          <a:p>
+            <a:pPr marL="0" lvl="0" indent="0" algn="just" rtl="0">
+              <a:spcBef>
+                <a:spcPts val="0"/>
               </a:spcBef>
               <a:spcAft>
                 <a:spcPts val="0"/>
@@ -9418,107 +7544,43 @@
               <a:buNone/>
             </a:pPr>
             <a:r>
-              <a:rPr lang="en-GB"/>
-              <a:t>&lt;find relevant photo&gt;</a:t>
+              <a:rPr lang="en-US" b="1" dirty="0">
+                <a:solidFill>
+                  <a:schemeClr val="tx1"/>
+                </a:solidFill>
+              </a:rPr>
+              <a:t>Description:</a:t>
             </a:r>
-            <a:endParaRPr/>
-          </a:p>
-          <a:p>
-            <a:pPr marL="0" lvl="0" indent="0" algn="l" rtl="0">
-              <a:spcBef>
-                <a:spcPts val="1200"/>
-              </a:spcBef>
-              <a:spcAft>
-                <a:spcPts val="0"/>
-              </a:spcAft>
-              <a:buNone/>
-            </a:pPr>
             <a:r>
-              <a:rPr lang="en-GB"/>
-              <a:t>&lt;provide description&gt;</a:t>
+              <a:rPr lang="en-US" dirty="0">
+                <a:solidFill>
+                  <a:schemeClr val="tx1"/>
+                </a:solidFill>
+              </a:rPr>
+              <a:t> This role includes all users interacting with APIs to integrate ML models into their applications. They want to access reliable and well-documented APIs, enabling seamless integration of ML models into their business applications and ensuring optimal performance and usability.</a:t>
             </a:r>
-            <a:endParaRPr/>
-          </a:p>
-          <a:p>
-            <a:pPr marL="0" lvl="0" indent="0" algn="l" rtl="0">
-              <a:spcBef>
-                <a:spcPts val="1200"/>
-              </a:spcBef>
-              <a:spcAft>
-                <a:spcPts val="0"/>
-              </a:spcAft>
-              <a:buNone/>
-            </a:pPr>
-            <a:endParaRPr/>
-          </a:p>
-          <a:p>
-            <a:pPr marL="0" lvl="0" indent="0" algn="l" rtl="0">
-              <a:spcBef>
-                <a:spcPts val="1200"/>
-              </a:spcBef>
-              <a:spcAft>
-                <a:spcPts val="0"/>
-              </a:spcAft>
-              <a:buNone/>
-            </a:pPr>
-            <a:endParaRPr/>
-          </a:p>
-          <a:p>
-            <a:pPr marL="0" lvl="0" indent="0" algn="l" rtl="0">
-              <a:spcBef>
-                <a:spcPts val="1200"/>
-              </a:spcBef>
-              <a:spcAft>
-                <a:spcPts val="0"/>
-              </a:spcAft>
-              <a:buNone/>
-            </a:pPr>
-            <a:endParaRPr/>
-          </a:p>
-          <a:p>
-            <a:pPr marL="0" lvl="0" indent="0" algn="l" rtl="0">
-              <a:spcBef>
-                <a:spcPts val="1200"/>
-              </a:spcBef>
-              <a:spcAft>
-                <a:spcPts val="0"/>
-              </a:spcAft>
-              <a:buNone/>
-            </a:pPr>
-            <a:r>
-              <a:rPr lang="en-GB"/>
-              <a:t>Wiki page: &lt;link&gt;</a:t>
-            </a:r>
-            <a:endParaRPr/>
-          </a:p>
-          <a:p>
-            <a:pPr marL="0" lvl="0" indent="0" algn="l" rtl="0">
-              <a:spcBef>
-                <a:spcPts val="1200"/>
-              </a:spcBef>
-              <a:spcAft>
-                <a:spcPts val="1200"/>
-              </a:spcAft>
-              <a:buNone/>
-            </a:pPr>
-            <a:endParaRPr/>
+            <a:endParaRPr dirty="0">
+              <a:solidFill>
+                <a:schemeClr val="tx1"/>
+              </a:solidFill>
+            </a:endParaRPr>
           </a:p>
         </p:txBody>
       </p:sp>
       <p:sp>
         <p:nvSpPr>
-          <p:cNvPr id="68" name="Google Shape;68;p15"/>
+          <p:cNvPr id="70" name="Google Shape;70;p15"/>
           <p:cNvSpPr txBox="1">
             <a:spLocks noGrp="1"/>
           </p:cNvSpPr>
           <p:nvPr>
-            <p:ph type="body" idx="2"/>
+            <p:ph type="body" idx="1"/>
           </p:nvPr>
         </p:nvSpPr>
         <p:spPr>
           <a:xfrm>
-            <a:off x="6592125" y="1152475"/>
-            <a:ext cx="2240100" cy="3416400"/>
+            <a:off x="336176" y="1277470"/>
+            <a:ext cx="4034118" cy="3160059"/>
           </a:xfrm>
           <a:prstGeom prst="rect">
             <a:avLst/>
@@ -9530,181 +7592,59 @@
           </a:bodyPr>
           <a:lstStyle/>
           <a:p>
-            <a:pPr marL="0" lvl="0" indent="0" algn="l" rtl="0">
-              <a:spcBef>
-                <a:spcPts val="0"/>
-              </a:spcBef>
-              <a:spcAft>
-                <a:spcPts val="0"/>
-              </a:spcAft>
+            <a:pPr marL="139700" indent="0">
               <a:buNone/>
             </a:pPr>
             <a:r>
-              <a:rPr lang="en-GB" b="1"/>
-              <a:t>Name &lt;Persona 2&gt;</a:t>
+              <a:rPr lang="en-US" b="1" dirty="0">
+                <a:solidFill>
+                  <a:schemeClr val="tx1"/>
+                </a:solidFill>
+              </a:rPr>
+              <a:t>ML Engineer</a:t>
             </a:r>
-            <a:endParaRPr b="1"/>
-          </a:p>
-          <a:p>
-            <a:pPr marL="0" lvl="0" indent="0" algn="l" rtl="0">
-              <a:spcBef>
-                <a:spcPts val="1200"/>
-              </a:spcBef>
-              <a:spcAft>
-                <a:spcPts val="0"/>
-              </a:spcAft>
+            <a:endParaRPr lang="ru-RU" b="1" dirty="0">
+              <a:solidFill>
+                <a:schemeClr val="tx1"/>
+              </a:solidFill>
+            </a:endParaRPr>
+          </a:p>
+          <a:p>
+            <a:pPr marL="139700" indent="0">
               <a:buNone/>
             </a:pPr>
+            <a:br>
+              <a:rPr lang="en-US" dirty="0">
+                <a:solidFill>
+                  <a:schemeClr val="tx1"/>
+                </a:solidFill>
+              </a:rPr>
+            </a:br>
             <a:r>
-              <a:rPr lang="en-GB"/>
-              <a:t>&lt;find relevant photo&gt;</a:t>
+              <a:rPr lang="en-US" b="1" dirty="0">
+                <a:solidFill>
+                  <a:schemeClr val="tx1"/>
+                </a:solidFill>
+              </a:rPr>
+              <a:t>Description:</a:t>
             </a:r>
-            <a:endParaRPr/>
-          </a:p>
-          <a:p>
-            <a:pPr marL="0" lvl="0" indent="0" algn="l" rtl="0">
-              <a:spcBef>
-                <a:spcPts val="1200"/>
-              </a:spcBef>
-              <a:spcAft>
-                <a:spcPts val="0"/>
-              </a:spcAft>
-              <a:buNone/>
-            </a:pPr>
             <a:r>
-              <a:rPr lang="en-GB"/>
-              <a:t>&lt;provide description&gt;</a:t>
+              <a:rPr lang="en-US" dirty="0">
+                <a:solidFill>
+                  <a:schemeClr val="tx1"/>
+                </a:solidFill>
+              </a:rPr>
+              <a:t> This role joins professionals involved in the development, deployment, and monitoring of ML models. They want to simplify the deployment process, automate API documentation, and ensure efficient request validation and caching, ultimately enhancing their workflow and model performance.</a:t>
             </a:r>
-            <a:endParaRPr/>
-          </a:p>
-          <a:p>
-            <a:pPr marL="0" lvl="0" indent="0" algn="l" rtl="0">
-              <a:spcBef>
-                <a:spcPts val="1200"/>
-              </a:spcBef>
-              <a:spcAft>
-                <a:spcPts val="0"/>
-              </a:spcAft>
-              <a:buNone/>
-            </a:pPr>
-            <a:endParaRPr/>
-          </a:p>
-          <a:p>
-            <a:pPr marL="0" lvl="0" indent="0" algn="l" rtl="0">
-              <a:spcBef>
-                <a:spcPts val="1200"/>
-              </a:spcBef>
-              <a:spcAft>
-                <a:spcPts val="0"/>
-              </a:spcAft>
-              <a:buNone/>
-            </a:pPr>
-            <a:endParaRPr/>
-          </a:p>
-          <a:p>
-            <a:pPr marL="0" lvl="0" indent="0" algn="l" rtl="0">
-              <a:spcBef>
-                <a:spcPts val="1200"/>
-              </a:spcBef>
-              <a:spcAft>
-                <a:spcPts val="0"/>
-              </a:spcAft>
-              <a:buNone/>
-            </a:pPr>
-            <a:endParaRPr/>
-          </a:p>
-          <a:p>
-            <a:pPr marL="0" lvl="0" indent="0" algn="l" rtl="0">
-              <a:spcBef>
-                <a:spcPts val="1200"/>
-              </a:spcBef>
-              <a:spcAft>
-                <a:spcPts val="0"/>
-              </a:spcAft>
-              <a:buNone/>
-            </a:pPr>
-            <a:r>
-              <a:rPr lang="en-GB"/>
-              <a:t>Wiki page: &lt;link&gt;</a:t>
-            </a:r>
-            <a:endParaRPr/>
-          </a:p>
-          <a:p>
-            <a:pPr marL="0" lvl="0" indent="0" algn="l" rtl="0">
-              <a:spcBef>
-                <a:spcPts val="1200"/>
-              </a:spcBef>
-              <a:spcAft>
-                <a:spcPts val="1200"/>
-              </a:spcAft>
-              <a:buClr>
-                <a:schemeClr val="dk1"/>
-              </a:buClr>
-              <a:buSzPts val="1100"/>
-              <a:buFont typeface="Arial"/>
-              <a:buNone/>
-            </a:pPr>
-            <a:endParaRPr/>
           </a:p>
         </p:txBody>
       </p:sp>
-      <p:pic>
-        <p:nvPicPr>
-          <p:cNvPr id="69" name="Google Shape;69;p15"/>
-          <p:cNvPicPr preferRelativeResize="0"/>
-          <p:nvPr/>
-        </p:nvPicPr>
-        <p:blipFill>
-          <a:blip r:embed="rId3">
-            <a:alphaModFix/>
-          </a:blip>
-          <a:stretch>
-            <a:fillRect/>
-          </a:stretch>
-        </p:blipFill>
-        <p:spPr>
-          <a:xfrm>
-            <a:off x="311700" y="1152475"/>
-            <a:ext cx="1855325" cy="2473776"/>
-          </a:xfrm>
-          <a:prstGeom prst="rect">
-            <a:avLst/>
-          </a:prstGeom>
-          <a:noFill/>
-          <a:ln>
-            <a:noFill/>
-          </a:ln>
-        </p:spPr>
-      </p:pic>
-      <p:pic>
-        <p:nvPicPr>
-          <p:cNvPr id="70" name="Google Shape;70;p15"/>
-          <p:cNvPicPr preferRelativeResize="0"/>
-          <p:nvPr/>
-        </p:nvPicPr>
-        <p:blipFill>
-          <a:blip r:embed="rId3">
-            <a:alphaModFix/>
-          </a:blip>
-          <a:stretch>
-            <a:fillRect/>
-          </a:stretch>
-        </p:blipFill>
-        <p:spPr>
-          <a:xfrm>
-            <a:off x="4572000" y="1152475"/>
-            <a:ext cx="1855325" cy="2473776"/>
-          </a:xfrm>
-          <a:prstGeom prst="rect">
-            <a:avLst/>
-          </a:prstGeom>
-          <a:noFill/>
-          <a:ln>
-            <a:noFill/>
-          </a:ln>
-        </p:spPr>
-      </p:pic>
     </p:spTree>
+    <p:extLst>
+      <p:ext uri="{BB962C8B-B14F-4D97-AF65-F5344CB8AC3E}">
+        <p14:creationId xmlns:p14="http://schemas.microsoft.com/office/powerpoint/2010/main" val="1156978264"/>
+      </p:ext>
+    </p:extLst>
   </p:cSld>
   <p:clrMapOvr>
     <a:masterClrMapping/>
@@ -9712,12 +7652,12 @@
 </p:sld>
 </file>
 
-<file path=ppt/slides/slide5.xml><?xml version="1.0" encoding="utf-8"?>
+<file path=ppt/slides/slide4.xml><?xml version="1.0" encoding="utf-8"?>
 <p:sld xmlns:a="http://schemas.openxmlformats.org/drawingml/2006/main" xmlns:r="http://schemas.openxmlformats.org/officeDocument/2006/relationships" xmlns:p="http://schemas.openxmlformats.org/presentationml/2006/main">
   <p:cSld>
     <p:spTree>
       <p:nvGrpSpPr>
-        <p:cNvPr id="1" name="Shape 74"/>
+        <p:cNvPr id="1" name=""/>
         <p:cNvGrpSpPr/>
         <p:nvPr/>
       </p:nvGrpSpPr>
@@ -9731,7 +7671,1284 @@
       </p:grpSpPr>
       <p:sp>
         <p:nvSpPr>
-          <p:cNvPr id="75" name="Google Shape;75;p16"/>
+          <p:cNvPr id="3" name="Текст 2">
+            <a:extLst>
+              <a:ext uri="{FF2B5EF4-FFF2-40B4-BE49-F238E27FC236}">
+                <a16:creationId xmlns:a16="http://schemas.microsoft.com/office/drawing/2014/main" id="{73D9E495-74CF-49FC-8FE9-9E20997A0616}"/>
+              </a:ext>
+            </a:extLst>
+          </p:cNvPr>
+          <p:cNvSpPr>
+            <a:spLocks noGrp="1"/>
+          </p:cNvSpPr>
+          <p:nvPr>
+            <p:ph type="body" idx="1"/>
+          </p:nvPr>
+        </p:nvSpPr>
+        <p:spPr>
+          <a:xfrm>
+            <a:off x="311701" y="863550"/>
+            <a:ext cx="4051870" cy="3416400"/>
+          </a:xfrm>
+        </p:spPr>
+        <p:txBody>
+          <a:bodyPr/>
+          <a:lstStyle/>
+          <a:p>
+            <a:pPr marL="139700" indent="0">
+              <a:buNone/>
+            </a:pPr>
+            <a:r>
+              <a:rPr lang="en-US" b="1" dirty="0">
+                <a:solidFill>
+                  <a:schemeClr val="tx1"/>
+                </a:solidFill>
+              </a:rPr>
+              <a:t>ML Engineer (Maria, 32 years old)</a:t>
+            </a:r>
+          </a:p>
+          <a:p>
+            <a:pPr marL="139700" indent="0">
+              <a:buNone/>
+            </a:pPr>
+            <a:br>
+              <a:rPr lang="en-US" dirty="0">
+                <a:solidFill>
+                  <a:schemeClr val="tx1"/>
+                </a:solidFill>
+              </a:rPr>
+            </a:br>
+            <a:r>
+              <a:rPr lang="en-US" b="1" dirty="0">
+                <a:solidFill>
+                  <a:schemeClr val="tx1"/>
+                </a:solidFill>
+              </a:rPr>
+              <a:t>Goals:</a:t>
+            </a:r>
+            <a:endParaRPr lang="en-US" dirty="0">
+              <a:solidFill>
+                <a:schemeClr val="tx1"/>
+              </a:solidFill>
+            </a:endParaRPr>
+          </a:p>
+          <a:p>
+            <a:pPr>
+              <a:buFont typeface="Arial" panose="020B0604020202020204" pitchFamily="34" charset="0"/>
+              <a:buChar char="•"/>
+            </a:pPr>
+            <a:r>
+              <a:rPr lang="en-US" dirty="0">
+                <a:solidFill>
+                  <a:schemeClr val="tx1"/>
+                </a:solidFill>
+              </a:rPr>
+              <a:t>Deploy and version ML models in Kubernetes.</a:t>
+            </a:r>
+          </a:p>
+          <a:p>
+            <a:pPr>
+              <a:buFont typeface="Arial" panose="020B0604020202020204" pitchFamily="34" charset="0"/>
+              <a:buChar char="•"/>
+            </a:pPr>
+            <a:r>
+              <a:rPr lang="en-US" dirty="0">
+                <a:solidFill>
+                  <a:schemeClr val="tx1"/>
+                </a:solidFill>
+              </a:rPr>
+              <a:t>Automatic API documentation and request validation.</a:t>
+            </a:r>
+          </a:p>
+          <a:p>
+            <a:pPr>
+              <a:buFont typeface="Arial" panose="020B0604020202020204" pitchFamily="34" charset="0"/>
+              <a:buChar char="•"/>
+            </a:pPr>
+            <a:r>
+              <a:rPr lang="en-US" dirty="0">
+                <a:solidFill>
+                  <a:schemeClr val="tx1"/>
+                </a:solidFill>
+              </a:rPr>
+              <a:t>Flexibility for different ML frameworks.</a:t>
+            </a:r>
+          </a:p>
+          <a:p>
+            <a:pPr marL="139700" indent="0">
+              <a:buNone/>
+            </a:pPr>
+            <a:endParaRPr lang="ru-RU" b="1" dirty="0">
+              <a:solidFill>
+                <a:schemeClr val="tx1"/>
+              </a:solidFill>
+            </a:endParaRPr>
+          </a:p>
+          <a:p>
+            <a:pPr marL="139700" indent="0">
+              <a:buNone/>
+            </a:pPr>
+            <a:endParaRPr lang="ru-RU" b="1" dirty="0">
+              <a:solidFill>
+                <a:schemeClr val="tx1"/>
+              </a:solidFill>
+            </a:endParaRPr>
+          </a:p>
+          <a:p>
+            <a:pPr marL="139700" indent="0">
+              <a:buNone/>
+            </a:pPr>
+            <a:r>
+              <a:rPr lang="en-US" b="1" dirty="0">
+                <a:solidFill>
+                  <a:schemeClr val="tx1"/>
+                </a:solidFill>
+              </a:rPr>
+              <a:t>Pain points:</a:t>
+            </a:r>
+            <a:endParaRPr lang="en-US" dirty="0">
+              <a:solidFill>
+                <a:schemeClr val="tx1"/>
+              </a:solidFill>
+            </a:endParaRPr>
+          </a:p>
+          <a:p>
+            <a:pPr>
+              <a:buFont typeface="Arial" panose="020B0604020202020204" pitchFamily="34" charset="0"/>
+              <a:buChar char="•"/>
+            </a:pPr>
+            <a:r>
+              <a:rPr lang="en-US" dirty="0">
+                <a:solidFill>
+                  <a:schemeClr val="tx1"/>
+                </a:solidFill>
+              </a:rPr>
+              <a:t>Manual API documentation.</a:t>
+            </a:r>
+          </a:p>
+          <a:p>
+            <a:pPr>
+              <a:buFont typeface="Arial" panose="020B0604020202020204" pitchFamily="34" charset="0"/>
+              <a:buChar char="•"/>
+            </a:pPr>
+            <a:r>
+              <a:rPr lang="en-US" dirty="0">
+                <a:solidFill>
+                  <a:schemeClr val="tx1"/>
+                </a:solidFill>
+              </a:rPr>
+              <a:t>Difficulties in monitoring model performance.</a:t>
+            </a:r>
+          </a:p>
+        </p:txBody>
+      </p:sp>
+      <p:sp>
+        <p:nvSpPr>
+          <p:cNvPr id="7" name="Google Shape;66;p15">
+            <a:extLst>
+              <a:ext uri="{FF2B5EF4-FFF2-40B4-BE49-F238E27FC236}">
+                <a16:creationId xmlns:a16="http://schemas.microsoft.com/office/drawing/2014/main" id="{A2B7074F-A1D8-444B-9DA8-BFF70B4A2A8A}"/>
+              </a:ext>
+            </a:extLst>
+          </p:cNvPr>
+          <p:cNvSpPr txBox="1">
+            <a:spLocks/>
+          </p:cNvSpPr>
+          <p:nvPr/>
+        </p:nvSpPr>
+        <p:spPr>
+          <a:xfrm>
+            <a:off x="252575" y="140425"/>
+            <a:ext cx="8520600" cy="572700"/>
+          </a:xfrm>
+          <a:prstGeom prst="rect">
+            <a:avLst/>
+          </a:prstGeom>
+          <a:noFill/>
+          <a:ln>
+            <a:noFill/>
+          </a:ln>
+        </p:spPr>
+        <p:txBody>
+          <a:bodyPr spcFirstLastPara="1" wrap="square" lIns="91425" tIns="91425" rIns="91425" bIns="91425" anchor="t" anchorCtr="0">
+            <a:noAutofit/>
+          </a:bodyPr>
+          <a:lstStyle>
+            <a:defPPr marR="0" lvl="0" algn="l" rtl="0">
+              <a:lnSpc>
+                <a:spcPct val="100000"/>
+              </a:lnSpc>
+              <a:spcBef>
+                <a:spcPts val="0"/>
+              </a:spcBef>
+              <a:spcAft>
+                <a:spcPts val="0"/>
+              </a:spcAft>
+            </a:defPPr>
+            <a:lvl1pPr marR="0" lvl="0" algn="l" rtl="0">
+              <a:lnSpc>
+                <a:spcPct val="100000"/>
+              </a:lnSpc>
+              <a:spcBef>
+                <a:spcPts val="0"/>
+              </a:spcBef>
+              <a:spcAft>
+                <a:spcPts val="0"/>
+              </a:spcAft>
+              <a:buClr>
+                <a:schemeClr val="dk1"/>
+              </a:buClr>
+              <a:buSzPts val="2800"/>
+              <a:buFont typeface="Arial"/>
+              <a:buNone/>
+              <a:defRPr sz="2800" b="0" i="0" u="none" strike="noStrike" cap="none">
+                <a:solidFill>
+                  <a:schemeClr val="dk1"/>
+                </a:solidFill>
+                <a:latin typeface="Arial"/>
+                <a:ea typeface="Arial"/>
+                <a:cs typeface="Arial"/>
+                <a:sym typeface="Arial"/>
+              </a:defRPr>
+            </a:lvl1pPr>
+            <a:lvl2pPr marR="0" lvl="1" algn="l" rtl="0">
+              <a:lnSpc>
+                <a:spcPct val="100000"/>
+              </a:lnSpc>
+              <a:spcBef>
+                <a:spcPts val="0"/>
+              </a:spcBef>
+              <a:spcAft>
+                <a:spcPts val="0"/>
+              </a:spcAft>
+              <a:buClr>
+                <a:schemeClr val="dk1"/>
+              </a:buClr>
+              <a:buSzPts val="2800"/>
+              <a:buFont typeface="Arial"/>
+              <a:buNone/>
+              <a:defRPr sz="2800" b="0" i="0" u="none" strike="noStrike" cap="none">
+                <a:solidFill>
+                  <a:schemeClr val="dk1"/>
+                </a:solidFill>
+                <a:latin typeface="Arial"/>
+                <a:ea typeface="Arial"/>
+                <a:cs typeface="Arial"/>
+                <a:sym typeface="Arial"/>
+              </a:defRPr>
+            </a:lvl2pPr>
+            <a:lvl3pPr marR="0" lvl="2" algn="l" rtl="0">
+              <a:lnSpc>
+                <a:spcPct val="100000"/>
+              </a:lnSpc>
+              <a:spcBef>
+                <a:spcPts val="0"/>
+              </a:spcBef>
+              <a:spcAft>
+                <a:spcPts val="0"/>
+              </a:spcAft>
+              <a:buClr>
+                <a:schemeClr val="dk1"/>
+              </a:buClr>
+              <a:buSzPts val="2800"/>
+              <a:buFont typeface="Arial"/>
+              <a:buNone/>
+              <a:defRPr sz="2800" b="0" i="0" u="none" strike="noStrike" cap="none">
+                <a:solidFill>
+                  <a:schemeClr val="dk1"/>
+                </a:solidFill>
+                <a:latin typeface="Arial"/>
+                <a:ea typeface="Arial"/>
+                <a:cs typeface="Arial"/>
+                <a:sym typeface="Arial"/>
+              </a:defRPr>
+            </a:lvl3pPr>
+            <a:lvl4pPr marR="0" lvl="3" algn="l" rtl="0">
+              <a:lnSpc>
+                <a:spcPct val="100000"/>
+              </a:lnSpc>
+              <a:spcBef>
+                <a:spcPts val="0"/>
+              </a:spcBef>
+              <a:spcAft>
+                <a:spcPts val="0"/>
+              </a:spcAft>
+              <a:buClr>
+                <a:schemeClr val="dk1"/>
+              </a:buClr>
+              <a:buSzPts val="2800"/>
+              <a:buFont typeface="Arial"/>
+              <a:buNone/>
+              <a:defRPr sz="2800" b="0" i="0" u="none" strike="noStrike" cap="none">
+                <a:solidFill>
+                  <a:schemeClr val="dk1"/>
+                </a:solidFill>
+                <a:latin typeface="Arial"/>
+                <a:ea typeface="Arial"/>
+                <a:cs typeface="Arial"/>
+                <a:sym typeface="Arial"/>
+              </a:defRPr>
+            </a:lvl4pPr>
+            <a:lvl5pPr marR="0" lvl="4" algn="l" rtl="0">
+              <a:lnSpc>
+                <a:spcPct val="100000"/>
+              </a:lnSpc>
+              <a:spcBef>
+                <a:spcPts val="0"/>
+              </a:spcBef>
+              <a:spcAft>
+                <a:spcPts val="0"/>
+              </a:spcAft>
+              <a:buClr>
+                <a:schemeClr val="dk1"/>
+              </a:buClr>
+              <a:buSzPts val="2800"/>
+              <a:buFont typeface="Arial"/>
+              <a:buNone/>
+              <a:defRPr sz="2800" b="0" i="0" u="none" strike="noStrike" cap="none">
+                <a:solidFill>
+                  <a:schemeClr val="dk1"/>
+                </a:solidFill>
+                <a:latin typeface="Arial"/>
+                <a:ea typeface="Arial"/>
+                <a:cs typeface="Arial"/>
+                <a:sym typeface="Arial"/>
+              </a:defRPr>
+            </a:lvl5pPr>
+            <a:lvl6pPr marR="0" lvl="5" algn="l" rtl="0">
+              <a:lnSpc>
+                <a:spcPct val="100000"/>
+              </a:lnSpc>
+              <a:spcBef>
+                <a:spcPts val="0"/>
+              </a:spcBef>
+              <a:spcAft>
+                <a:spcPts val="0"/>
+              </a:spcAft>
+              <a:buClr>
+                <a:schemeClr val="dk1"/>
+              </a:buClr>
+              <a:buSzPts val="2800"/>
+              <a:buFont typeface="Arial"/>
+              <a:buNone/>
+              <a:defRPr sz="2800" b="0" i="0" u="none" strike="noStrike" cap="none">
+                <a:solidFill>
+                  <a:schemeClr val="dk1"/>
+                </a:solidFill>
+                <a:latin typeface="Arial"/>
+                <a:ea typeface="Arial"/>
+                <a:cs typeface="Arial"/>
+                <a:sym typeface="Arial"/>
+              </a:defRPr>
+            </a:lvl6pPr>
+            <a:lvl7pPr marR="0" lvl="6" algn="l" rtl="0">
+              <a:lnSpc>
+                <a:spcPct val="100000"/>
+              </a:lnSpc>
+              <a:spcBef>
+                <a:spcPts val="0"/>
+              </a:spcBef>
+              <a:spcAft>
+                <a:spcPts val="0"/>
+              </a:spcAft>
+              <a:buClr>
+                <a:schemeClr val="dk1"/>
+              </a:buClr>
+              <a:buSzPts val="2800"/>
+              <a:buFont typeface="Arial"/>
+              <a:buNone/>
+              <a:defRPr sz="2800" b="0" i="0" u="none" strike="noStrike" cap="none">
+                <a:solidFill>
+                  <a:schemeClr val="dk1"/>
+                </a:solidFill>
+                <a:latin typeface="Arial"/>
+                <a:ea typeface="Arial"/>
+                <a:cs typeface="Arial"/>
+                <a:sym typeface="Arial"/>
+              </a:defRPr>
+            </a:lvl7pPr>
+            <a:lvl8pPr marR="0" lvl="7" algn="l" rtl="0">
+              <a:lnSpc>
+                <a:spcPct val="100000"/>
+              </a:lnSpc>
+              <a:spcBef>
+                <a:spcPts val="0"/>
+              </a:spcBef>
+              <a:spcAft>
+                <a:spcPts val="0"/>
+              </a:spcAft>
+              <a:buClr>
+                <a:schemeClr val="dk1"/>
+              </a:buClr>
+              <a:buSzPts val="2800"/>
+              <a:buFont typeface="Arial"/>
+              <a:buNone/>
+              <a:defRPr sz="2800" b="0" i="0" u="none" strike="noStrike" cap="none">
+                <a:solidFill>
+                  <a:schemeClr val="dk1"/>
+                </a:solidFill>
+                <a:latin typeface="Arial"/>
+                <a:ea typeface="Arial"/>
+                <a:cs typeface="Arial"/>
+                <a:sym typeface="Arial"/>
+              </a:defRPr>
+            </a:lvl8pPr>
+            <a:lvl9pPr marR="0" lvl="8" algn="l" rtl="0">
+              <a:lnSpc>
+                <a:spcPct val="100000"/>
+              </a:lnSpc>
+              <a:spcBef>
+                <a:spcPts val="0"/>
+              </a:spcBef>
+              <a:spcAft>
+                <a:spcPts val="0"/>
+              </a:spcAft>
+              <a:buClr>
+                <a:schemeClr val="dk1"/>
+              </a:buClr>
+              <a:buSzPts val="2800"/>
+              <a:buFont typeface="Arial"/>
+              <a:buNone/>
+              <a:defRPr sz="2800" b="0" i="0" u="none" strike="noStrike" cap="none">
+                <a:solidFill>
+                  <a:schemeClr val="dk1"/>
+                </a:solidFill>
+                <a:latin typeface="Arial"/>
+                <a:ea typeface="Arial"/>
+                <a:cs typeface="Arial"/>
+                <a:sym typeface="Arial"/>
+              </a:defRPr>
+            </a:lvl9pPr>
+          </a:lstStyle>
+          <a:p>
+            <a:r>
+              <a:rPr lang="en-GB" dirty="0"/>
+              <a:t>Personas</a:t>
+            </a:r>
+          </a:p>
+        </p:txBody>
+      </p:sp>
+      <p:sp>
+        <p:nvSpPr>
+          <p:cNvPr id="8" name="TextBox 7">
+            <a:extLst>
+              <a:ext uri="{FF2B5EF4-FFF2-40B4-BE49-F238E27FC236}">
+                <a16:creationId xmlns:a16="http://schemas.microsoft.com/office/drawing/2014/main" id="{4B40FD6D-82C8-48B1-A5D3-456D8792334C}"/>
+              </a:ext>
+            </a:extLst>
+          </p:cNvPr>
+          <p:cNvSpPr txBox="1"/>
+          <p:nvPr/>
+        </p:nvSpPr>
+        <p:spPr>
+          <a:xfrm>
+            <a:off x="4666129" y="863550"/>
+            <a:ext cx="4269442" cy="3539430"/>
+          </a:xfrm>
+          <a:prstGeom prst="rect">
+            <a:avLst/>
+          </a:prstGeom>
+          <a:noFill/>
+        </p:spPr>
+        <p:txBody>
+          <a:bodyPr wrap="square" rtlCol="0">
+            <a:spAutoFit/>
+          </a:bodyPr>
+          <a:lstStyle/>
+          <a:p>
+            <a:r>
+              <a:rPr lang="en-US" b="1" dirty="0">
+                <a:solidFill>
+                  <a:schemeClr val="tx1"/>
+                </a:solidFill>
+              </a:rPr>
+              <a:t>Backend Developer (Alexander, 28 years old)</a:t>
+            </a:r>
+          </a:p>
+          <a:p>
+            <a:br>
+              <a:rPr lang="en-US" dirty="0">
+                <a:solidFill>
+                  <a:schemeClr val="tx1"/>
+                </a:solidFill>
+              </a:rPr>
+            </a:br>
+            <a:r>
+              <a:rPr lang="en-US" b="1" dirty="0">
+                <a:solidFill>
+                  <a:schemeClr val="tx1"/>
+                </a:solidFill>
+              </a:rPr>
+              <a:t>Goals:</a:t>
+            </a:r>
+            <a:endParaRPr lang="en-US" dirty="0">
+              <a:solidFill>
+                <a:schemeClr val="tx1"/>
+              </a:solidFill>
+            </a:endParaRPr>
+          </a:p>
+          <a:p>
+            <a:pPr marL="285750" indent="-285750">
+              <a:buFont typeface="Arial" panose="020B0604020202020204" pitchFamily="34" charset="0"/>
+              <a:buChar char="•"/>
+            </a:pPr>
+            <a:r>
+              <a:rPr lang="en-US" dirty="0">
+                <a:solidFill>
+                  <a:schemeClr val="tx1"/>
+                </a:solidFill>
+              </a:rPr>
+              <a:t>Use automatic </a:t>
+            </a:r>
+            <a:r>
+              <a:rPr lang="en-US" dirty="0" err="1">
+                <a:solidFill>
+                  <a:schemeClr val="tx1"/>
+                </a:solidFill>
+              </a:rPr>
+              <a:t>OpenAPI</a:t>
+            </a:r>
+            <a:r>
+              <a:rPr lang="en-US" dirty="0">
+                <a:solidFill>
+                  <a:schemeClr val="tx1"/>
+                </a:solidFill>
+              </a:rPr>
+              <a:t> schema generation.</a:t>
+            </a:r>
+          </a:p>
+          <a:p>
+            <a:pPr marL="285750" indent="-285750">
+              <a:buFont typeface="Arial" panose="020B0604020202020204" pitchFamily="34" charset="0"/>
+              <a:buChar char="•"/>
+            </a:pPr>
+            <a:r>
+              <a:rPr lang="en-US" dirty="0">
+                <a:solidFill>
+                  <a:schemeClr val="tx1"/>
+                </a:solidFill>
+              </a:rPr>
+              <a:t>Easily add API endpoints with request validation and security.</a:t>
+            </a:r>
+            <a:endParaRPr lang="ru-RU" dirty="0">
+              <a:solidFill>
+                <a:schemeClr val="tx1"/>
+              </a:solidFill>
+            </a:endParaRPr>
+          </a:p>
+          <a:p>
+            <a:pPr marL="285750" indent="-285750">
+              <a:buFont typeface="Arial" panose="020B0604020202020204" pitchFamily="34" charset="0"/>
+              <a:buChar char="•"/>
+            </a:pPr>
+            <a:endParaRPr lang="en-US" dirty="0">
+              <a:solidFill>
+                <a:schemeClr val="tx1"/>
+              </a:solidFill>
+            </a:endParaRPr>
+          </a:p>
+          <a:p>
+            <a:endParaRPr lang="ru-RU" b="1" dirty="0">
+              <a:solidFill>
+                <a:schemeClr val="tx1"/>
+              </a:solidFill>
+            </a:endParaRPr>
+          </a:p>
+          <a:p>
+            <a:endParaRPr lang="ru-RU" b="1" dirty="0">
+              <a:solidFill>
+                <a:schemeClr val="tx1"/>
+              </a:solidFill>
+            </a:endParaRPr>
+          </a:p>
+          <a:p>
+            <a:endParaRPr lang="ru-RU" b="1" dirty="0">
+              <a:solidFill>
+                <a:schemeClr val="tx1"/>
+              </a:solidFill>
+            </a:endParaRPr>
+          </a:p>
+          <a:p>
+            <a:endParaRPr lang="ru-RU" b="1" dirty="0">
+              <a:solidFill>
+                <a:schemeClr val="tx1"/>
+              </a:solidFill>
+            </a:endParaRPr>
+          </a:p>
+          <a:p>
+            <a:r>
+              <a:rPr lang="en-US" b="1" dirty="0">
+                <a:solidFill>
+                  <a:schemeClr val="tx1"/>
+                </a:solidFill>
+              </a:rPr>
+              <a:t>Pain points:</a:t>
+            </a:r>
+            <a:endParaRPr lang="en-US" dirty="0">
+              <a:solidFill>
+                <a:schemeClr val="tx1"/>
+              </a:solidFill>
+            </a:endParaRPr>
+          </a:p>
+          <a:p>
+            <a:pPr marL="285750" indent="-285750">
+              <a:buFont typeface="Arial" panose="020B0604020202020204" pitchFamily="34" charset="0"/>
+              <a:buChar char="•"/>
+            </a:pPr>
+            <a:r>
+              <a:rPr lang="en-US" dirty="0">
+                <a:solidFill>
+                  <a:schemeClr val="tx1"/>
+                </a:solidFill>
+              </a:rPr>
+              <a:t>Manual API documentation.</a:t>
+            </a:r>
+          </a:p>
+          <a:p>
+            <a:pPr marL="285750" indent="-285750">
+              <a:buFont typeface="Arial" panose="020B0604020202020204" pitchFamily="34" charset="0"/>
+              <a:buChar char="•"/>
+            </a:pPr>
+            <a:r>
+              <a:rPr lang="en-US" dirty="0">
+                <a:solidFill>
+                  <a:schemeClr val="tx1"/>
+                </a:solidFill>
+              </a:rPr>
+              <a:t>Challenges with integrating authorization and managing access control.</a:t>
+            </a:r>
+          </a:p>
+          <a:p>
+            <a:endParaRPr lang="ru-RU" dirty="0">
+              <a:solidFill>
+                <a:schemeClr val="tx1"/>
+              </a:solidFill>
+            </a:endParaRPr>
+          </a:p>
+        </p:txBody>
+      </p:sp>
+    </p:spTree>
+    <p:extLst>
+      <p:ext uri="{BB962C8B-B14F-4D97-AF65-F5344CB8AC3E}">
+        <p14:creationId xmlns:p14="http://schemas.microsoft.com/office/powerpoint/2010/main" val="2021445038"/>
+      </p:ext>
+    </p:extLst>
+  </p:cSld>
+  <p:clrMapOvr>
+    <a:masterClrMapping/>
+  </p:clrMapOvr>
+</p:sld>
+</file>
+
+<file path=ppt/slides/slide5.xml><?xml version="1.0" encoding="utf-8"?>
+<p:sld xmlns:a="http://schemas.openxmlformats.org/drawingml/2006/main" xmlns:r="http://schemas.openxmlformats.org/officeDocument/2006/relationships" xmlns:p="http://schemas.openxmlformats.org/presentationml/2006/main">
+  <p:cSld>
+    <p:spTree>
+      <p:nvGrpSpPr>
+        <p:cNvPr id="1" name=""/>
+        <p:cNvGrpSpPr/>
+        <p:nvPr/>
+      </p:nvGrpSpPr>
+      <p:grpSpPr>
+        <a:xfrm>
+          <a:off x="0" y="0"/>
+          <a:ext cx="0" cy="0"/>
+          <a:chOff x="0" y="0"/>
+          <a:chExt cx="0" cy="0"/>
+        </a:xfrm>
+      </p:grpSpPr>
+      <p:sp>
+        <p:nvSpPr>
+          <p:cNvPr id="7" name="Google Shape;66;p15">
+            <a:extLst>
+              <a:ext uri="{FF2B5EF4-FFF2-40B4-BE49-F238E27FC236}">
+                <a16:creationId xmlns:a16="http://schemas.microsoft.com/office/drawing/2014/main" id="{A2B7074F-A1D8-444B-9DA8-BFF70B4A2A8A}"/>
+              </a:ext>
+            </a:extLst>
+          </p:cNvPr>
+          <p:cNvSpPr txBox="1">
+            <a:spLocks/>
+          </p:cNvSpPr>
+          <p:nvPr/>
+        </p:nvSpPr>
+        <p:spPr>
+          <a:xfrm>
+            <a:off x="252575" y="140425"/>
+            <a:ext cx="8520600" cy="572700"/>
+          </a:xfrm>
+          <a:prstGeom prst="rect">
+            <a:avLst/>
+          </a:prstGeom>
+          <a:noFill/>
+          <a:ln>
+            <a:noFill/>
+          </a:ln>
+        </p:spPr>
+        <p:txBody>
+          <a:bodyPr spcFirstLastPara="1" wrap="square" lIns="91425" tIns="91425" rIns="91425" bIns="91425" anchor="t" anchorCtr="0">
+            <a:noAutofit/>
+          </a:bodyPr>
+          <a:lstStyle>
+            <a:defPPr marR="0" lvl="0" algn="l" rtl="0">
+              <a:lnSpc>
+                <a:spcPct val="100000"/>
+              </a:lnSpc>
+              <a:spcBef>
+                <a:spcPts val="0"/>
+              </a:spcBef>
+              <a:spcAft>
+                <a:spcPts val="0"/>
+              </a:spcAft>
+            </a:defPPr>
+            <a:lvl1pPr marR="0" lvl="0" algn="l" rtl="0">
+              <a:lnSpc>
+                <a:spcPct val="100000"/>
+              </a:lnSpc>
+              <a:spcBef>
+                <a:spcPts val="0"/>
+              </a:spcBef>
+              <a:spcAft>
+                <a:spcPts val="0"/>
+              </a:spcAft>
+              <a:buClr>
+                <a:schemeClr val="dk1"/>
+              </a:buClr>
+              <a:buSzPts val="2800"/>
+              <a:buFont typeface="Arial"/>
+              <a:buNone/>
+              <a:defRPr sz="2800" b="0" i="0" u="none" strike="noStrike" cap="none">
+                <a:solidFill>
+                  <a:schemeClr val="dk1"/>
+                </a:solidFill>
+                <a:latin typeface="Arial"/>
+                <a:ea typeface="Arial"/>
+                <a:cs typeface="Arial"/>
+                <a:sym typeface="Arial"/>
+              </a:defRPr>
+            </a:lvl1pPr>
+            <a:lvl2pPr marR="0" lvl="1" algn="l" rtl="0">
+              <a:lnSpc>
+                <a:spcPct val="100000"/>
+              </a:lnSpc>
+              <a:spcBef>
+                <a:spcPts val="0"/>
+              </a:spcBef>
+              <a:spcAft>
+                <a:spcPts val="0"/>
+              </a:spcAft>
+              <a:buClr>
+                <a:schemeClr val="dk1"/>
+              </a:buClr>
+              <a:buSzPts val="2800"/>
+              <a:buFont typeface="Arial"/>
+              <a:buNone/>
+              <a:defRPr sz="2800" b="0" i="0" u="none" strike="noStrike" cap="none">
+                <a:solidFill>
+                  <a:schemeClr val="dk1"/>
+                </a:solidFill>
+                <a:latin typeface="Arial"/>
+                <a:ea typeface="Arial"/>
+                <a:cs typeface="Arial"/>
+                <a:sym typeface="Arial"/>
+              </a:defRPr>
+            </a:lvl2pPr>
+            <a:lvl3pPr marR="0" lvl="2" algn="l" rtl="0">
+              <a:lnSpc>
+                <a:spcPct val="100000"/>
+              </a:lnSpc>
+              <a:spcBef>
+                <a:spcPts val="0"/>
+              </a:spcBef>
+              <a:spcAft>
+                <a:spcPts val="0"/>
+              </a:spcAft>
+              <a:buClr>
+                <a:schemeClr val="dk1"/>
+              </a:buClr>
+              <a:buSzPts val="2800"/>
+              <a:buFont typeface="Arial"/>
+              <a:buNone/>
+              <a:defRPr sz="2800" b="0" i="0" u="none" strike="noStrike" cap="none">
+                <a:solidFill>
+                  <a:schemeClr val="dk1"/>
+                </a:solidFill>
+                <a:latin typeface="Arial"/>
+                <a:ea typeface="Arial"/>
+                <a:cs typeface="Arial"/>
+                <a:sym typeface="Arial"/>
+              </a:defRPr>
+            </a:lvl3pPr>
+            <a:lvl4pPr marR="0" lvl="3" algn="l" rtl="0">
+              <a:lnSpc>
+                <a:spcPct val="100000"/>
+              </a:lnSpc>
+              <a:spcBef>
+                <a:spcPts val="0"/>
+              </a:spcBef>
+              <a:spcAft>
+                <a:spcPts val="0"/>
+              </a:spcAft>
+              <a:buClr>
+                <a:schemeClr val="dk1"/>
+              </a:buClr>
+              <a:buSzPts val="2800"/>
+              <a:buFont typeface="Arial"/>
+              <a:buNone/>
+              <a:defRPr sz="2800" b="0" i="0" u="none" strike="noStrike" cap="none">
+                <a:solidFill>
+                  <a:schemeClr val="dk1"/>
+                </a:solidFill>
+                <a:latin typeface="Arial"/>
+                <a:ea typeface="Arial"/>
+                <a:cs typeface="Arial"/>
+                <a:sym typeface="Arial"/>
+              </a:defRPr>
+            </a:lvl4pPr>
+            <a:lvl5pPr marR="0" lvl="4" algn="l" rtl="0">
+              <a:lnSpc>
+                <a:spcPct val="100000"/>
+              </a:lnSpc>
+              <a:spcBef>
+                <a:spcPts val="0"/>
+              </a:spcBef>
+              <a:spcAft>
+                <a:spcPts val="0"/>
+              </a:spcAft>
+              <a:buClr>
+                <a:schemeClr val="dk1"/>
+              </a:buClr>
+              <a:buSzPts val="2800"/>
+              <a:buFont typeface="Arial"/>
+              <a:buNone/>
+              <a:defRPr sz="2800" b="0" i="0" u="none" strike="noStrike" cap="none">
+                <a:solidFill>
+                  <a:schemeClr val="dk1"/>
+                </a:solidFill>
+                <a:latin typeface="Arial"/>
+                <a:ea typeface="Arial"/>
+                <a:cs typeface="Arial"/>
+                <a:sym typeface="Arial"/>
+              </a:defRPr>
+            </a:lvl5pPr>
+            <a:lvl6pPr marR="0" lvl="5" algn="l" rtl="0">
+              <a:lnSpc>
+                <a:spcPct val="100000"/>
+              </a:lnSpc>
+              <a:spcBef>
+                <a:spcPts val="0"/>
+              </a:spcBef>
+              <a:spcAft>
+                <a:spcPts val="0"/>
+              </a:spcAft>
+              <a:buClr>
+                <a:schemeClr val="dk1"/>
+              </a:buClr>
+              <a:buSzPts val="2800"/>
+              <a:buFont typeface="Arial"/>
+              <a:buNone/>
+              <a:defRPr sz="2800" b="0" i="0" u="none" strike="noStrike" cap="none">
+                <a:solidFill>
+                  <a:schemeClr val="dk1"/>
+                </a:solidFill>
+                <a:latin typeface="Arial"/>
+                <a:ea typeface="Arial"/>
+                <a:cs typeface="Arial"/>
+                <a:sym typeface="Arial"/>
+              </a:defRPr>
+            </a:lvl6pPr>
+            <a:lvl7pPr marR="0" lvl="6" algn="l" rtl="0">
+              <a:lnSpc>
+                <a:spcPct val="100000"/>
+              </a:lnSpc>
+              <a:spcBef>
+                <a:spcPts val="0"/>
+              </a:spcBef>
+              <a:spcAft>
+                <a:spcPts val="0"/>
+              </a:spcAft>
+              <a:buClr>
+                <a:schemeClr val="dk1"/>
+              </a:buClr>
+              <a:buSzPts val="2800"/>
+              <a:buFont typeface="Arial"/>
+              <a:buNone/>
+              <a:defRPr sz="2800" b="0" i="0" u="none" strike="noStrike" cap="none">
+                <a:solidFill>
+                  <a:schemeClr val="dk1"/>
+                </a:solidFill>
+                <a:latin typeface="Arial"/>
+                <a:ea typeface="Arial"/>
+                <a:cs typeface="Arial"/>
+                <a:sym typeface="Arial"/>
+              </a:defRPr>
+            </a:lvl7pPr>
+            <a:lvl8pPr marR="0" lvl="7" algn="l" rtl="0">
+              <a:lnSpc>
+                <a:spcPct val="100000"/>
+              </a:lnSpc>
+              <a:spcBef>
+                <a:spcPts val="0"/>
+              </a:spcBef>
+              <a:spcAft>
+                <a:spcPts val="0"/>
+              </a:spcAft>
+              <a:buClr>
+                <a:schemeClr val="dk1"/>
+              </a:buClr>
+              <a:buSzPts val="2800"/>
+              <a:buFont typeface="Arial"/>
+              <a:buNone/>
+              <a:defRPr sz="2800" b="0" i="0" u="none" strike="noStrike" cap="none">
+                <a:solidFill>
+                  <a:schemeClr val="dk1"/>
+                </a:solidFill>
+                <a:latin typeface="Arial"/>
+                <a:ea typeface="Arial"/>
+                <a:cs typeface="Arial"/>
+                <a:sym typeface="Arial"/>
+              </a:defRPr>
+            </a:lvl8pPr>
+            <a:lvl9pPr marR="0" lvl="8" algn="l" rtl="0">
+              <a:lnSpc>
+                <a:spcPct val="100000"/>
+              </a:lnSpc>
+              <a:spcBef>
+                <a:spcPts val="0"/>
+              </a:spcBef>
+              <a:spcAft>
+                <a:spcPts val="0"/>
+              </a:spcAft>
+              <a:buClr>
+                <a:schemeClr val="dk1"/>
+              </a:buClr>
+              <a:buSzPts val="2800"/>
+              <a:buFont typeface="Arial"/>
+              <a:buNone/>
+              <a:defRPr sz="2800" b="0" i="0" u="none" strike="noStrike" cap="none">
+                <a:solidFill>
+                  <a:schemeClr val="dk1"/>
+                </a:solidFill>
+                <a:latin typeface="Arial"/>
+                <a:ea typeface="Arial"/>
+                <a:cs typeface="Arial"/>
+                <a:sym typeface="Arial"/>
+              </a:defRPr>
+            </a:lvl9pPr>
+          </a:lstStyle>
+          <a:p>
+            <a:r>
+              <a:rPr lang="en-GB" dirty="0"/>
+              <a:t>Personas</a:t>
+            </a:r>
+          </a:p>
+        </p:txBody>
+      </p:sp>
+      <p:sp>
+        <p:nvSpPr>
+          <p:cNvPr id="8" name="TextBox 7">
+            <a:extLst>
+              <a:ext uri="{FF2B5EF4-FFF2-40B4-BE49-F238E27FC236}">
+                <a16:creationId xmlns:a16="http://schemas.microsoft.com/office/drawing/2014/main" id="{4B40FD6D-82C8-48B1-A5D3-456D8792334C}"/>
+              </a:ext>
+            </a:extLst>
+          </p:cNvPr>
+          <p:cNvSpPr txBox="1"/>
+          <p:nvPr/>
+        </p:nvSpPr>
+        <p:spPr>
+          <a:xfrm>
+            <a:off x="4666129" y="903891"/>
+            <a:ext cx="4269442" cy="3539430"/>
+          </a:xfrm>
+          <a:prstGeom prst="rect">
+            <a:avLst/>
+          </a:prstGeom>
+          <a:noFill/>
+        </p:spPr>
+        <p:txBody>
+          <a:bodyPr wrap="square" rtlCol="0">
+            <a:spAutoFit/>
+          </a:bodyPr>
+          <a:lstStyle/>
+          <a:p>
+            <a:r>
+              <a:rPr lang="en-US" b="1" dirty="0"/>
+              <a:t>Corporate Client (Yandex, </a:t>
+            </a:r>
+            <a:r>
+              <a:rPr lang="en-US" b="1" dirty="0" err="1"/>
+              <a:t>Sber</a:t>
+            </a:r>
+            <a:r>
+              <a:rPr lang="en-US" b="1" dirty="0"/>
+              <a:t>)</a:t>
+            </a:r>
+          </a:p>
+          <a:p>
+            <a:br>
+              <a:rPr lang="en-US" dirty="0"/>
+            </a:br>
+            <a:r>
+              <a:rPr lang="en-US" b="1" dirty="0"/>
+              <a:t>Goals:</a:t>
+            </a:r>
+            <a:endParaRPr lang="en-US" dirty="0"/>
+          </a:p>
+          <a:p>
+            <a:pPr marL="285750" indent="-285750">
+              <a:buFont typeface="Arial" panose="020B0604020202020204" pitchFamily="34" charset="0"/>
+              <a:buChar char="•"/>
+            </a:pPr>
+            <a:r>
+              <a:rPr lang="en-US" dirty="0"/>
+              <a:t>Scalable and secure deployment of ML models.</a:t>
+            </a:r>
+          </a:p>
+          <a:p>
+            <a:pPr marL="285750" indent="-285750">
+              <a:buFont typeface="Arial" panose="020B0604020202020204" pitchFamily="34" charset="0"/>
+              <a:buChar char="•"/>
+            </a:pPr>
+            <a:r>
+              <a:rPr lang="en-US" dirty="0"/>
+              <a:t>Integration of the API gateway into existing infrastructure.</a:t>
+            </a:r>
+          </a:p>
+          <a:p>
+            <a:pPr>
+              <a:buFont typeface="Arial" panose="020B0604020202020204" pitchFamily="34" charset="0"/>
+              <a:buChar char="•"/>
+            </a:pPr>
+            <a:endParaRPr lang="en-US" dirty="0"/>
+          </a:p>
+          <a:p>
+            <a:pPr>
+              <a:buFont typeface="Arial" panose="020B0604020202020204" pitchFamily="34" charset="0"/>
+              <a:buChar char="•"/>
+            </a:pPr>
+            <a:endParaRPr lang="en-US" dirty="0"/>
+          </a:p>
+          <a:p>
+            <a:pPr>
+              <a:buFont typeface="Arial" panose="020B0604020202020204" pitchFamily="34" charset="0"/>
+              <a:buChar char="•"/>
+            </a:pPr>
+            <a:endParaRPr lang="en-US" dirty="0"/>
+          </a:p>
+          <a:p>
+            <a:pPr>
+              <a:buFont typeface="Arial" panose="020B0604020202020204" pitchFamily="34" charset="0"/>
+              <a:buChar char="•"/>
+            </a:pPr>
+            <a:endParaRPr lang="en-US" dirty="0"/>
+          </a:p>
+          <a:p>
+            <a:pPr>
+              <a:buFont typeface="Arial" panose="020B0604020202020204" pitchFamily="34" charset="0"/>
+              <a:buChar char="•"/>
+            </a:pPr>
+            <a:endParaRPr lang="en-US" dirty="0"/>
+          </a:p>
+          <a:p>
+            <a:pPr>
+              <a:buFont typeface="Arial" panose="020B0604020202020204" pitchFamily="34" charset="0"/>
+              <a:buChar char="•"/>
+            </a:pPr>
+            <a:endParaRPr lang="en-US" dirty="0"/>
+          </a:p>
+          <a:p>
+            <a:pPr>
+              <a:buFont typeface="Arial" panose="020B0604020202020204" pitchFamily="34" charset="0"/>
+              <a:buChar char="•"/>
+            </a:pPr>
+            <a:endParaRPr lang="en-US" dirty="0"/>
+          </a:p>
+          <a:p>
+            <a:r>
+              <a:rPr lang="en-US" b="1" dirty="0"/>
+              <a:t>Pain points:</a:t>
+            </a:r>
+            <a:endParaRPr lang="en-US" dirty="0"/>
+          </a:p>
+          <a:p>
+            <a:pPr marL="285750" indent="-285750">
+              <a:buFont typeface="Arial" panose="020B0604020202020204" pitchFamily="34" charset="0"/>
+              <a:buChar char="•"/>
+            </a:pPr>
+            <a:r>
+              <a:rPr lang="en-US" dirty="0"/>
+              <a:t>Challenges with integration and corporate standards.</a:t>
+            </a:r>
+          </a:p>
+        </p:txBody>
+      </p:sp>
+      <p:sp>
+        <p:nvSpPr>
+          <p:cNvPr id="2" name="TextBox 1">
+            <a:extLst>
+              <a:ext uri="{FF2B5EF4-FFF2-40B4-BE49-F238E27FC236}">
+                <a16:creationId xmlns:a16="http://schemas.microsoft.com/office/drawing/2014/main" id="{BC8183E0-B6FC-471C-B2F8-14996330AB16}"/>
+              </a:ext>
+            </a:extLst>
+          </p:cNvPr>
+          <p:cNvSpPr txBox="1"/>
+          <p:nvPr/>
+        </p:nvSpPr>
+        <p:spPr>
+          <a:xfrm>
+            <a:off x="352043" y="903891"/>
+            <a:ext cx="4051870" cy="3539430"/>
+          </a:xfrm>
+          <a:prstGeom prst="rect">
+            <a:avLst/>
+          </a:prstGeom>
+          <a:noFill/>
+        </p:spPr>
+        <p:txBody>
+          <a:bodyPr wrap="square" rtlCol="0">
+            <a:spAutoFit/>
+          </a:bodyPr>
+          <a:lstStyle/>
+          <a:p>
+            <a:r>
+              <a:rPr lang="en-US" b="1" dirty="0"/>
+              <a:t>API Consumer (Sergey, 30 years old)</a:t>
+            </a:r>
+          </a:p>
+          <a:p>
+            <a:br>
+              <a:rPr lang="en-US" dirty="0"/>
+            </a:br>
+            <a:r>
+              <a:rPr lang="en-US" b="1" dirty="0"/>
+              <a:t>Goals:</a:t>
+            </a:r>
+            <a:endParaRPr lang="en-US" dirty="0"/>
+          </a:p>
+          <a:p>
+            <a:pPr marL="285750" indent="-285750">
+              <a:buFont typeface="Arial" panose="020B0604020202020204" pitchFamily="34" charset="0"/>
+              <a:buChar char="•"/>
+            </a:pPr>
+            <a:r>
+              <a:rPr lang="en-US" dirty="0"/>
+              <a:t>Get documentation for quick access to ML models.</a:t>
+            </a:r>
+          </a:p>
+          <a:p>
+            <a:pPr marL="285750" indent="-285750">
+              <a:buFont typeface="Arial" panose="020B0604020202020204" pitchFamily="34" charset="0"/>
+              <a:buChar char="•"/>
+            </a:pPr>
+            <a:r>
+              <a:rPr lang="en-US" dirty="0"/>
+              <a:t>Work with reliable and validated APIs.</a:t>
+            </a:r>
+            <a:endParaRPr lang="ru-RU" dirty="0"/>
+          </a:p>
+          <a:p>
+            <a:pPr>
+              <a:buFont typeface="Arial" panose="020B0604020202020204" pitchFamily="34" charset="0"/>
+              <a:buChar char="•"/>
+            </a:pPr>
+            <a:endParaRPr lang="en-US" dirty="0"/>
+          </a:p>
+          <a:p>
+            <a:pPr>
+              <a:buFont typeface="Arial" panose="020B0604020202020204" pitchFamily="34" charset="0"/>
+              <a:buChar char="•"/>
+            </a:pPr>
+            <a:endParaRPr lang="en-US" dirty="0"/>
+          </a:p>
+          <a:p>
+            <a:pPr>
+              <a:buFont typeface="Arial" panose="020B0604020202020204" pitchFamily="34" charset="0"/>
+              <a:buChar char="•"/>
+            </a:pPr>
+            <a:endParaRPr lang="en-US" dirty="0"/>
+          </a:p>
+          <a:p>
+            <a:pPr>
+              <a:buFont typeface="Arial" panose="020B0604020202020204" pitchFamily="34" charset="0"/>
+              <a:buChar char="•"/>
+            </a:pPr>
+            <a:endParaRPr lang="en-US" dirty="0"/>
+          </a:p>
+          <a:p>
+            <a:pPr>
+              <a:buFont typeface="Arial" panose="020B0604020202020204" pitchFamily="34" charset="0"/>
+              <a:buChar char="•"/>
+            </a:pPr>
+            <a:endParaRPr lang="en-US" dirty="0"/>
+          </a:p>
+          <a:p>
+            <a:endParaRPr lang="en-US" dirty="0"/>
+          </a:p>
+          <a:p>
+            <a:r>
+              <a:rPr lang="en-US" b="1" dirty="0"/>
+              <a:t>Pain points:</a:t>
+            </a:r>
+            <a:endParaRPr lang="en-US" dirty="0"/>
+          </a:p>
+          <a:p>
+            <a:pPr marL="285750" indent="-285750">
+              <a:buFont typeface="Arial" panose="020B0604020202020204" pitchFamily="34" charset="0"/>
+              <a:buChar char="•"/>
+            </a:pPr>
+            <a:r>
+              <a:rPr lang="en-US" dirty="0"/>
+              <a:t>Incomplete or outdated documentation.</a:t>
+            </a:r>
+          </a:p>
+          <a:p>
+            <a:pPr marL="285750" indent="-285750">
+              <a:buFont typeface="Arial" panose="020B0604020202020204" pitchFamily="34" charset="0"/>
+              <a:buChar char="•"/>
+            </a:pPr>
+            <a:r>
+              <a:rPr lang="en-US" dirty="0"/>
+              <a:t>API instability and delays.</a:t>
+            </a:r>
+          </a:p>
+          <a:p>
+            <a:endParaRPr lang="ru-RU" dirty="0"/>
+          </a:p>
+        </p:txBody>
+      </p:sp>
+    </p:spTree>
+    <p:extLst>
+      <p:ext uri="{BB962C8B-B14F-4D97-AF65-F5344CB8AC3E}">
+        <p14:creationId xmlns:p14="http://schemas.microsoft.com/office/powerpoint/2010/main" val="2691937146"/>
+      </p:ext>
+    </p:extLst>
+  </p:cSld>
+  <p:clrMapOvr>
+    <a:masterClrMapping/>
+  </p:clrMapOvr>
+</p:sld>
+</file>
+
+<file path=ppt/slides/slide6.xml><?xml version="1.0" encoding="utf-8"?>
+<p:sld xmlns:a="http://schemas.openxmlformats.org/drawingml/2006/main" xmlns:r="http://schemas.openxmlformats.org/officeDocument/2006/relationships" xmlns:p="http://schemas.openxmlformats.org/presentationml/2006/main">
+  <p:cSld>
+    <p:spTree>
+      <p:nvGrpSpPr>
+        <p:cNvPr id="1" name="Shape 97"/>
+        <p:cNvGrpSpPr/>
+        <p:nvPr/>
+      </p:nvGrpSpPr>
+      <p:grpSpPr>
+        <a:xfrm>
+          <a:off x="0" y="0"/>
+          <a:ext cx="0" cy="0"/>
+          <a:chOff x="0" y="0"/>
+          <a:chExt cx="0" cy="0"/>
+        </a:xfrm>
+      </p:grpSpPr>
+      <p:sp>
+        <p:nvSpPr>
+          <p:cNvPr id="98" name="Google Shape;98;p19"/>
           <p:cNvSpPr txBox="1">
             <a:spLocks noGrp="1"/>
           </p:cNvSpPr>
@@ -9764,388 +8981,62 @@
               <a:buNone/>
             </a:pPr>
             <a:r>
-              <a:rPr lang="en-GB"/>
+              <a:rPr lang="en-GB" dirty="0">
+                <a:solidFill>
+                  <a:schemeClr val="tx1"/>
+                </a:solidFill>
+              </a:rPr>
               <a:t>Story map</a:t>
             </a:r>
-            <a:endParaRPr/>
+            <a:endParaRPr dirty="0">
+              <a:solidFill>
+                <a:schemeClr val="tx1"/>
+              </a:solidFill>
+            </a:endParaRPr>
           </a:p>
         </p:txBody>
       </p:sp>
       <p:pic>
         <p:nvPicPr>
-          <p:cNvPr id="76" name="Google Shape;76;p16">
-            <a:hlinkClick r:id="rId3"/>
+          <p:cNvPr id="5" name="Рисунок 4">
+            <a:extLst>
+              <a:ext uri="{FF2B5EF4-FFF2-40B4-BE49-F238E27FC236}">
+                <a16:creationId xmlns:a16="http://schemas.microsoft.com/office/drawing/2014/main" id="{A588A0EC-05EC-402A-A8DB-6CD6013732BA}"/>
+              </a:ext>
+            </a:extLst>
           </p:cNvPr>
-          <p:cNvPicPr preferRelativeResize="0"/>
+          <p:cNvPicPr>
+            <a:picLocks noChangeAspect="1"/>
+          </p:cNvPicPr>
           <p:nvPr/>
         </p:nvPicPr>
         <p:blipFill>
-          <a:blip r:embed="rId4">
-            <a:alphaModFix/>
+          <a:blip r:embed="rId3">
+            <a:extLst>
+              <a:ext uri="{96DAC541-7B7A-43D3-8B79-37D633B846F1}">
+                <asvg:svgBlip xmlns:asvg="http://schemas.microsoft.com/office/drawing/2016/SVG/main" r:embed="rId4"/>
+              </a:ext>
+            </a:extLst>
           </a:blip>
-          <a:stretch>
-            <a:fillRect/>
-          </a:stretch>
+          <a:srcRect/>
+          <a:stretch/>
         </p:blipFill>
         <p:spPr>
           <a:xfrm>
-            <a:off x="2627850" y="1322525"/>
-            <a:ext cx="5973794" cy="3820974"/>
+            <a:off x="118952" y="1207993"/>
+            <a:ext cx="8953892" cy="3440208"/>
           </a:xfrm>
           <a:prstGeom prst="rect">
             <a:avLst/>
           </a:prstGeom>
-          <a:noFill/>
-          <a:ln>
-            <a:noFill/>
-          </a:ln>
         </p:spPr>
       </p:pic>
-      <p:sp>
-        <p:nvSpPr>
-          <p:cNvPr id="77" name="Google Shape;77;p16"/>
-          <p:cNvSpPr txBox="1"/>
-          <p:nvPr/>
-        </p:nvSpPr>
-        <p:spPr>
-          <a:xfrm>
-            <a:off x="311700" y="1017725"/>
-            <a:ext cx="8379900" cy="385200"/>
-          </a:xfrm>
-          <a:prstGeom prst="rect">
-            <a:avLst/>
-          </a:prstGeom>
-          <a:noFill/>
-          <a:ln>
-            <a:noFill/>
-          </a:ln>
-        </p:spPr>
-        <p:txBody>
-          <a:bodyPr spcFirstLastPara="1" wrap="square" lIns="91425" tIns="91425" rIns="91425" bIns="91425" anchor="t" anchorCtr="0">
-            <a:noAutofit/>
-          </a:bodyPr>
-          <a:lstStyle/>
-          <a:p>
-            <a:pPr marL="0" lvl="0" indent="0" algn="l" rtl="0">
-              <a:spcBef>
-                <a:spcPts val="0"/>
-              </a:spcBef>
-              <a:spcAft>
-                <a:spcPts val="0"/>
-              </a:spcAft>
-              <a:buNone/>
-            </a:pPr>
-            <a:r>
-              <a:rPr lang="en-GB" u="sng">
-                <a:solidFill>
-                  <a:schemeClr val="hlink"/>
-                </a:solidFill>
-                <a:hlinkClick r:id="rId5"/>
-              </a:rPr>
-              <a:t>https://drawio-app.com/wp-content/uploads/2018/10/drawio-jobs-to-be-done-white-paper.pdf</a:t>
-            </a:r>
-            <a:endParaRPr/>
-          </a:p>
-        </p:txBody>
-      </p:sp>
-      <p:sp>
-        <p:nvSpPr>
-          <p:cNvPr id="78" name="Google Shape;78;p16"/>
-          <p:cNvSpPr txBox="1"/>
-          <p:nvPr/>
-        </p:nvSpPr>
-        <p:spPr>
-          <a:xfrm>
-            <a:off x="311700" y="1554050"/>
-            <a:ext cx="2732100" cy="3424500"/>
-          </a:xfrm>
-          <a:prstGeom prst="rect">
-            <a:avLst/>
-          </a:prstGeom>
-          <a:noFill/>
-          <a:ln>
-            <a:noFill/>
-          </a:ln>
-        </p:spPr>
-        <p:txBody>
-          <a:bodyPr spcFirstLastPara="1" wrap="square" lIns="91425" tIns="91425" rIns="91425" bIns="91425" anchor="t" anchorCtr="0">
-            <a:noAutofit/>
-          </a:bodyPr>
-          <a:lstStyle/>
-          <a:p>
-            <a:pPr marL="0" lvl="0" indent="0" algn="l" rtl="0">
-              <a:spcBef>
-                <a:spcPts val="0"/>
-              </a:spcBef>
-              <a:spcAft>
-                <a:spcPts val="0"/>
-              </a:spcAft>
-              <a:buNone/>
-            </a:pPr>
-            <a:r>
-              <a:rPr lang="en-GB" sz="1600">
-                <a:solidFill>
-                  <a:schemeClr val="dk2"/>
-                </a:solidFill>
-              </a:rPr>
-              <a:t>At least these levels:</a:t>
-            </a:r>
-            <a:endParaRPr sz="1600">
-              <a:solidFill>
-                <a:schemeClr val="dk2"/>
-              </a:solidFill>
-            </a:endParaRPr>
-          </a:p>
-          <a:p>
-            <a:pPr marL="0" lvl="0" indent="0" algn="l" rtl="0">
-              <a:spcBef>
-                <a:spcPts val="0"/>
-              </a:spcBef>
-              <a:spcAft>
-                <a:spcPts val="0"/>
-              </a:spcAft>
-              <a:buNone/>
-            </a:pPr>
-            <a:endParaRPr sz="1600">
-              <a:solidFill>
-                <a:schemeClr val="dk2"/>
-              </a:solidFill>
-            </a:endParaRPr>
-          </a:p>
-          <a:p>
-            <a:pPr marL="0" lvl="0" indent="0" algn="l" rtl="0">
-              <a:spcBef>
-                <a:spcPts val="0"/>
-              </a:spcBef>
-              <a:spcAft>
-                <a:spcPts val="0"/>
-              </a:spcAft>
-              <a:buNone/>
-            </a:pPr>
-            <a:r>
-              <a:rPr lang="en-GB" sz="1600">
-                <a:solidFill>
-                  <a:schemeClr val="dk2"/>
-                </a:solidFill>
-              </a:rPr>
-              <a:t>&lt;persona goal/motivation&gt;</a:t>
-            </a:r>
-            <a:endParaRPr sz="1600">
-              <a:solidFill>
-                <a:schemeClr val="dk2"/>
-              </a:solidFill>
-            </a:endParaRPr>
-          </a:p>
-          <a:p>
-            <a:pPr marL="0" lvl="0" indent="0" algn="l" rtl="0">
-              <a:spcBef>
-                <a:spcPts val="0"/>
-              </a:spcBef>
-              <a:spcAft>
-                <a:spcPts val="0"/>
-              </a:spcAft>
-              <a:buNone/>
-            </a:pPr>
-            <a:r>
-              <a:rPr lang="en-GB" sz="1600">
-                <a:solidFill>
-                  <a:schemeClr val="dk2"/>
-                </a:solidFill>
-              </a:rPr>
-              <a:t>&lt;persona task&gt;</a:t>
-            </a:r>
-            <a:endParaRPr sz="1600">
-              <a:solidFill>
-                <a:schemeClr val="dk2"/>
-              </a:solidFill>
-            </a:endParaRPr>
-          </a:p>
-          <a:p>
-            <a:pPr marL="0" lvl="0" indent="0" algn="l" rtl="0">
-              <a:spcBef>
-                <a:spcPts val="0"/>
-              </a:spcBef>
-              <a:spcAft>
-                <a:spcPts val="0"/>
-              </a:spcAft>
-              <a:buNone/>
-            </a:pPr>
-            <a:r>
-              <a:rPr lang="en-GB" sz="1600">
-                <a:solidFill>
-                  <a:schemeClr val="dk2"/>
-                </a:solidFill>
-              </a:rPr>
-              <a:t>---------</a:t>
-            </a:r>
-            <a:endParaRPr sz="1600">
-              <a:solidFill>
-                <a:schemeClr val="dk2"/>
-              </a:solidFill>
-            </a:endParaRPr>
-          </a:p>
-          <a:p>
-            <a:pPr marL="0" lvl="0" indent="0" algn="l" rtl="0">
-              <a:spcBef>
-                <a:spcPts val="0"/>
-              </a:spcBef>
-              <a:spcAft>
-                <a:spcPts val="0"/>
-              </a:spcAft>
-              <a:buNone/>
-            </a:pPr>
-            <a:r>
-              <a:rPr lang="en-GB" sz="1600">
-                <a:solidFill>
-                  <a:schemeClr val="dk2"/>
-                </a:solidFill>
-              </a:rPr>
-              <a:t>&lt;product feature&gt;</a:t>
-            </a:r>
-            <a:endParaRPr sz="1600">
-              <a:solidFill>
-                <a:schemeClr val="dk2"/>
-              </a:solidFill>
-            </a:endParaRPr>
-          </a:p>
-          <a:p>
-            <a:pPr marL="0" lvl="0" indent="0" algn="l" rtl="0">
-              <a:spcBef>
-                <a:spcPts val="0"/>
-              </a:spcBef>
-              <a:spcAft>
-                <a:spcPts val="0"/>
-              </a:spcAft>
-              <a:buNone/>
-            </a:pPr>
-            <a:r>
-              <a:rPr lang="en-GB" sz="1600">
-                <a:solidFill>
-                  <a:schemeClr val="dk2"/>
-                </a:solidFill>
-              </a:rPr>
-              <a:t>&lt;story names w/ link&gt;</a:t>
-            </a:r>
-            <a:endParaRPr sz="1600">
-              <a:solidFill>
-                <a:schemeClr val="dk2"/>
-              </a:solidFill>
-            </a:endParaRPr>
-          </a:p>
-          <a:p>
-            <a:pPr marL="0" lvl="0" indent="0" algn="l" rtl="0">
-              <a:spcBef>
-                <a:spcPts val="0"/>
-              </a:spcBef>
-              <a:spcAft>
-                <a:spcPts val="0"/>
-              </a:spcAft>
-              <a:buNone/>
-            </a:pPr>
-            <a:endParaRPr sz="1600">
-              <a:solidFill>
-                <a:schemeClr val="dk2"/>
-              </a:solidFill>
-            </a:endParaRPr>
-          </a:p>
-          <a:p>
-            <a:pPr marL="0" lvl="0" indent="0" algn="l" rtl="0">
-              <a:spcBef>
-                <a:spcPts val="0"/>
-              </a:spcBef>
-              <a:spcAft>
-                <a:spcPts val="0"/>
-              </a:spcAft>
-              <a:buNone/>
-            </a:pPr>
-            <a:r>
-              <a:rPr lang="en-GB" sz="1600">
-                <a:solidFill>
-                  <a:schemeClr val="dk2"/>
-                </a:solidFill>
-              </a:rPr>
-              <a:t>Work products: </a:t>
-            </a:r>
-            <a:endParaRPr sz="1600">
-              <a:solidFill>
-                <a:schemeClr val="dk2"/>
-              </a:solidFill>
-            </a:endParaRPr>
-          </a:p>
-          <a:p>
-            <a:pPr marL="457200" lvl="0" indent="-330200" algn="l" rtl="0">
-              <a:spcBef>
-                <a:spcPts val="0"/>
-              </a:spcBef>
-              <a:spcAft>
-                <a:spcPts val="0"/>
-              </a:spcAft>
-              <a:buClr>
-                <a:schemeClr val="dk2"/>
-              </a:buClr>
-              <a:buSzPts val="1600"/>
-              <a:buChar char="-"/>
-            </a:pPr>
-            <a:r>
-              <a:rPr lang="en-GB" sz="1600">
-                <a:solidFill>
-                  <a:schemeClr val="dk2"/>
-                </a:solidFill>
-              </a:rPr>
-              <a:t>Draw.io / Miro / VP (skyline)</a:t>
-            </a:r>
-            <a:endParaRPr sz="1600">
-              <a:solidFill>
-                <a:schemeClr val="dk2"/>
-              </a:solidFill>
-            </a:endParaRPr>
-          </a:p>
-          <a:p>
-            <a:pPr marL="457200" lvl="0" indent="-330200" algn="l" rtl="0">
-              <a:spcBef>
-                <a:spcPts val="0"/>
-              </a:spcBef>
-              <a:spcAft>
-                <a:spcPts val="0"/>
-              </a:spcAft>
-              <a:buClr>
-                <a:schemeClr val="dk2"/>
-              </a:buClr>
-              <a:buSzPts val="1600"/>
-              <a:buChar char="-"/>
-            </a:pPr>
-            <a:r>
-              <a:rPr lang="en-GB" sz="1600">
-                <a:solidFill>
-                  <a:schemeClr val="dk2"/>
-                </a:solidFill>
-              </a:rPr>
-              <a:t>Structured text (.md)</a:t>
-            </a:r>
-            <a:br>
-              <a:rPr lang="en-GB" sz="1600">
-                <a:solidFill>
-                  <a:schemeClr val="dk2"/>
-                </a:solidFill>
-              </a:rPr>
-            </a:br>
-            <a:r>
-              <a:rPr lang="en-GB" sz="1600">
-                <a:solidFill>
-                  <a:schemeClr val="dk2"/>
-                </a:solidFill>
-              </a:rPr>
-              <a:t>(stories)</a:t>
-            </a:r>
-            <a:endParaRPr sz="1600">
-              <a:solidFill>
-                <a:schemeClr val="dk2"/>
-              </a:solidFill>
-            </a:endParaRPr>
-          </a:p>
-        </p:txBody>
-      </p:sp>
     </p:spTree>
+    <p:extLst>
+      <p:ext uri="{BB962C8B-B14F-4D97-AF65-F5344CB8AC3E}">
+        <p14:creationId xmlns:p14="http://schemas.microsoft.com/office/powerpoint/2010/main" val="2974355414"/>
+      </p:ext>
+    </p:extLst>
   </p:cSld>
   <p:clrMapOvr>
     <a:masterClrMapping/>
@@ -10153,7 +9044,7 @@
 </p:sld>
 </file>
 
-<file path=ppt/slides/slide6.xml><?xml version="1.0" encoding="utf-8"?>
+<file path=ppt/slides/slide7.xml><?xml version="1.0" encoding="utf-8"?>
 <p:sld xmlns:a="http://schemas.openxmlformats.org/drawingml/2006/main" xmlns:r="http://schemas.openxmlformats.org/officeDocument/2006/relationships" xmlns:p="http://schemas.openxmlformats.org/presentationml/2006/main">
   <p:cSld>
     <p:spTree>
@@ -10205,10 +9096,18 @@
               <a:buNone/>
             </a:pPr>
             <a:r>
-              <a:rPr lang="en-GB"/>
+              <a:rPr lang="en-GB" dirty="0">
+                <a:solidFill>
+                  <a:srgbClr val="FF0000"/>
+                </a:solidFill>
+              </a:rPr>
               <a:t>Use case diagram</a:t>
             </a:r>
-            <a:endParaRPr/>
+            <a:endParaRPr dirty="0">
+              <a:solidFill>
+                <a:srgbClr val="FF0000"/>
+              </a:solidFill>
+            </a:endParaRPr>
           </a:p>
         </p:txBody>
       </p:sp>
@@ -10294,7 +9193,7 @@
 </p:sld>
 </file>
 
-<file path=ppt/slides/slide7.xml><?xml version="1.0" encoding="utf-8"?>
+<file path=ppt/slides/slide8.xml><?xml version="1.0" encoding="utf-8"?>
 <p:sld xmlns:a="http://schemas.openxmlformats.org/drawingml/2006/main" xmlns:r="http://schemas.openxmlformats.org/officeDocument/2006/relationships" xmlns:p="http://schemas.openxmlformats.org/presentationml/2006/main">
   <p:cSld>
     <p:spTree>
@@ -10346,10 +9245,18 @@
               <a:buNone/>
             </a:pPr>
             <a:r>
-              <a:rPr lang="en-GB"/>
+              <a:rPr lang="en-GB" dirty="0">
+                <a:solidFill>
+                  <a:srgbClr val="FF0000"/>
+                </a:solidFill>
+              </a:rPr>
               <a:t>Interaction analysis</a:t>
             </a:r>
-            <a:endParaRPr/>
+            <a:endParaRPr dirty="0">
+              <a:solidFill>
+                <a:srgbClr val="FF0000"/>
+              </a:solidFill>
+            </a:endParaRPr>
           </a:p>
         </p:txBody>
       </p:sp>
@@ -10431,7 +9338,7 @@
 </p:sld>
 </file>
 
-<file path=ppt/slides/slide8.xml><?xml version="1.0" encoding="utf-8"?>
+<file path=ppt/slides/slide9.xml><?xml version="1.0" encoding="utf-8"?>
 <p:sld xmlns:a="http://schemas.openxmlformats.org/drawingml/2006/main" xmlns:r="http://schemas.openxmlformats.org/officeDocument/2006/relationships" xmlns:p="http://schemas.openxmlformats.org/presentationml/2006/main">
   <p:cSld>
     <p:spTree>
@@ -10483,10 +9390,18 @@
               <a:buNone/>
             </a:pPr>
             <a:r>
-              <a:rPr lang="en-GB"/>
+              <a:rPr lang="en-GB" dirty="0">
+                <a:solidFill>
+                  <a:srgbClr val="FF0000"/>
+                </a:solidFill>
+              </a:rPr>
               <a:t>Final class diagram</a:t>
             </a:r>
-            <a:endParaRPr/>
+            <a:endParaRPr dirty="0">
+              <a:solidFill>
+                <a:srgbClr val="FF0000"/>
+              </a:solidFill>
+            </a:endParaRPr>
           </a:p>
         </p:txBody>
       </p:sp>
@@ -10576,171 +9491,6 @@
           </a:ln>
         </p:spPr>
       </p:pic>
-    </p:spTree>
-  </p:cSld>
-  <p:clrMapOvr>
-    <a:masterClrMapping/>
-  </p:clrMapOvr>
-</p:sld>
-</file>
-
-<file path=ppt/slides/slide9.xml><?xml version="1.0" encoding="utf-8"?>
-<p:sld xmlns:a="http://schemas.openxmlformats.org/drawingml/2006/main" xmlns:r="http://schemas.openxmlformats.org/officeDocument/2006/relationships" xmlns:p="http://schemas.openxmlformats.org/presentationml/2006/main">
-  <p:cSld>
-    <p:spTree>
-      <p:nvGrpSpPr>
-        <p:cNvPr id="1" name="Shape 101"/>
-        <p:cNvGrpSpPr/>
-        <p:nvPr/>
-      </p:nvGrpSpPr>
-      <p:grpSpPr>
-        <a:xfrm>
-          <a:off x="0" y="0"/>
-          <a:ext cx="0" cy="0"/>
-          <a:chOff x="0" y="0"/>
-          <a:chExt cx="0" cy="0"/>
-        </a:xfrm>
-      </p:grpSpPr>
-      <p:sp>
-        <p:nvSpPr>
-          <p:cNvPr id="102" name="Google Shape;102;p20"/>
-          <p:cNvSpPr txBox="1">
-            <a:spLocks noGrp="1"/>
-          </p:cNvSpPr>
-          <p:nvPr>
-            <p:ph type="title"/>
-          </p:nvPr>
-        </p:nvSpPr>
-        <p:spPr>
-          <a:xfrm>
-            <a:off x="311700" y="445025"/>
-            <a:ext cx="8520600" cy="572700"/>
-          </a:xfrm>
-          <a:prstGeom prst="rect">
-            <a:avLst/>
-          </a:prstGeom>
-        </p:spPr>
-        <p:txBody>
-          <a:bodyPr spcFirstLastPara="1" wrap="square" lIns="91425" tIns="91425" rIns="91425" bIns="91425" anchor="t" anchorCtr="0">
-            <a:noAutofit/>
-          </a:bodyPr>
-          <a:lstStyle/>
-          <a:p>
-            <a:pPr marL="0" lvl="0" indent="0" algn="l" rtl="0">
-              <a:spcBef>
-                <a:spcPts val="0"/>
-              </a:spcBef>
-              <a:spcAft>
-                <a:spcPts val="0"/>
-              </a:spcAft>
-              <a:buNone/>
-            </a:pPr>
-            <a:r>
-              <a:rPr lang="en-GB"/>
-              <a:t>Detailed behavior</a:t>
-            </a:r>
-            <a:endParaRPr/>
-          </a:p>
-        </p:txBody>
-      </p:sp>
-      <p:sp>
-        <p:nvSpPr>
-          <p:cNvPr id="103" name="Google Shape;103;p20"/>
-          <p:cNvSpPr txBox="1">
-            <a:spLocks noGrp="1"/>
-          </p:cNvSpPr>
-          <p:nvPr>
-            <p:ph type="body" idx="1"/>
-          </p:nvPr>
-        </p:nvSpPr>
-        <p:spPr>
-          <a:xfrm>
-            <a:off x="311700" y="1152475"/>
-            <a:ext cx="8520600" cy="3416400"/>
-          </a:xfrm>
-          <a:prstGeom prst="rect">
-            <a:avLst/>
-          </a:prstGeom>
-        </p:spPr>
-        <p:txBody>
-          <a:bodyPr spcFirstLastPara="1" wrap="square" lIns="91425" tIns="91425" rIns="91425" bIns="91425" anchor="t" anchorCtr="0">
-            <a:noAutofit/>
-          </a:bodyPr>
-          <a:lstStyle/>
-          <a:p>
-            <a:pPr marL="0" lvl="0" indent="0" algn="l" rtl="0">
-              <a:spcBef>
-                <a:spcPts val="0"/>
-              </a:spcBef>
-              <a:spcAft>
-                <a:spcPts val="0"/>
-              </a:spcAft>
-              <a:buNone/>
-            </a:pPr>
-            <a:r>
-              <a:rPr lang="en-GB"/>
-              <a:t>Use an activity or state diagram to describe behavior of </a:t>
-            </a:r>
-            <a:r>
-              <a:rPr lang="en-GB" b="1"/>
-              <a:t>one </a:t>
-            </a:r>
-            <a:r>
-              <a:rPr lang="en-GB"/>
-              <a:t>of the dynamic classifiers in your model</a:t>
-            </a:r>
-            <a:endParaRPr/>
-          </a:p>
-          <a:p>
-            <a:pPr marL="0" lvl="0" indent="0" algn="l" rtl="0">
-              <a:spcBef>
-                <a:spcPts val="1200"/>
-              </a:spcBef>
-              <a:spcAft>
-                <a:spcPts val="0"/>
-              </a:spcAft>
-              <a:buNone/>
-            </a:pPr>
-            <a:r>
-              <a:rPr lang="en-GB"/>
-              <a:t>Add the diagram here and explain how it works precisely in detail</a:t>
-            </a:r>
-            <a:endParaRPr/>
-          </a:p>
-          <a:p>
-            <a:pPr marL="0" lvl="0" indent="0" algn="l" rtl="0">
-              <a:spcBef>
-                <a:spcPts val="1200"/>
-              </a:spcBef>
-              <a:spcAft>
-                <a:spcPts val="0"/>
-              </a:spcAft>
-              <a:buNone/>
-            </a:pPr>
-            <a:r>
-              <a:rPr lang="en-GB"/>
-              <a:t>Check that the overall model remains well-formed</a:t>
-            </a:r>
-            <a:endParaRPr/>
-          </a:p>
-          <a:p>
-            <a:pPr marL="0" lvl="0" indent="0" algn="l" rtl="0">
-              <a:spcBef>
-                <a:spcPts val="1200"/>
-              </a:spcBef>
-              <a:spcAft>
-                <a:spcPts val="1200"/>
-              </a:spcAft>
-              <a:buNone/>
-            </a:pPr>
-            <a:r>
-              <a:rPr lang="en-GB"/>
-              <a:t>Note: too small models may not be enough to demonstrate your qualification</a:t>
-            </a:r>
-            <a:endParaRPr/>
-          </a:p>
-        </p:txBody>
-      </p:sp>
     </p:spTree>
   </p:cSld>
   <p:clrMapOvr>

--- a/Practice Tasks/Final_Task/K8C_FinalTask1_(Task7).pptx
+++ b/Practice Tasks/Final_Task/K8C_FinalTask1_(Task7).pptx
@@ -1,11 +1,11 @@
 
 <file path=ppt/presentation.xml><?xml version="1.0" encoding="utf-8"?>
-<p:presentation xmlns:a="http://schemas.openxmlformats.org/drawingml/2006/main" xmlns:r="http://schemas.openxmlformats.org/officeDocument/2006/relationships" xmlns:p="http://schemas.openxmlformats.org/presentationml/2006/main" strictFirstAndLastChars="0" saveSubsetFonts="1" autoCompressPictures="0">
+<p:presentation xmlns:a="http://schemas.openxmlformats.org/drawingml/2006/main" xmlns:r="http://schemas.openxmlformats.org/officeDocument/2006/relationships" xmlns:p="http://schemas.openxmlformats.org/presentationml/2006/main" showSpecialPlsOnTitleSld="0" strictFirstAndLastChars="0" saveSubsetFonts="1" autoCompressPictures="0">
   <p:sldMasterIdLst>
     <p:sldMasterId id="2147483659" r:id="rId1"/>
   </p:sldMasterIdLst>
   <p:notesMasterIdLst>
-    <p:notesMasterId r:id="rId15"/>
+    <p:notesMasterId r:id="rId16"/>
   </p:notesMasterIdLst>
   <p:sldIdLst>
     <p:sldId id="256" r:id="rId2"/>
@@ -20,7 +20,8 @@
     <p:sldId id="263" r:id="rId11"/>
     <p:sldId id="264" r:id="rId12"/>
     <p:sldId id="265" r:id="rId13"/>
-    <p:sldId id="271" r:id="rId14"/>
+    <p:sldId id="273" r:id="rId14"/>
+    <p:sldId id="271" r:id="rId15"/>
   </p:sldIdLst>
   <p:sldSz cx="9144000" cy="5143500" type="screen16x9"/>
   <p:notesSz cx="6858000" cy="9144000"/>
@@ -270,6 +271,7 @@
             <p14:sldId id="263"/>
             <p14:sldId id="264"/>
             <p14:sldId id="265"/>
+            <p14:sldId id="273"/>
           </p14:sldIdLst>
         </p14:section>
         <p14:section name="Task3" id="{9222689A-1169-40CD-875E-0FB52BCA49A1}">
@@ -2225,7 +2227,7 @@
           <a:lstStyle>
             <a:lvl1pPr lvl="0">
               <a:buNone/>
-              <a:defRPr/>
+              <a:defRPr sz="1800"/>
             </a:lvl1pPr>
             <a:lvl2pPr lvl="1">
               <a:buNone/>
@@ -2261,20 +2263,12 @@
             </a:lvl9pPr>
           </a:lstStyle>
           <a:p>
-            <a:pPr marL="0" lvl="0" indent="0" algn="r" rtl="0">
-              <a:spcBef>
-                <a:spcPts val="0"/>
-              </a:spcBef>
-              <a:spcAft>
-                <a:spcPts val="0"/>
-              </a:spcAft>
-              <a:buNone/>
-            </a:pPr>
             <a:fld id="{00000000-1234-1234-1234-123412341234}" type="slidenum">
-              <a:rPr lang="en-GB"/>
+              <a:rPr lang="en-GB" smtClean="0"/>
+              <a:pPr/>
               <a:t>‹#›</a:t>
             </a:fld>
-            <a:endParaRPr/>
+            <a:endParaRPr lang="en-GB" dirty="0"/>
           </a:p>
         </p:txBody>
       </p:sp>
@@ -2691,7 +2685,7 @@
           <a:lstStyle>
             <a:lvl1pPr lvl="0">
               <a:buNone/>
-              <a:defRPr/>
+              <a:defRPr sz="1800"/>
             </a:lvl1pPr>
             <a:lvl2pPr lvl="1">
               <a:buNone/>
@@ -2727,20 +2721,12 @@
             </a:lvl9pPr>
           </a:lstStyle>
           <a:p>
-            <a:pPr marL="0" lvl="0" indent="0" algn="r" rtl="0">
-              <a:spcBef>
-                <a:spcPts val="0"/>
-              </a:spcBef>
-              <a:spcAft>
-                <a:spcPts val="0"/>
-              </a:spcAft>
-              <a:buNone/>
-            </a:pPr>
             <a:fld id="{00000000-1234-1234-1234-123412341234}" type="slidenum">
-              <a:rPr lang="en-GB"/>
+              <a:rPr lang="en-GB" smtClean="0"/>
+              <a:pPr/>
               <a:t>‹#›</a:t>
             </a:fld>
-            <a:endParaRPr/>
+            <a:endParaRPr lang="en-GB" dirty="0"/>
           </a:p>
         </p:txBody>
       </p:sp>
@@ -5615,7 +5601,7 @@
           <a:lstStyle>
             <a:lvl1pPr lvl="0" algn="r">
               <a:buNone/>
-              <a:defRPr sz="1000">
+              <a:defRPr sz="1800">
                 <a:solidFill>
                   <a:schemeClr val="dk2"/>
                 </a:solidFill>
@@ -5687,20 +5673,12 @@
             </a:lvl9pPr>
           </a:lstStyle>
           <a:p>
-            <a:pPr marL="0" lvl="0" indent="0" algn="r" rtl="0">
-              <a:spcBef>
-                <a:spcPts val="0"/>
-              </a:spcBef>
-              <a:spcAft>
-                <a:spcPts val="0"/>
-              </a:spcAft>
-              <a:buNone/>
-            </a:pPr>
             <a:fld id="{00000000-1234-1234-1234-123412341234}" type="slidenum">
-              <a:rPr lang="en-GB"/>
+              <a:rPr lang="en-GB" smtClean="0"/>
+              <a:pPr/>
               <a:t>‹#›</a:t>
             </a:fld>
-            <a:endParaRPr/>
+            <a:endParaRPr lang="en-GB" dirty="0"/>
           </a:p>
         </p:txBody>
       </p:sp>
@@ -5719,7 +5697,7 @@
     <p:sldLayoutId id="2147483657" r:id="rId9"/>
     <p:sldLayoutId id="2147483658" r:id="rId10"/>
   </p:sldLayoutIdLst>
-  <p:hf sldNum="0" hdr="0" ftr="0" dt="0"/>
+  <p:hf hdr="0" ftr="0" dt="0"/>
   <p:txStyles>
     <p:titleStyle>
       <a:defPPr marR="0" lvl="0" algn="l" rtl="0">
@@ -6464,7 +6442,15 @@
               <a:buNone/>
             </a:pPr>
             <a:r>
-              <a:rPr lang="en-GB" dirty="0"/>
+              <a:rPr lang="en-GB" b="1" dirty="0">
+                <a:effectLst>
+                  <a:outerShdw blurRad="38100" dist="38100" dir="2700000" algn="tl">
+                    <a:srgbClr val="000000">
+                      <a:alpha val="43137"/>
+                    </a:srgbClr>
+                  </a:outerShdw>
+                </a:effectLst>
+              </a:rPr>
               <a:t>KEA</a:t>
             </a:r>
             <a:br>
@@ -6565,7 +6551,7 @@
         </p:nvSpPr>
         <p:spPr>
           <a:xfrm>
-            <a:off x="311700" y="445025"/>
+            <a:off x="311700" y="334778"/>
             <a:ext cx="8520600" cy="572700"/>
           </a:xfrm>
           <a:prstGeom prst="rect">
@@ -6588,17 +6574,31 @@
               <a:buNone/>
             </a:pPr>
             <a:r>
-              <a:rPr lang="en-GB" dirty="0">
+              <a:rPr lang="en-GB" b="1" dirty="0">
                 <a:solidFill>
                   <a:srgbClr val="FF0000"/>
                 </a:solidFill>
+                <a:effectLst>
+                  <a:outerShdw blurRad="38100" dist="38100" dir="2700000" algn="tl">
+                    <a:srgbClr val="000000">
+                      <a:alpha val="43137"/>
+                    </a:srgbClr>
+                  </a:outerShdw>
+                </a:effectLst>
               </a:rPr>
               <a:t>Detailed behaviour</a:t>
             </a:r>
-            <a:endParaRPr dirty="0">
+            <a:endParaRPr b="1" dirty="0">
               <a:solidFill>
                 <a:srgbClr val="FF0000"/>
               </a:solidFill>
+              <a:effectLst>
+                <a:outerShdw blurRad="38100" dist="38100" dir="2700000" algn="tl">
+                  <a:srgbClr val="000000">
+                    <a:alpha val="43137"/>
+                  </a:srgbClr>
+                </a:outerShdw>
+              </a:effectLst>
             </a:endParaRPr>
           </a:p>
         </p:txBody>
@@ -6706,6 +6706,44 @@
               <a:t>Note: too small models may not be enough to demonstrate your qualification</a:t>
             </a:r>
             <a:endParaRPr dirty="0"/>
+          </a:p>
+        </p:txBody>
+      </p:sp>
+      <p:sp>
+        <p:nvSpPr>
+          <p:cNvPr id="2" name="Slide Number Placeholder 1">
+            <a:extLst>
+              <a:ext uri="{FF2B5EF4-FFF2-40B4-BE49-F238E27FC236}">
+                <a16:creationId xmlns:a16="http://schemas.microsoft.com/office/drawing/2014/main" id="{1993C304-8938-41C3-9583-2C7227088CD4}"/>
+              </a:ext>
+            </a:extLst>
+          </p:cNvPr>
+          <p:cNvSpPr>
+            <a:spLocks noGrp="1"/>
+          </p:cNvSpPr>
+          <p:nvPr>
+            <p:ph type="sldNum" idx="12"/>
+          </p:nvPr>
+        </p:nvSpPr>
+        <p:spPr/>
+        <p:txBody>
+          <a:bodyPr/>
+          <a:lstStyle/>
+          <a:p>
+            <a:pPr marL="0" lvl="0" indent="0" algn="r" rtl="0">
+              <a:spcBef>
+                <a:spcPts val="0"/>
+              </a:spcBef>
+              <a:spcAft>
+                <a:spcPts val="0"/>
+              </a:spcAft>
+              <a:buNone/>
+            </a:pPr>
+            <a:fld id="{00000000-1234-1234-1234-123412341234}" type="slidenum">
+              <a:rPr lang="en-GB" smtClean="0"/>
+              <a:t>10</a:t>
+            </a:fld>
+            <a:endParaRPr lang="en-GB"/>
           </a:p>
         </p:txBody>
       </p:sp>
@@ -6746,7 +6784,7 @@
         </p:nvSpPr>
         <p:spPr>
           <a:xfrm>
-            <a:off x="311700" y="445025"/>
+            <a:off x="311700" y="292639"/>
             <a:ext cx="8520600" cy="572700"/>
           </a:xfrm>
           <a:prstGeom prst="rect">
@@ -6769,17 +6807,31 @@
               <a:buNone/>
             </a:pPr>
             <a:r>
-              <a:rPr lang="en-GB" dirty="0">
-                <a:solidFill>
-                  <a:srgbClr val="FF0000"/>
-                </a:solidFill>
+              <a:rPr lang="en-GB" b="1" dirty="0">
+                <a:solidFill>
+                  <a:schemeClr val="tx1"/>
+                </a:solidFill>
+                <a:effectLst>
+                  <a:outerShdw blurRad="38100" dist="38100" dir="2700000" algn="tl">
+                    <a:srgbClr val="000000">
+                      <a:alpha val="43137"/>
+                    </a:srgbClr>
+                  </a:outerShdw>
+                </a:effectLst>
               </a:rPr>
               <a:t>Repository structure</a:t>
             </a:r>
-            <a:endParaRPr dirty="0">
+            <a:endParaRPr b="1" dirty="0">
               <a:solidFill>
-                <a:srgbClr val="FF0000"/>
+                <a:schemeClr val="tx1"/>
               </a:solidFill>
+              <a:effectLst>
+                <a:outerShdw blurRad="38100" dist="38100" dir="2700000" algn="tl">
+                  <a:srgbClr val="000000">
+                    <a:alpha val="43137"/>
+                  </a:srgbClr>
+                </a:outerShdw>
+              </a:effectLst>
             </a:endParaRPr>
           </a:p>
         </p:txBody>
@@ -6797,7 +6849,7 @@
         <p:spPr>
           <a:xfrm>
             <a:off x="311700" y="1152475"/>
-            <a:ext cx="8520600" cy="3416400"/>
+            <a:ext cx="2924368" cy="3698386"/>
           </a:xfrm>
           <a:prstGeom prst="rect">
             <a:avLst/>
@@ -6809,6 +6861,301 @@
           </a:bodyPr>
           <a:lstStyle/>
           <a:p>
+            <a:pPr marL="0" lvl="0" indent="0">
+              <a:buNone/>
+            </a:pPr>
+            <a:r>
+              <a:rPr lang="en-GB" dirty="0">
+                <a:solidFill>
+                  <a:schemeClr val="tx1"/>
+                </a:solidFill>
+              </a:rPr>
+              <a:t>Repository structure</a:t>
+            </a:r>
+          </a:p>
+          <a:p>
+            <a:pPr marL="0" lvl="0" indent="0">
+              <a:buNone/>
+            </a:pPr>
+            <a:r>
+              <a:rPr lang="en-GB" sz="1000" dirty="0">
+                <a:solidFill>
+                  <a:schemeClr val="tx1"/>
+                </a:solidFill>
+              </a:rPr>
+              <a:t>.  </a:t>
+            </a:r>
+          </a:p>
+          <a:p>
+            <a:pPr marL="0" lvl="0" indent="0">
+              <a:buNone/>
+            </a:pPr>
+            <a:r>
+              <a:rPr lang="en-GB" sz="1000" dirty="0">
+                <a:solidFill>
+                  <a:schemeClr val="tx1"/>
+                </a:solidFill>
+              </a:rPr>
+              <a:t>├── product_img.jpg  </a:t>
+            </a:r>
+          </a:p>
+          <a:p>
+            <a:pPr marL="0" lvl="0" indent="0">
+              <a:buNone/>
+            </a:pPr>
+            <a:r>
+              <a:rPr lang="en-GB" sz="1000" dirty="0">
+                <a:solidFill>
+                  <a:schemeClr val="tx1"/>
+                </a:solidFill>
+              </a:rPr>
+              <a:t>├── README.md  </a:t>
+            </a:r>
+          </a:p>
+          <a:p>
+            <a:pPr marL="0" lvl="0" indent="0">
+              <a:buNone/>
+            </a:pPr>
+            <a:r>
+              <a:rPr lang="en-GB" sz="1000" dirty="0">
+                <a:solidFill>
+                  <a:schemeClr val="tx1"/>
+                </a:solidFill>
+              </a:rPr>
+              <a:t>├── General/  </a:t>
+            </a:r>
+          </a:p>
+          <a:p>
+            <a:pPr marL="0" lvl="0" indent="0">
+              <a:buNone/>
+            </a:pPr>
+            <a:r>
+              <a:rPr lang="en-GB" sz="1000" dirty="0">
+                <a:solidFill>
+                  <a:schemeClr val="tx1"/>
+                </a:solidFill>
+              </a:rPr>
+              <a:t>│     ├── Domain_description_en.md  </a:t>
+            </a:r>
+          </a:p>
+          <a:p>
+            <a:pPr marL="0" lvl="0" indent="0">
+              <a:buNone/>
+            </a:pPr>
+            <a:r>
+              <a:rPr lang="en-GB" sz="1000" dirty="0">
+                <a:solidFill>
+                  <a:schemeClr val="tx1"/>
+                </a:solidFill>
+              </a:rPr>
+              <a:t>│     ├── Task_description_en.md  </a:t>
+            </a:r>
+          </a:p>
+          <a:p>
+            <a:pPr marL="0" lvl="0" indent="0">
+              <a:buNone/>
+            </a:pPr>
+            <a:r>
+              <a:rPr lang="en-GB" sz="1000" dirty="0">
+                <a:solidFill>
+                  <a:schemeClr val="tx1"/>
+                </a:solidFill>
+              </a:rPr>
+              <a:t>│     ├── DFD0/  </a:t>
+            </a:r>
+          </a:p>
+          <a:p>
+            <a:pPr marL="0" lvl="0" indent="0">
+              <a:buNone/>
+            </a:pPr>
+            <a:r>
+              <a:rPr lang="en-GB" sz="1000" dirty="0">
+                <a:solidFill>
+                  <a:schemeClr val="tx1"/>
+                </a:solidFill>
+              </a:rPr>
+              <a:t>│     ├── </a:t>
+            </a:r>
+            <a:r>
+              <a:rPr lang="en-GB" sz="1000" dirty="0" err="1">
+                <a:solidFill>
+                  <a:schemeClr val="tx1"/>
+                </a:solidFill>
+              </a:rPr>
+              <a:t>StoryMap</a:t>
+            </a:r>
+            <a:r>
+              <a:rPr lang="en-GB" sz="1000" dirty="0">
+                <a:solidFill>
+                  <a:schemeClr val="tx1"/>
+                </a:solidFill>
+              </a:rPr>
+              <a:t>/  </a:t>
+            </a:r>
+          </a:p>
+          <a:p>
+            <a:pPr marL="0" lvl="0" indent="0">
+              <a:buNone/>
+            </a:pPr>
+            <a:r>
+              <a:rPr lang="en-GB" sz="1000" dirty="0">
+                <a:solidFill>
+                  <a:schemeClr val="tx1"/>
+                </a:solidFill>
+              </a:rPr>
+              <a:t>│     └── </a:t>
+            </a:r>
+            <a:r>
+              <a:rPr lang="en-GB" sz="1000" dirty="0" err="1">
+                <a:solidFill>
+                  <a:schemeClr val="tx1"/>
+                </a:solidFill>
+              </a:rPr>
+              <a:t>UseCases</a:t>
+            </a:r>
+            <a:r>
+              <a:rPr lang="en-GB" sz="1000" dirty="0">
+                <a:solidFill>
+                  <a:schemeClr val="tx1"/>
+                </a:solidFill>
+              </a:rPr>
+              <a:t>/  </a:t>
+            </a:r>
+          </a:p>
+          <a:p>
+            <a:pPr marL="0" lvl="0" indent="0">
+              <a:buNone/>
+            </a:pPr>
+            <a:r>
+              <a:rPr lang="en-GB" sz="1000" dirty="0">
+                <a:solidFill>
+                  <a:schemeClr val="tx1"/>
+                </a:solidFill>
+              </a:rPr>
+              <a:t>└── Practice Tasks/  </a:t>
+            </a:r>
+          </a:p>
+          <a:p>
+            <a:pPr marL="0" lvl="0" indent="0">
+              <a:buNone/>
+            </a:pPr>
+            <a:r>
+              <a:rPr lang="en-GB" sz="1000" dirty="0">
+                <a:solidFill>
+                  <a:schemeClr val="tx1"/>
+                </a:solidFill>
+              </a:rPr>
+              <a:t>        ├── </a:t>
+            </a:r>
+            <a:r>
+              <a:rPr lang="en-GB" sz="1000" dirty="0" err="1">
+                <a:solidFill>
+                  <a:schemeClr val="tx1"/>
+                </a:solidFill>
+              </a:rPr>
+              <a:t>Final_Task</a:t>
+            </a:r>
+            <a:r>
+              <a:rPr lang="en-GB" sz="1000" dirty="0">
+                <a:solidFill>
+                  <a:schemeClr val="tx1"/>
+                </a:solidFill>
+              </a:rPr>
+              <a:t>/  </a:t>
+            </a:r>
+          </a:p>
+          <a:p>
+            <a:pPr marL="0" lvl="0" indent="0">
+              <a:buNone/>
+            </a:pPr>
+            <a:r>
+              <a:rPr lang="en-GB" sz="1000" dirty="0">
+                <a:solidFill>
+                  <a:schemeClr val="tx1"/>
+                </a:solidFill>
+              </a:rPr>
+              <a:t>        ├── Task_1/  </a:t>
+            </a:r>
+          </a:p>
+          <a:p>
+            <a:pPr marL="0" lvl="0" indent="0">
+              <a:buNone/>
+            </a:pPr>
+            <a:r>
+              <a:rPr lang="en-GB" sz="1000" dirty="0">
+                <a:solidFill>
+                  <a:schemeClr val="tx1"/>
+                </a:solidFill>
+              </a:rPr>
+              <a:t>        ├── Task_2/  </a:t>
+            </a:r>
+          </a:p>
+          <a:p>
+            <a:pPr marL="0" lvl="0" indent="0">
+              <a:buNone/>
+            </a:pPr>
+            <a:r>
+              <a:rPr lang="en-GB" sz="1000" dirty="0">
+                <a:solidFill>
+                  <a:schemeClr val="tx1"/>
+                </a:solidFill>
+              </a:rPr>
+              <a:t>        ├── Task_3/  </a:t>
+            </a:r>
+          </a:p>
+          <a:p>
+            <a:pPr marL="0" lvl="0" indent="0">
+              <a:buNone/>
+            </a:pPr>
+            <a:r>
+              <a:rPr lang="en-GB" sz="1000" dirty="0">
+                <a:solidFill>
+                  <a:schemeClr val="tx1"/>
+                </a:solidFill>
+              </a:rPr>
+              <a:t>        ├── Task_4/  </a:t>
+            </a:r>
+          </a:p>
+          <a:p>
+            <a:pPr marL="0" lvl="0" indent="0">
+              <a:buNone/>
+            </a:pPr>
+            <a:r>
+              <a:rPr lang="en-GB" sz="1000" dirty="0">
+                <a:solidFill>
+                  <a:schemeClr val="tx1"/>
+                </a:solidFill>
+              </a:rPr>
+              <a:t>        ├── Task_5/  </a:t>
+            </a:r>
+          </a:p>
+          <a:p>
+            <a:pPr marL="0" lvl="0" indent="0">
+              <a:buNone/>
+            </a:pPr>
+            <a:r>
+              <a:rPr lang="en-GB" sz="1000" dirty="0">
+                <a:solidFill>
+                  <a:schemeClr val="tx1"/>
+                </a:solidFill>
+              </a:rPr>
+              <a:t>        ├── Task_6/  </a:t>
+            </a:r>
+          </a:p>
+          <a:p>
+            <a:pPr marL="0" lvl="0" indent="0">
+              <a:buNone/>
+            </a:pPr>
+            <a:r>
+              <a:rPr lang="en-GB" sz="1000" dirty="0">
+                <a:solidFill>
+                  <a:schemeClr val="tx1"/>
+                </a:solidFill>
+              </a:rPr>
+              <a:t>        └── Task_7/ </a:t>
+            </a:r>
+          </a:p>
+          <a:p>
             <a:pPr marL="0" lvl="0" indent="0" algn="l" rtl="0">
               <a:spcBef>
                 <a:spcPts val="0"/>
@@ -6818,43 +7165,122 @@
               </a:spcAft>
               <a:buNone/>
             </a:pPr>
+            <a:endParaRPr lang="en-GB" dirty="0">
+              <a:solidFill>
+                <a:schemeClr val="tx1"/>
+              </a:solidFill>
+            </a:endParaRPr>
+          </a:p>
+        </p:txBody>
+      </p:sp>
+      <p:sp>
+        <p:nvSpPr>
+          <p:cNvPr id="2" name="TextBox 1">
+            <a:extLst>
+              <a:ext uri="{FF2B5EF4-FFF2-40B4-BE49-F238E27FC236}">
+                <a16:creationId xmlns:a16="http://schemas.microsoft.com/office/drawing/2014/main" id="{A1369874-95E3-4381-9B31-34DEFF4768FC}"/>
+              </a:ext>
+            </a:extLst>
+          </p:cNvPr>
+          <p:cNvSpPr txBox="1"/>
+          <p:nvPr/>
+        </p:nvSpPr>
+        <p:spPr>
+          <a:xfrm>
+            <a:off x="5265905" y="1152475"/>
+            <a:ext cx="2386519" cy="1154162"/>
+          </a:xfrm>
+          <a:prstGeom prst="rect">
+            <a:avLst/>
+          </a:prstGeom>
+          <a:noFill/>
+        </p:spPr>
+        <p:txBody>
+          <a:bodyPr wrap="square" rtlCol="0">
+            <a:spAutoFit/>
+          </a:bodyPr>
+          <a:lstStyle/>
+          <a:p>
+            <a:pPr>
+              <a:lnSpc>
+                <a:spcPct val="150000"/>
+              </a:lnSpc>
+            </a:pPr>
             <a:r>
-              <a:rPr lang="en-GB"/>
-              <a:t>Add a repo screenshot showing work products and documents from previous tasks</a:t>
+              <a:rPr lang="en-US" sz="1800" dirty="0"/>
+              <a:t>Tools Used:</a:t>
             </a:r>
-            <a:endParaRPr/>
-          </a:p>
-          <a:p>
-            <a:pPr marL="0" lvl="0" indent="0" algn="l" rtl="0">
-              <a:spcBef>
-                <a:spcPts val="1200"/>
-              </a:spcBef>
-              <a:spcAft>
-                <a:spcPts val="0"/>
-              </a:spcAft>
-              <a:buNone/>
+          </a:p>
+          <a:p>
+            <a:pPr marL="285750" indent="-285750">
+              <a:buFont typeface="Arial" panose="020B0604020202020204" pitchFamily="34" charset="0"/>
+              <a:buChar char="•"/>
             </a:pPr>
             <a:r>
-              <a:rPr lang="en-GB"/>
-              <a:t>Demonstrate and explain how did you use tools from Task 2</a:t>
+              <a:rPr lang="en-US" dirty="0" err="1"/>
+              <a:t>Github</a:t>
             </a:r>
-            <a:endParaRPr/>
-          </a:p>
-          <a:p>
-            <a:pPr marL="0" lvl="0" indent="0" algn="l" rtl="0">
-              <a:spcBef>
-                <a:spcPts val="1200"/>
-              </a:spcBef>
-              <a:spcAft>
-                <a:spcPts val="1200"/>
-              </a:spcAft>
-              <a:buNone/>
+            <a:endParaRPr lang="en-US" dirty="0"/>
+          </a:p>
+          <a:p>
+            <a:pPr marL="285750" indent="-285750">
+              <a:buFont typeface="Arial" panose="020B0604020202020204" pitchFamily="34" charset="0"/>
+              <a:buChar char="•"/>
             </a:pPr>
             <a:r>
-              <a:rPr lang="en-GB"/>
-              <a:t>Check that your project results are accessible for all course students (you may make a copy of your repo)</a:t>
+              <a:rPr lang="en-US" dirty="0" err="1"/>
+              <a:t>Drawio</a:t>
             </a:r>
-            <a:endParaRPr/>
+            <a:endParaRPr lang="en-US" dirty="0"/>
+          </a:p>
+          <a:p>
+            <a:pPr marL="285750" indent="-285750">
+              <a:buFont typeface="Arial" panose="020B0604020202020204" pitchFamily="34" charset="0"/>
+              <a:buChar char="•"/>
+            </a:pPr>
+            <a:r>
+              <a:rPr lang="en-US" dirty="0" err="1"/>
+              <a:t>Planttext</a:t>
+            </a:r>
+            <a:endParaRPr lang="ru-RU" dirty="0"/>
+          </a:p>
+        </p:txBody>
+      </p:sp>
+      <p:sp>
+        <p:nvSpPr>
+          <p:cNvPr id="3" name="Slide Number Placeholder 2">
+            <a:extLst>
+              <a:ext uri="{FF2B5EF4-FFF2-40B4-BE49-F238E27FC236}">
+                <a16:creationId xmlns:a16="http://schemas.microsoft.com/office/drawing/2014/main" id="{1B5096D9-216C-438D-BB05-1CE3A083DE40}"/>
+              </a:ext>
+            </a:extLst>
+          </p:cNvPr>
+          <p:cNvSpPr>
+            <a:spLocks noGrp="1"/>
+          </p:cNvSpPr>
+          <p:nvPr>
+            <p:ph type="sldNum" idx="12"/>
+          </p:nvPr>
+        </p:nvSpPr>
+        <p:spPr/>
+        <p:txBody>
+          <a:bodyPr/>
+          <a:lstStyle/>
+          <a:p>
+            <a:pPr marL="0" lvl="0" indent="0" algn="r" rtl="0">
+              <a:spcBef>
+                <a:spcPts val="0"/>
+              </a:spcBef>
+              <a:spcAft>
+                <a:spcPts val="0"/>
+              </a:spcAft>
+              <a:buNone/>
+            </a:pPr>
+            <a:fld id="{00000000-1234-1234-1234-123412341234}" type="slidenum">
+              <a:rPr lang="en-GB" smtClean="0"/>
+              <a:t>11</a:t>
+            </a:fld>
+            <a:endParaRPr lang="en-GB"/>
           </a:p>
         </p:txBody>
       </p:sp>
@@ -6895,7 +7321,7 @@
         </p:nvSpPr>
         <p:spPr>
           <a:xfrm>
-            <a:off x="311700" y="445025"/>
+            <a:off x="311700" y="273758"/>
             <a:ext cx="8520600" cy="572700"/>
           </a:xfrm>
           <a:prstGeom prst="rect">
@@ -6918,60 +7344,1237 @@
               <a:buNone/>
             </a:pPr>
             <a:r>
-              <a:rPr lang="en-GB" dirty="0">
-                <a:solidFill>
-                  <a:srgbClr val="FF0000"/>
-                </a:solidFill>
+              <a:rPr lang="en-GB" b="1" dirty="0">
+                <a:solidFill>
+                  <a:schemeClr val="tx1"/>
+                </a:solidFill>
+                <a:effectLst>
+                  <a:outerShdw blurRad="38100" dist="38100" dir="2700000" algn="tl">
+                    <a:srgbClr val="000000">
+                      <a:alpha val="43137"/>
+                    </a:srgbClr>
+                  </a:outerShdw>
+                </a:effectLst>
               </a:rPr>
               <a:t>Team and roles</a:t>
             </a:r>
-            <a:endParaRPr dirty="0">
+            <a:endParaRPr b="1" dirty="0">
               <a:solidFill>
-                <a:srgbClr val="FF0000"/>
+                <a:schemeClr val="tx1"/>
               </a:solidFill>
+              <a:effectLst>
+                <a:outerShdw blurRad="38100" dist="38100" dir="2700000" algn="tl">
+                  <a:srgbClr val="000000">
+                    <a:alpha val="43137"/>
+                  </a:srgbClr>
+                </a:outerShdw>
+              </a:effectLst>
             </a:endParaRPr>
           </a:p>
         </p:txBody>
       </p:sp>
-      <p:sp>
-        <p:nvSpPr>
-          <p:cNvPr id="115" name="Google Shape;115;p22"/>
-          <p:cNvSpPr txBox="1">
-            <a:spLocks noGrp="1"/>
-          </p:cNvSpPr>
+      <p:graphicFrame>
+        <p:nvGraphicFramePr>
+          <p:cNvPr id="5" name="Table 4">
+            <a:extLst>
+              <a:ext uri="{FF2B5EF4-FFF2-40B4-BE49-F238E27FC236}">
+                <a16:creationId xmlns:a16="http://schemas.microsoft.com/office/drawing/2014/main" id="{EC34B5E1-8EB0-4AD2-BA9A-C78EAB05585A}"/>
+              </a:ext>
+            </a:extLst>
+          </p:cNvPr>
+          <p:cNvGraphicFramePr>
+            <a:graphicFrameLocks noGrp="1"/>
+          </p:cNvGraphicFramePr>
           <p:nvPr>
-            <p:ph type="body" idx="1"/>
+            <p:extLst>
+              <p:ext uri="{D42A27DB-BD31-4B8C-83A1-F6EECF244321}">
+                <p14:modId xmlns:p14="http://schemas.microsoft.com/office/powerpoint/2010/main" val="1112842302"/>
+              </p:ext>
+            </p:extLst>
           </p:nvPr>
-        </p:nvSpPr>
+        </p:nvGraphicFramePr>
+        <p:xfrm>
+          <a:off x="311700" y="3460247"/>
+          <a:ext cx="8520600" cy="1249680"/>
+        </p:xfrm>
+        <a:graphic>
+          <a:graphicData uri="http://schemas.openxmlformats.org/drawingml/2006/table">
+            <a:tbl>
+              <a:tblPr firstRow="1" bandRow="1">
+                <a:tableStyleId>{2D5ABB26-0587-4C30-8999-92F81FD0307C}</a:tableStyleId>
+              </a:tblPr>
+              <a:tblGrid>
+                <a:gridCol w="1880266">
+                  <a:extLst>
+                    <a:ext uri="{9D8B030D-6E8A-4147-A177-3AD203B41FA5}">
+                      <a16:colId xmlns:a16="http://schemas.microsoft.com/office/drawing/2014/main" val="1428964859"/>
+                    </a:ext>
+                  </a:extLst>
+                </a:gridCol>
+                <a:gridCol w="2172511">
+                  <a:extLst>
+                    <a:ext uri="{9D8B030D-6E8A-4147-A177-3AD203B41FA5}">
+                      <a16:colId xmlns:a16="http://schemas.microsoft.com/office/drawing/2014/main" val="2157100154"/>
+                    </a:ext>
+                  </a:extLst>
+                </a:gridCol>
+                <a:gridCol w="2337673">
+                  <a:extLst>
+                    <a:ext uri="{9D8B030D-6E8A-4147-A177-3AD203B41FA5}">
+                      <a16:colId xmlns:a16="http://schemas.microsoft.com/office/drawing/2014/main" val="808514682"/>
+                    </a:ext>
+                  </a:extLst>
+                </a:gridCol>
+                <a:gridCol w="2130150">
+                  <a:extLst>
+                    <a:ext uri="{9D8B030D-6E8A-4147-A177-3AD203B41FA5}">
+                      <a16:colId xmlns:a16="http://schemas.microsoft.com/office/drawing/2014/main" val="1252840721"/>
+                    </a:ext>
+                  </a:extLst>
+                </a:gridCol>
+              </a:tblGrid>
+              <a:tr h="504000">
+                <a:tc>
+                  <a:txBody>
+                    <a:bodyPr/>
+                    <a:lstStyle/>
+                    <a:p>
+                      <a:r>
+                        <a:rPr lang="en-US" dirty="0">
+                          <a:solidFill>
+                            <a:schemeClr val="tx1"/>
+                          </a:solidFill>
+                        </a:rPr>
+                        <a:t>Roles, Personas,</a:t>
+                      </a:r>
+                    </a:p>
+                    <a:p>
+                      <a:r>
+                        <a:rPr lang="en-US" dirty="0">
+                          <a:solidFill>
+                            <a:schemeClr val="tx1"/>
+                          </a:solidFill>
+                        </a:rPr>
+                        <a:t>Story Map</a:t>
+                      </a:r>
+                      <a:endParaRPr lang="ru-RU" dirty="0">
+                        <a:solidFill>
+                          <a:schemeClr val="tx1"/>
+                        </a:solidFill>
+                      </a:endParaRPr>
+                    </a:p>
+                  </a:txBody>
+                  <a:tcPr>
+                    <a:lnL w="12700" cap="flat" cmpd="sng" algn="ctr">
+                      <a:noFill/>
+                      <a:prstDash val="solid"/>
+                      <a:round/>
+                      <a:headEnd type="none" w="med" len="med"/>
+                      <a:tailEnd type="none" w="med" len="med"/>
+                    </a:lnL>
+                    <a:lnR w="12700" cap="flat" cmpd="sng" algn="ctr">
+                      <a:solidFill>
+                        <a:schemeClr val="tx1"/>
+                      </a:solidFill>
+                      <a:prstDash val="solid"/>
+                      <a:round/>
+                      <a:headEnd type="none" w="med" len="med"/>
+                      <a:tailEnd type="none" w="med" len="med"/>
+                    </a:lnR>
+                    <a:lnT w="12700" cap="flat" cmpd="sng" algn="ctr">
+                      <a:solidFill>
+                        <a:schemeClr val="tx1"/>
+                      </a:solidFill>
+                      <a:prstDash val="solid"/>
+                      <a:round/>
+                      <a:headEnd type="none" w="med" len="med"/>
+                      <a:tailEnd type="none" w="med" len="med"/>
+                    </a:lnT>
+                    <a:lnB w="12700" cap="flat" cmpd="sng" algn="ctr">
+                      <a:solidFill>
+                        <a:schemeClr val="tx1"/>
+                      </a:solidFill>
+                      <a:prstDash val="solid"/>
+                      <a:round/>
+                      <a:headEnd type="none" w="med" len="med"/>
+                      <a:tailEnd type="none" w="med" len="med"/>
+                    </a:lnB>
+                    <a:lnTlToBr w="12700" cmpd="sng">
+                      <a:noFill/>
+                      <a:prstDash val="solid"/>
+                    </a:lnTlToBr>
+                    <a:lnBlToTr w="12700" cmpd="sng">
+                      <a:noFill/>
+                      <a:prstDash val="solid"/>
+                    </a:lnBlToTr>
+                  </a:tcPr>
+                </a:tc>
+                <a:tc>
+                  <a:txBody>
+                    <a:bodyPr/>
+                    <a:lstStyle/>
+                    <a:p>
+                      <a:r>
+                        <a:rPr lang="en-US" dirty="0">
+                          <a:solidFill>
+                            <a:schemeClr val="tx1"/>
+                          </a:solidFill>
+                        </a:rPr>
+                        <a:t>Use cases, DDD</a:t>
+                      </a:r>
+                      <a:endParaRPr lang="ru-RU" dirty="0">
+                        <a:solidFill>
+                          <a:schemeClr val="tx1"/>
+                        </a:solidFill>
+                      </a:endParaRPr>
+                    </a:p>
+                  </a:txBody>
+                  <a:tcPr>
+                    <a:lnL w="12700" cap="flat" cmpd="sng" algn="ctr">
+                      <a:solidFill>
+                        <a:schemeClr val="tx1"/>
+                      </a:solidFill>
+                      <a:prstDash val="solid"/>
+                      <a:round/>
+                      <a:headEnd type="none" w="med" len="med"/>
+                      <a:tailEnd type="none" w="med" len="med"/>
+                    </a:lnL>
+                    <a:lnR w="12700" cap="flat" cmpd="sng" algn="ctr">
+                      <a:solidFill>
+                        <a:schemeClr val="tx1"/>
+                      </a:solidFill>
+                      <a:prstDash val="solid"/>
+                      <a:round/>
+                      <a:headEnd type="none" w="med" len="med"/>
+                      <a:tailEnd type="none" w="med" len="med"/>
+                    </a:lnR>
+                    <a:lnT w="12700" cap="flat" cmpd="sng" algn="ctr">
+                      <a:solidFill>
+                        <a:schemeClr val="tx1"/>
+                      </a:solidFill>
+                      <a:prstDash val="solid"/>
+                      <a:round/>
+                      <a:headEnd type="none" w="med" len="med"/>
+                      <a:tailEnd type="none" w="med" len="med"/>
+                    </a:lnT>
+                    <a:lnB w="12700" cap="flat" cmpd="sng" algn="ctr">
+                      <a:solidFill>
+                        <a:schemeClr val="tx1"/>
+                      </a:solidFill>
+                      <a:prstDash val="solid"/>
+                      <a:round/>
+                      <a:headEnd type="none" w="med" len="med"/>
+                      <a:tailEnd type="none" w="med" len="med"/>
+                    </a:lnB>
+                    <a:lnTlToBr w="12700" cmpd="sng">
+                      <a:noFill/>
+                      <a:prstDash val="solid"/>
+                    </a:lnTlToBr>
+                    <a:lnBlToTr w="12700" cmpd="sng">
+                      <a:noFill/>
+                      <a:prstDash val="solid"/>
+                    </a:lnBlToTr>
+                  </a:tcPr>
+                </a:tc>
+                <a:tc>
+                  <a:txBody>
+                    <a:bodyPr/>
+                    <a:lstStyle/>
+                    <a:p>
+                      <a:r>
+                        <a:rPr lang="en-US" dirty="0">
+                          <a:solidFill>
+                            <a:schemeClr val="tx1"/>
+                          </a:solidFill>
+                        </a:rPr>
+                        <a:t>UML, DFD, Repository Management</a:t>
+                      </a:r>
+                      <a:endParaRPr lang="ru-RU" dirty="0">
+                        <a:solidFill>
+                          <a:schemeClr val="tx1"/>
+                        </a:solidFill>
+                      </a:endParaRPr>
+                    </a:p>
+                  </a:txBody>
+                  <a:tcPr>
+                    <a:lnL w="12700" cap="flat" cmpd="sng" algn="ctr">
+                      <a:solidFill>
+                        <a:schemeClr val="tx1"/>
+                      </a:solidFill>
+                      <a:prstDash val="solid"/>
+                      <a:round/>
+                      <a:headEnd type="none" w="med" len="med"/>
+                      <a:tailEnd type="none" w="med" len="med"/>
+                    </a:lnL>
+                    <a:lnR w="12700" cap="flat" cmpd="sng" algn="ctr">
+                      <a:solidFill>
+                        <a:schemeClr val="tx1"/>
+                      </a:solidFill>
+                      <a:prstDash val="solid"/>
+                      <a:round/>
+                      <a:headEnd type="none" w="med" len="med"/>
+                      <a:tailEnd type="none" w="med" len="med"/>
+                    </a:lnR>
+                    <a:lnT w="12700" cap="flat" cmpd="sng" algn="ctr">
+                      <a:solidFill>
+                        <a:schemeClr val="tx1"/>
+                      </a:solidFill>
+                      <a:prstDash val="solid"/>
+                      <a:round/>
+                      <a:headEnd type="none" w="med" len="med"/>
+                      <a:tailEnd type="none" w="med" len="med"/>
+                    </a:lnT>
+                    <a:lnB w="12700" cap="flat" cmpd="sng" algn="ctr">
+                      <a:solidFill>
+                        <a:schemeClr val="tx1"/>
+                      </a:solidFill>
+                      <a:prstDash val="solid"/>
+                      <a:round/>
+                      <a:headEnd type="none" w="med" len="med"/>
+                      <a:tailEnd type="none" w="med" len="med"/>
+                    </a:lnB>
+                    <a:lnTlToBr w="12700" cmpd="sng">
+                      <a:noFill/>
+                      <a:prstDash val="solid"/>
+                    </a:lnTlToBr>
+                    <a:lnBlToTr w="12700" cmpd="sng">
+                      <a:noFill/>
+                      <a:prstDash val="solid"/>
+                    </a:lnBlToTr>
+                  </a:tcPr>
+                </a:tc>
+                <a:tc>
+                  <a:txBody>
+                    <a:bodyPr/>
+                    <a:lstStyle/>
+                    <a:p>
+                      <a:r>
+                        <a:rPr lang="en-US" dirty="0">
+                          <a:solidFill>
+                            <a:schemeClr val="tx1"/>
+                          </a:solidFill>
+                        </a:rPr>
+                        <a:t>Domain analysis, </a:t>
+                      </a:r>
+                    </a:p>
+                    <a:p>
+                      <a:r>
+                        <a:rPr lang="en-US" dirty="0">
+                          <a:solidFill>
+                            <a:schemeClr val="tx1"/>
+                          </a:solidFill>
+                        </a:rPr>
+                        <a:t>CRC Cards, UML</a:t>
+                      </a:r>
+                      <a:endParaRPr lang="ru-RU" dirty="0">
+                        <a:solidFill>
+                          <a:schemeClr val="tx1"/>
+                        </a:solidFill>
+                      </a:endParaRPr>
+                    </a:p>
+                  </a:txBody>
+                  <a:tcPr>
+                    <a:lnL w="12700" cap="flat" cmpd="sng" algn="ctr">
+                      <a:solidFill>
+                        <a:schemeClr val="tx1"/>
+                      </a:solidFill>
+                      <a:prstDash val="solid"/>
+                      <a:round/>
+                      <a:headEnd type="none" w="med" len="med"/>
+                      <a:tailEnd type="none" w="med" len="med"/>
+                    </a:lnL>
+                    <a:lnR w="12700" cap="flat" cmpd="sng" algn="ctr">
+                      <a:noFill/>
+                      <a:prstDash val="solid"/>
+                      <a:round/>
+                      <a:headEnd type="none" w="med" len="med"/>
+                      <a:tailEnd type="none" w="med" len="med"/>
+                    </a:lnR>
+                    <a:lnT w="12700" cap="flat" cmpd="sng" algn="ctr">
+                      <a:solidFill>
+                        <a:schemeClr val="tx1"/>
+                      </a:solidFill>
+                      <a:prstDash val="solid"/>
+                      <a:round/>
+                      <a:headEnd type="none" w="med" len="med"/>
+                      <a:tailEnd type="none" w="med" len="med"/>
+                    </a:lnT>
+                    <a:lnB w="12700" cap="flat" cmpd="sng" algn="ctr">
+                      <a:solidFill>
+                        <a:schemeClr val="tx1"/>
+                      </a:solidFill>
+                      <a:prstDash val="solid"/>
+                      <a:round/>
+                      <a:headEnd type="none" w="med" len="med"/>
+                      <a:tailEnd type="none" w="med" len="med"/>
+                    </a:lnB>
+                    <a:lnTlToBr w="12700" cmpd="sng">
+                      <a:noFill/>
+                      <a:prstDash val="solid"/>
+                    </a:lnTlToBr>
+                    <a:lnBlToTr w="12700" cmpd="sng">
+                      <a:noFill/>
+                      <a:prstDash val="solid"/>
+                    </a:lnBlToTr>
+                  </a:tcPr>
+                </a:tc>
+                <a:extLst>
+                  <a:ext uri="{0D108BD9-81ED-4DB2-BD59-A6C34878D82A}">
+                    <a16:rowId xmlns:a16="http://schemas.microsoft.com/office/drawing/2014/main" val="1637715683"/>
+                  </a:ext>
+                </a:extLst>
+              </a:tr>
+              <a:tr h="612000">
+                <a:tc>
+                  <a:txBody>
+                    <a:bodyPr/>
+                    <a:lstStyle/>
+                    <a:p>
+                      <a:r>
+                        <a:rPr kumimoji="0" lang="en-GB" sz="1400" b="0" i="0" u="none" strike="noStrike" kern="0" cap="none" spc="0" normalizeH="0" baseline="0" noProof="0" dirty="0" err="1">
+                          <a:ln>
+                            <a:noFill/>
+                          </a:ln>
+                          <a:solidFill>
+                            <a:schemeClr val="tx1"/>
+                          </a:solidFill>
+                          <a:effectLst/>
+                          <a:uLnTx/>
+                          <a:uFillTx/>
+                          <a:latin typeface="Arial"/>
+                          <a:ea typeface="+mn-ea"/>
+                          <a:cs typeface="+mn-cs"/>
+                          <a:sym typeface="Arial"/>
+                        </a:rPr>
+                        <a:t>Tsurkan</a:t>
+                      </a:r>
+                      <a:r>
+                        <a:rPr kumimoji="0" lang="en-GB" sz="1400" b="0" i="0" u="none" strike="noStrike" kern="0" cap="none" spc="0" normalizeH="0" baseline="0" noProof="0" dirty="0">
+                          <a:ln>
+                            <a:noFill/>
+                          </a:ln>
+                          <a:solidFill>
+                            <a:schemeClr val="tx1"/>
+                          </a:solidFill>
+                          <a:effectLst/>
+                          <a:uLnTx/>
+                          <a:uFillTx/>
+                          <a:latin typeface="Arial"/>
+                          <a:ea typeface="+mn-ea"/>
+                          <a:cs typeface="+mn-cs"/>
+                          <a:sym typeface="Arial"/>
+                        </a:rPr>
+                        <a:t> Daniel</a:t>
+                      </a:r>
+                    </a:p>
+                    <a:p>
+                      <a:r>
+                        <a:rPr kumimoji="0" lang="en-GB" sz="1400" b="0" i="0" u="none" strike="noStrike" kern="0" cap="none" spc="0" normalizeH="0" baseline="0" noProof="0" dirty="0" err="1">
+                          <a:ln>
+                            <a:noFill/>
+                          </a:ln>
+                          <a:solidFill>
+                            <a:schemeClr val="tx1"/>
+                          </a:solidFill>
+                          <a:effectLst/>
+                          <a:uLnTx/>
+                          <a:uFillTx/>
+                          <a:latin typeface="Arial"/>
+                          <a:ea typeface="+mn-ea"/>
+                          <a:cs typeface="+mn-cs"/>
+                          <a:sym typeface="Arial"/>
+                        </a:rPr>
+                        <a:t>Tg</a:t>
+                      </a:r>
+                      <a:r>
+                        <a:rPr kumimoji="0" lang="en-GB" sz="1400" b="0" i="0" u="none" strike="noStrike" kern="0" cap="none" spc="0" normalizeH="0" baseline="0" noProof="0" dirty="0">
+                          <a:ln>
+                            <a:noFill/>
+                          </a:ln>
+                          <a:solidFill>
+                            <a:schemeClr val="tx1"/>
+                          </a:solidFill>
+                          <a:effectLst/>
+                          <a:uLnTx/>
+                          <a:uFillTx/>
+                          <a:latin typeface="+mn-lt"/>
+                          <a:ea typeface="+mn-ea"/>
+                          <a:cs typeface="+mn-cs"/>
+                          <a:sym typeface="Arial"/>
+                        </a:rPr>
+                        <a:t>: @</a:t>
+                      </a:r>
+                      <a:r>
+                        <a:rPr kumimoji="0" lang="en-GB" sz="1400" b="0" i="0" u="none" strike="noStrike" kern="0" cap="none" spc="0" normalizeH="0" baseline="0" noProof="0" dirty="0" err="1">
+                          <a:ln>
+                            <a:noFill/>
+                          </a:ln>
+                          <a:solidFill>
+                            <a:schemeClr val="tx1"/>
+                          </a:solidFill>
+                          <a:effectLst/>
+                          <a:uLnTx/>
+                          <a:uFillTx/>
+                          <a:latin typeface="+mn-lt"/>
+                          <a:ea typeface="+mn-ea"/>
+                          <a:cs typeface="+mn-cs"/>
+                          <a:sym typeface="Arial"/>
+                        </a:rPr>
+                        <a:t>crazy_deyzi</a:t>
+                      </a:r>
+                      <a:endParaRPr lang="ru-RU" dirty="0">
+                        <a:solidFill>
+                          <a:schemeClr val="tx1"/>
+                        </a:solidFill>
+                      </a:endParaRPr>
+                    </a:p>
+                  </a:txBody>
+                  <a:tcPr>
+                    <a:lnL w="12700" cap="flat" cmpd="sng" algn="ctr">
+                      <a:noFill/>
+                      <a:prstDash val="solid"/>
+                      <a:round/>
+                      <a:headEnd type="none" w="med" len="med"/>
+                      <a:tailEnd type="none" w="med" len="med"/>
+                    </a:lnL>
+                    <a:lnR w="12700" cap="flat" cmpd="sng" algn="ctr">
+                      <a:solidFill>
+                        <a:schemeClr val="tx1"/>
+                      </a:solidFill>
+                      <a:prstDash val="solid"/>
+                      <a:round/>
+                      <a:headEnd type="none" w="med" len="med"/>
+                      <a:tailEnd type="none" w="med" len="med"/>
+                    </a:lnR>
+                    <a:lnT w="12700" cap="flat" cmpd="sng" algn="ctr">
+                      <a:solidFill>
+                        <a:schemeClr val="tx1"/>
+                      </a:solidFill>
+                      <a:prstDash val="solid"/>
+                      <a:round/>
+                      <a:headEnd type="none" w="med" len="med"/>
+                      <a:tailEnd type="none" w="med" len="med"/>
+                    </a:lnT>
+                    <a:lnB w="12700" cap="flat" cmpd="sng" algn="ctr">
+                      <a:noFill/>
+                      <a:prstDash val="solid"/>
+                      <a:round/>
+                      <a:headEnd type="none" w="med" len="med"/>
+                      <a:tailEnd type="none" w="med" len="med"/>
+                    </a:lnB>
+                    <a:lnTlToBr w="12700" cmpd="sng">
+                      <a:noFill/>
+                      <a:prstDash val="solid"/>
+                    </a:lnTlToBr>
+                    <a:lnBlToTr w="12700" cmpd="sng">
+                      <a:noFill/>
+                      <a:prstDash val="solid"/>
+                    </a:lnBlToTr>
+                  </a:tcPr>
+                </a:tc>
+                <a:tc>
+                  <a:txBody>
+                    <a:bodyPr/>
+                    <a:lstStyle/>
+                    <a:p>
+                      <a:r>
+                        <a:rPr kumimoji="0" lang="en-GB" sz="1400" b="0" i="0" u="none" strike="noStrike" kern="0" cap="none" spc="0" normalizeH="0" baseline="0" noProof="0" dirty="0" err="1">
+                          <a:ln>
+                            <a:noFill/>
+                          </a:ln>
+                          <a:solidFill>
+                            <a:schemeClr val="tx1"/>
+                          </a:solidFill>
+                          <a:effectLst/>
+                          <a:uLnTx/>
+                          <a:uFillTx/>
+                          <a:latin typeface="Arial"/>
+                          <a:ea typeface="+mn-ea"/>
+                          <a:cs typeface="+mn-cs"/>
+                          <a:sym typeface="Arial"/>
+                        </a:rPr>
+                        <a:t>Dandamaev</a:t>
+                      </a:r>
+                      <a:r>
+                        <a:rPr kumimoji="0" lang="en-GB" sz="1400" b="0" i="0" u="none" strike="noStrike" kern="0" cap="none" spc="0" normalizeH="0" baseline="0" noProof="0" dirty="0">
+                          <a:ln>
+                            <a:noFill/>
+                          </a:ln>
+                          <a:solidFill>
+                            <a:schemeClr val="tx1"/>
+                          </a:solidFill>
+                          <a:effectLst/>
+                          <a:uLnTx/>
+                          <a:uFillTx/>
+                          <a:latin typeface="Arial"/>
+                          <a:ea typeface="+mn-ea"/>
+                          <a:cs typeface="+mn-cs"/>
+                          <a:sym typeface="Arial"/>
+                        </a:rPr>
+                        <a:t> </a:t>
+                      </a:r>
+                      <a:r>
+                        <a:rPr kumimoji="0" lang="en-GB" sz="1400" b="0" i="0" u="none" strike="noStrike" kern="0" cap="none" spc="0" normalizeH="0" baseline="0" noProof="0" dirty="0" err="1">
+                          <a:ln>
+                            <a:noFill/>
+                          </a:ln>
+                          <a:solidFill>
+                            <a:schemeClr val="tx1"/>
+                          </a:solidFill>
+                          <a:effectLst/>
+                          <a:uLnTx/>
+                          <a:uFillTx/>
+                          <a:latin typeface="Arial"/>
+                          <a:ea typeface="+mn-ea"/>
+                          <a:cs typeface="+mn-cs"/>
+                          <a:sym typeface="Arial"/>
+                        </a:rPr>
+                        <a:t>Gadji</a:t>
+                      </a:r>
+                      <a:endParaRPr kumimoji="0" lang="en-GB" sz="1400" b="0" i="0" u="none" strike="noStrike" kern="0" cap="none" spc="0" normalizeH="0" baseline="0" noProof="0" dirty="0">
+                        <a:ln>
+                          <a:noFill/>
+                        </a:ln>
+                        <a:solidFill>
+                          <a:schemeClr val="tx1"/>
+                        </a:solidFill>
+                        <a:effectLst/>
+                        <a:uLnTx/>
+                        <a:uFillTx/>
+                        <a:latin typeface="Arial"/>
+                        <a:ea typeface="+mn-ea"/>
+                        <a:cs typeface="+mn-cs"/>
+                        <a:sym typeface="Arial"/>
+                      </a:endParaRPr>
+                    </a:p>
+                    <a:p>
+                      <a:pPr marL="0" marR="0" lvl="0" indent="0" algn="l" defTabSz="914400" rtl="0" eaLnBrk="1" fontAlgn="auto" latinLnBrk="0" hangingPunct="1">
+                        <a:lnSpc>
+                          <a:spcPct val="100000"/>
+                        </a:lnSpc>
+                        <a:spcBef>
+                          <a:spcPts val="0"/>
+                        </a:spcBef>
+                        <a:spcAft>
+                          <a:spcPts val="0"/>
+                        </a:spcAft>
+                        <a:buClr>
+                          <a:srgbClr val="000000"/>
+                        </a:buClr>
+                        <a:buSzTx/>
+                        <a:buFont typeface="Arial"/>
+                        <a:buNone/>
+                        <a:tabLst/>
+                        <a:defRPr/>
+                      </a:pPr>
+                      <a:r>
+                        <a:rPr kumimoji="0" lang="en-US" sz="1400" b="0" i="0" u="none" strike="noStrike" kern="0" cap="none" spc="0" normalizeH="0" baseline="0" noProof="0" dirty="0" err="1">
+                          <a:ln>
+                            <a:noFill/>
+                          </a:ln>
+                          <a:solidFill>
+                            <a:schemeClr val="tx1"/>
+                          </a:solidFill>
+                          <a:effectLst/>
+                          <a:uLnTx/>
+                          <a:uFillTx/>
+                          <a:latin typeface="+mn-lt"/>
+                          <a:ea typeface="+mn-ea"/>
+                          <a:cs typeface="+mn-cs"/>
+                          <a:sym typeface="Arial"/>
+                        </a:rPr>
+                        <a:t>Tg</a:t>
+                      </a:r>
+                      <a:r>
+                        <a:rPr kumimoji="0" lang="en-US" sz="1400" b="0" i="0" u="none" strike="noStrike" kern="0" cap="none" spc="0" normalizeH="0" baseline="0" noProof="0" dirty="0">
+                          <a:ln>
+                            <a:noFill/>
+                          </a:ln>
+                          <a:solidFill>
+                            <a:schemeClr val="tx1"/>
+                          </a:solidFill>
+                          <a:effectLst/>
+                          <a:uLnTx/>
+                          <a:uFillTx/>
+                          <a:latin typeface="+mn-lt"/>
+                          <a:ea typeface="+mn-ea"/>
+                          <a:cs typeface="+mn-cs"/>
+                          <a:sym typeface="Arial"/>
+                        </a:rPr>
+                        <a:t>: @</a:t>
+                      </a:r>
+                      <a:r>
+                        <a:rPr kumimoji="0" lang="en-US" sz="1400" b="0" i="0" u="none" strike="noStrike" kern="0" cap="none" spc="0" normalizeH="0" baseline="0" noProof="0" dirty="0" err="1">
+                          <a:ln>
+                            <a:noFill/>
+                          </a:ln>
+                          <a:solidFill>
+                            <a:schemeClr val="tx1"/>
+                          </a:solidFill>
+                          <a:effectLst/>
+                          <a:uLnTx/>
+                          <a:uFillTx/>
+                          <a:latin typeface="+mn-lt"/>
+                          <a:ea typeface="+mn-ea"/>
+                          <a:cs typeface="+mn-cs"/>
+                          <a:sym typeface="Arial"/>
+                        </a:rPr>
+                        <a:t>dandamaev</a:t>
+                      </a:r>
+                      <a:endParaRPr lang="ru-RU" dirty="0">
+                        <a:solidFill>
+                          <a:schemeClr val="tx1"/>
+                        </a:solidFill>
+                      </a:endParaRPr>
+                    </a:p>
+                    <a:p>
+                      <a:endParaRPr lang="ru-RU" dirty="0">
+                        <a:solidFill>
+                          <a:schemeClr val="tx1"/>
+                        </a:solidFill>
+                      </a:endParaRPr>
+                    </a:p>
+                  </a:txBody>
+                  <a:tcPr>
+                    <a:lnL w="12700" cap="flat" cmpd="sng" algn="ctr">
+                      <a:solidFill>
+                        <a:schemeClr val="tx1"/>
+                      </a:solidFill>
+                      <a:prstDash val="solid"/>
+                      <a:round/>
+                      <a:headEnd type="none" w="med" len="med"/>
+                      <a:tailEnd type="none" w="med" len="med"/>
+                    </a:lnL>
+                    <a:lnR w="12700" cap="flat" cmpd="sng" algn="ctr">
+                      <a:solidFill>
+                        <a:schemeClr val="tx1"/>
+                      </a:solidFill>
+                      <a:prstDash val="solid"/>
+                      <a:round/>
+                      <a:headEnd type="none" w="med" len="med"/>
+                      <a:tailEnd type="none" w="med" len="med"/>
+                    </a:lnR>
+                    <a:lnT w="12700" cap="flat" cmpd="sng" algn="ctr">
+                      <a:solidFill>
+                        <a:schemeClr val="tx1"/>
+                      </a:solidFill>
+                      <a:prstDash val="solid"/>
+                      <a:round/>
+                      <a:headEnd type="none" w="med" len="med"/>
+                      <a:tailEnd type="none" w="med" len="med"/>
+                    </a:lnT>
+                    <a:lnB w="12700" cap="flat" cmpd="sng" algn="ctr">
+                      <a:noFill/>
+                      <a:prstDash val="solid"/>
+                      <a:round/>
+                      <a:headEnd type="none" w="med" len="med"/>
+                      <a:tailEnd type="none" w="med" len="med"/>
+                    </a:lnB>
+                    <a:lnTlToBr w="12700" cmpd="sng">
+                      <a:noFill/>
+                      <a:prstDash val="solid"/>
+                    </a:lnTlToBr>
+                    <a:lnBlToTr w="12700" cmpd="sng">
+                      <a:noFill/>
+                      <a:prstDash val="solid"/>
+                    </a:lnBlToTr>
+                  </a:tcPr>
+                </a:tc>
+                <a:tc>
+                  <a:txBody>
+                    <a:bodyPr/>
+                    <a:lstStyle/>
+                    <a:p>
+                      <a:r>
+                        <a:rPr lang="en-GB" sz="1400" dirty="0" err="1">
+                          <a:solidFill>
+                            <a:schemeClr val="tx1"/>
+                          </a:solidFill>
+                        </a:rPr>
+                        <a:t>Tsaturyan</a:t>
+                      </a:r>
+                      <a:r>
+                        <a:rPr lang="en-GB" sz="1400" dirty="0">
+                          <a:solidFill>
+                            <a:schemeClr val="tx1"/>
+                          </a:solidFill>
+                        </a:rPr>
+                        <a:t> Konstantin</a:t>
+                      </a:r>
+                    </a:p>
+                    <a:p>
+                      <a:pPr marL="0" marR="0" lvl="0" indent="0" algn="l" defTabSz="914400" rtl="0" eaLnBrk="1" fontAlgn="auto" latinLnBrk="0" hangingPunct="1">
+                        <a:lnSpc>
+                          <a:spcPct val="100000"/>
+                        </a:lnSpc>
+                        <a:spcBef>
+                          <a:spcPts val="0"/>
+                        </a:spcBef>
+                        <a:spcAft>
+                          <a:spcPts val="0"/>
+                        </a:spcAft>
+                        <a:buClr>
+                          <a:srgbClr val="000000"/>
+                        </a:buClr>
+                        <a:buSzTx/>
+                        <a:buFont typeface="Arial"/>
+                        <a:buNone/>
+                        <a:tabLst/>
+                        <a:defRPr/>
+                      </a:pPr>
+                      <a:r>
+                        <a:rPr kumimoji="0" lang="en-US" sz="1400" b="0" i="0" u="none" strike="noStrike" kern="0" cap="none" spc="0" normalizeH="0" baseline="0" noProof="0" dirty="0" err="1">
+                          <a:ln>
+                            <a:noFill/>
+                          </a:ln>
+                          <a:solidFill>
+                            <a:schemeClr val="tx1"/>
+                          </a:solidFill>
+                          <a:effectLst/>
+                          <a:uLnTx/>
+                          <a:uFillTx/>
+                          <a:latin typeface="+mn-lt"/>
+                          <a:ea typeface="+mn-ea"/>
+                          <a:cs typeface="+mn-cs"/>
+                          <a:sym typeface="Arial"/>
+                        </a:rPr>
+                        <a:t>Tg</a:t>
+                      </a:r>
+                      <a:r>
+                        <a:rPr kumimoji="0" lang="en-US" sz="1400" b="0" i="0" u="none" strike="noStrike" kern="0" cap="none" spc="0" normalizeH="0" baseline="0" noProof="0" dirty="0">
+                          <a:ln>
+                            <a:noFill/>
+                          </a:ln>
+                          <a:solidFill>
+                            <a:schemeClr val="tx1"/>
+                          </a:solidFill>
+                          <a:effectLst/>
+                          <a:uLnTx/>
+                          <a:uFillTx/>
+                          <a:latin typeface="+mn-lt"/>
+                          <a:ea typeface="+mn-ea"/>
+                          <a:cs typeface="+mn-cs"/>
+                          <a:sym typeface="Arial"/>
+                        </a:rPr>
+                        <a:t>: @</a:t>
+                      </a:r>
+                      <a:r>
+                        <a:rPr kumimoji="0" lang="en-US" sz="1400" b="0" i="0" u="none" strike="noStrike" kern="0" cap="none" spc="0" normalizeH="0" baseline="0" noProof="0" dirty="0" err="1">
+                          <a:ln>
+                            <a:noFill/>
+                          </a:ln>
+                          <a:solidFill>
+                            <a:schemeClr val="tx1"/>
+                          </a:solidFill>
+                          <a:effectLst/>
+                          <a:uLnTx/>
+                          <a:uFillTx/>
+                          <a:latin typeface="+mn-lt"/>
+                          <a:ea typeface="+mn-ea"/>
+                          <a:cs typeface="+mn-cs"/>
+                          <a:sym typeface="Arial"/>
+                        </a:rPr>
+                        <a:t>fanglores</a:t>
+                      </a:r>
+                      <a:endParaRPr lang="ru-RU" dirty="0">
+                        <a:solidFill>
+                          <a:schemeClr val="tx1"/>
+                        </a:solidFill>
+                      </a:endParaRPr>
+                    </a:p>
+                    <a:p>
+                      <a:endParaRPr lang="ru-RU" dirty="0">
+                        <a:solidFill>
+                          <a:schemeClr val="tx1"/>
+                        </a:solidFill>
+                      </a:endParaRPr>
+                    </a:p>
+                  </a:txBody>
+                  <a:tcPr>
+                    <a:lnL w="12700" cap="flat" cmpd="sng" algn="ctr">
+                      <a:solidFill>
+                        <a:schemeClr val="tx1"/>
+                      </a:solidFill>
+                      <a:prstDash val="solid"/>
+                      <a:round/>
+                      <a:headEnd type="none" w="med" len="med"/>
+                      <a:tailEnd type="none" w="med" len="med"/>
+                    </a:lnL>
+                    <a:lnR w="12700" cap="flat" cmpd="sng" algn="ctr">
+                      <a:solidFill>
+                        <a:schemeClr val="tx1"/>
+                      </a:solidFill>
+                      <a:prstDash val="solid"/>
+                      <a:round/>
+                      <a:headEnd type="none" w="med" len="med"/>
+                      <a:tailEnd type="none" w="med" len="med"/>
+                    </a:lnR>
+                    <a:lnT w="12700" cap="flat" cmpd="sng" algn="ctr">
+                      <a:solidFill>
+                        <a:schemeClr val="tx1"/>
+                      </a:solidFill>
+                      <a:prstDash val="solid"/>
+                      <a:round/>
+                      <a:headEnd type="none" w="med" len="med"/>
+                      <a:tailEnd type="none" w="med" len="med"/>
+                    </a:lnT>
+                    <a:lnB w="12700" cap="flat" cmpd="sng" algn="ctr">
+                      <a:noFill/>
+                      <a:prstDash val="solid"/>
+                      <a:round/>
+                      <a:headEnd type="none" w="med" len="med"/>
+                      <a:tailEnd type="none" w="med" len="med"/>
+                    </a:lnB>
+                    <a:lnTlToBr w="12700" cmpd="sng">
+                      <a:noFill/>
+                      <a:prstDash val="solid"/>
+                    </a:lnTlToBr>
+                    <a:lnBlToTr w="12700" cmpd="sng">
+                      <a:noFill/>
+                      <a:prstDash val="solid"/>
+                    </a:lnBlToTr>
+                  </a:tcPr>
+                </a:tc>
+                <a:tc>
+                  <a:txBody>
+                    <a:bodyPr/>
+                    <a:lstStyle/>
+                    <a:p>
+                      <a:r>
+                        <a:rPr lang="en-GB" sz="1400" dirty="0" err="1">
+                          <a:solidFill>
+                            <a:schemeClr val="tx1"/>
+                          </a:solidFill>
+                        </a:rPr>
+                        <a:t>Smolkin</a:t>
+                      </a:r>
+                      <a:r>
+                        <a:rPr lang="en-GB" sz="1400" dirty="0">
+                          <a:solidFill>
+                            <a:schemeClr val="tx1"/>
+                          </a:solidFill>
+                        </a:rPr>
+                        <a:t> Mikhail</a:t>
+                      </a:r>
+                    </a:p>
+                    <a:p>
+                      <a:pPr marL="0" marR="0" lvl="0" indent="0" algn="l" defTabSz="914400" rtl="0" eaLnBrk="1" fontAlgn="auto" latinLnBrk="0" hangingPunct="1">
+                        <a:lnSpc>
+                          <a:spcPct val="100000"/>
+                        </a:lnSpc>
+                        <a:spcBef>
+                          <a:spcPts val="0"/>
+                        </a:spcBef>
+                        <a:spcAft>
+                          <a:spcPts val="0"/>
+                        </a:spcAft>
+                        <a:buClr>
+                          <a:srgbClr val="000000"/>
+                        </a:buClr>
+                        <a:buSzTx/>
+                        <a:buFont typeface="Arial"/>
+                        <a:buNone/>
+                        <a:tabLst/>
+                        <a:defRPr/>
+                      </a:pPr>
+                      <a:r>
+                        <a:rPr kumimoji="0" lang="en-US" sz="1400" b="0" i="0" u="none" strike="noStrike" kern="0" cap="none" spc="0" normalizeH="0" baseline="0" noProof="0" dirty="0" err="1">
+                          <a:ln>
+                            <a:noFill/>
+                          </a:ln>
+                          <a:solidFill>
+                            <a:schemeClr val="tx1"/>
+                          </a:solidFill>
+                          <a:effectLst/>
+                          <a:uLnTx/>
+                          <a:uFillTx/>
+                          <a:latin typeface="+mn-lt"/>
+                          <a:ea typeface="+mn-ea"/>
+                          <a:cs typeface="+mn-cs"/>
+                          <a:sym typeface="Arial"/>
+                        </a:rPr>
+                        <a:t>Tg</a:t>
+                      </a:r>
+                      <a:r>
+                        <a:rPr kumimoji="0" lang="en-US" sz="1400" b="0" i="0" u="none" strike="noStrike" kern="0" cap="none" spc="0" normalizeH="0" baseline="0" noProof="0" dirty="0">
+                          <a:ln>
+                            <a:noFill/>
+                          </a:ln>
+                          <a:solidFill>
+                            <a:schemeClr val="tx1"/>
+                          </a:solidFill>
+                          <a:effectLst/>
+                          <a:uLnTx/>
+                          <a:uFillTx/>
+                          <a:latin typeface="+mn-lt"/>
+                          <a:ea typeface="+mn-ea"/>
+                          <a:cs typeface="+mn-cs"/>
+                          <a:sym typeface="Arial"/>
+                        </a:rPr>
+                        <a:t>: @m0hnatik</a:t>
+                      </a:r>
+                      <a:endParaRPr lang="ru-RU" dirty="0">
+                        <a:solidFill>
+                          <a:schemeClr val="tx1"/>
+                        </a:solidFill>
+                      </a:endParaRPr>
+                    </a:p>
+                    <a:p>
+                      <a:endParaRPr lang="ru-RU" dirty="0">
+                        <a:solidFill>
+                          <a:schemeClr val="tx1"/>
+                        </a:solidFill>
+                      </a:endParaRPr>
+                    </a:p>
+                  </a:txBody>
+                  <a:tcPr>
+                    <a:lnL w="12700" cap="flat" cmpd="sng" algn="ctr">
+                      <a:solidFill>
+                        <a:schemeClr val="tx1"/>
+                      </a:solidFill>
+                      <a:prstDash val="solid"/>
+                      <a:round/>
+                      <a:headEnd type="none" w="med" len="med"/>
+                      <a:tailEnd type="none" w="med" len="med"/>
+                    </a:lnL>
+                    <a:lnR w="12700" cap="flat" cmpd="sng" algn="ctr">
+                      <a:noFill/>
+                      <a:prstDash val="solid"/>
+                      <a:round/>
+                      <a:headEnd type="none" w="med" len="med"/>
+                      <a:tailEnd type="none" w="med" len="med"/>
+                    </a:lnR>
+                    <a:lnT w="12700" cap="flat" cmpd="sng" algn="ctr">
+                      <a:solidFill>
+                        <a:schemeClr val="tx1"/>
+                      </a:solidFill>
+                      <a:prstDash val="solid"/>
+                      <a:round/>
+                      <a:headEnd type="none" w="med" len="med"/>
+                      <a:tailEnd type="none" w="med" len="med"/>
+                    </a:lnT>
+                    <a:lnB w="12700" cap="flat" cmpd="sng" algn="ctr">
+                      <a:noFill/>
+                      <a:prstDash val="solid"/>
+                      <a:round/>
+                      <a:headEnd type="none" w="med" len="med"/>
+                      <a:tailEnd type="none" w="med" len="med"/>
+                    </a:lnB>
+                    <a:lnTlToBr w="12700" cmpd="sng">
+                      <a:noFill/>
+                      <a:prstDash val="solid"/>
+                    </a:lnTlToBr>
+                    <a:lnBlToTr w="12700" cmpd="sng">
+                      <a:noFill/>
+                      <a:prstDash val="solid"/>
+                    </a:lnBlToTr>
+                  </a:tcPr>
+                </a:tc>
+                <a:extLst>
+                  <a:ext uri="{0D108BD9-81ED-4DB2-BD59-A6C34878D82A}">
+                    <a16:rowId xmlns:a16="http://schemas.microsoft.com/office/drawing/2014/main" val="1213166530"/>
+                  </a:ext>
+                </a:extLst>
+              </a:tr>
+            </a:tbl>
+          </a:graphicData>
+        </a:graphic>
+      </p:graphicFrame>
+      <p:pic>
+        <p:nvPicPr>
+          <p:cNvPr id="18" name="Picture 17">
+            <a:extLst>
+              <a:ext uri="{FF2B5EF4-FFF2-40B4-BE49-F238E27FC236}">
+                <a16:creationId xmlns:a16="http://schemas.microsoft.com/office/drawing/2014/main" id="{E08BFC49-CDD1-40CD-B7D4-A4343F1CBE3A}"/>
+              </a:ext>
+            </a:extLst>
+          </p:cNvPr>
+          <p:cNvPicPr>
+            <a:picLocks noChangeAspect="1"/>
+          </p:cNvPicPr>
+          <p:nvPr/>
+        </p:nvPicPr>
+        <p:blipFill rotWithShape="1">
+          <a:blip r:embed="rId3" cstate="screen">
+            <a:extLst>
+              <a:ext uri="{28A0092B-C50C-407E-A947-70E740481C1C}">
+                <a14:useLocalDpi xmlns:a14="http://schemas.microsoft.com/office/drawing/2010/main"/>
+              </a:ext>
+            </a:extLst>
+          </a:blip>
+          <a:srcRect/>
+          <a:stretch/>
+        </p:blipFill>
         <p:spPr>
           <a:xfrm>
-            <a:off x="311700" y="1152475"/>
-            <a:ext cx="8520600" cy="3416400"/>
+            <a:off x="254857" y="1114448"/>
+            <a:ext cx="1768496" cy="2112888"/>
           </a:xfrm>
           <a:prstGeom prst="rect">
             <a:avLst/>
           </a:prstGeom>
+          <a:ln w="19050">
+            <a:solidFill>
+              <a:schemeClr val="tx1"/>
+            </a:solidFill>
+          </a:ln>
         </p:spPr>
+      </p:pic>
+      <p:pic>
+        <p:nvPicPr>
+          <p:cNvPr id="21" name="Picture 20">
+            <a:extLst>
+              <a:ext uri="{FF2B5EF4-FFF2-40B4-BE49-F238E27FC236}">
+                <a16:creationId xmlns:a16="http://schemas.microsoft.com/office/drawing/2014/main" id="{BDF9959E-A8A2-494D-80CB-2572BF8E52AB}"/>
+              </a:ext>
+            </a:extLst>
+          </p:cNvPr>
+          <p:cNvPicPr>
+            <a:picLocks noChangeAspect="1"/>
+          </p:cNvPicPr>
+          <p:nvPr/>
+        </p:nvPicPr>
+        <p:blipFill rotWithShape="1">
+          <a:blip r:embed="rId4" cstate="screen">
+            <a:extLst>
+              <a:ext uri="{28A0092B-C50C-407E-A947-70E740481C1C}">
+                <a14:useLocalDpi xmlns:a14="http://schemas.microsoft.com/office/drawing/2010/main"/>
+              </a:ext>
+            </a:extLst>
+          </a:blip>
+          <a:srcRect/>
+          <a:stretch/>
+        </p:blipFill>
+        <p:spPr>
+          <a:xfrm>
+            <a:off x="2407615" y="1114448"/>
+            <a:ext cx="1729413" cy="2112888"/>
+          </a:xfrm>
+          <a:prstGeom prst="rect">
+            <a:avLst/>
+          </a:prstGeom>
+          <a:ln w="19050">
+            <a:solidFill>
+              <a:schemeClr val="tx1"/>
+            </a:solidFill>
+          </a:ln>
+        </p:spPr>
+      </p:pic>
+      <p:pic>
+        <p:nvPicPr>
+          <p:cNvPr id="27" name="Picture 26">
+            <a:extLst>
+              <a:ext uri="{FF2B5EF4-FFF2-40B4-BE49-F238E27FC236}">
+                <a16:creationId xmlns:a16="http://schemas.microsoft.com/office/drawing/2014/main" id="{8A75AFDC-5686-49F3-9987-EFCFFD3CF5C3}"/>
+              </a:ext>
+            </a:extLst>
+          </p:cNvPr>
+          <p:cNvPicPr>
+            <a:picLocks noChangeAspect="1"/>
+          </p:cNvPicPr>
+          <p:nvPr/>
+        </p:nvPicPr>
+        <p:blipFill rotWithShape="1">
+          <a:blip r:embed="rId5" cstate="screen">
+            <a:extLst>
+              <a:ext uri="{28A0092B-C50C-407E-A947-70E740481C1C}">
+                <a14:useLocalDpi xmlns:a14="http://schemas.microsoft.com/office/drawing/2010/main"/>
+              </a:ext>
+            </a:extLst>
+          </a:blip>
+          <a:srcRect b="-2"/>
+          <a:stretch/>
+        </p:blipFill>
+        <p:spPr>
+          <a:xfrm>
+            <a:off x="6893199" y="1082705"/>
+            <a:ext cx="1680112" cy="2115755"/>
+          </a:xfrm>
+          <a:prstGeom prst="rect">
+            <a:avLst/>
+          </a:prstGeom>
+          <a:ln w="19050">
+            <a:solidFill>
+              <a:schemeClr val="tx1"/>
+            </a:solidFill>
+          </a:ln>
+        </p:spPr>
+      </p:pic>
+      <p:pic>
+        <p:nvPicPr>
+          <p:cNvPr id="29" name="Picture 28">
+            <a:extLst>
+              <a:ext uri="{FF2B5EF4-FFF2-40B4-BE49-F238E27FC236}">
+                <a16:creationId xmlns:a16="http://schemas.microsoft.com/office/drawing/2014/main" id="{CFA4760B-C4C3-492A-9AFE-D9A766E033BD}"/>
+              </a:ext>
+            </a:extLst>
+          </p:cNvPr>
+          <p:cNvPicPr>
+            <a:picLocks noChangeAspect="1"/>
+          </p:cNvPicPr>
+          <p:nvPr/>
+        </p:nvPicPr>
+        <p:blipFill rotWithShape="1">
+          <a:blip r:embed="rId6" cstate="screen">
+            <a:extLst>
+              <a:ext uri="{28A0092B-C50C-407E-A947-70E740481C1C}">
+                <a14:useLocalDpi xmlns:a14="http://schemas.microsoft.com/office/drawing/2010/main"/>
+              </a:ext>
+            </a:extLst>
+          </a:blip>
+          <a:srcRect/>
+          <a:stretch/>
+        </p:blipFill>
+        <p:spPr>
+          <a:xfrm>
+            <a:off x="4675057" y="1108244"/>
+            <a:ext cx="1640506" cy="2115756"/>
+          </a:xfrm>
+          <a:prstGeom prst="rect">
+            <a:avLst/>
+          </a:prstGeom>
+          <a:ln w="19050">
+            <a:solidFill>
+              <a:schemeClr val="tx1"/>
+            </a:solidFill>
+          </a:ln>
+        </p:spPr>
+      </p:pic>
+      <p:sp>
+        <p:nvSpPr>
+          <p:cNvPr id="30" name="Slide Number Placeholder 29">
+            <a:extLst>
+              <a:ext uri="{FF2B5EF4-FFF2-40B4-BE49-F238E27FC236}">
+                <a16:creationId xmlns:a16="http://schemas.microsoft.com/office/drawing/2014/main" id="{24077592-351E-495D-944E-F5F42D5EC28D}"/>
+              </a:ext>
+            </a:extLst>
+          </p:cNvPr>
+          <p:cNvSpPr>
+            <a:spLocks noGrp="1"/>
+          </p:cNvSpPr>
+          <p:nvPr>
+            <p:ph type="sldNum" idx="12"/>
+          </p:nvPr>
+        </p:nvSpPr>
+        <p:spPr/>
         <p:txBody>
-          <a:bodyPr spcFirstLastPara="1" wrap="square" lIns="91425" tIns="91425" rIns="91425" bIns="91425" anchor="t" anchorCtr="0">
-            <a:noAutofit/>
-          </a:bodyPr>
+          <a:bodyPr/>
           <a:lstStyle/>
           <a:p>
-            <a:pPr marL="0" lvl="0" indent="0" algn="l" rtl="0">
-              <a:spcBef>
-                <a:spcPts val="0"/>
-              </a:spcBef>
-              <a:spcAft>
-                <a:spcPts val="1200"/>
-              </a:spcAft>
-              <a:buNone/>
-            </a:pPr>
-            <a:r>
-              <a:rPr lang="en-GB"/>
-              <a:t>State team member roles along with photos and full names and primary contact (tg or email)</a:t>
-            </a:r>
-            <a:endParaRPr/>
+            <a:pPr marL="0" lvl="0" indent="0" algn="r" rtl="0">
+              <a:spcBef>
+                <a:spcPts val="0"/>
+              </a:spcBef>
+              <a:spcAft>
+                <a:spcPts val="0"/>
+              </a:spcAft>
+              <a:buNone/>
+            </a:pPr>
+            <a:fld id="{00000000-1234-1234-1234-123412341234}" type="slidenum">
+              <a:rPr lang="en-GB" smtClean="0"/>
+              <a:t>12</a:t>
+            </a:fld>
+            <a:endParaRPr lang="en-GB"/>
           </a:p>
         </p:txBody>
       </p:sp>
@@ -6984,7 +8587,125 @@
 </file>
 
 <file path=ppt/slides/slide13.xml><?xml version="1.0" encoding="utf-8"?>
-<p:sld xmlns:a="http://schemas.openxmlformats.org/drawingml/2006/main" xmlns:r="http://schemas.openxmlformats.org/officeDocument/2006/relationships" xmlns:p="http://schemas.openxmlformats.org/presentationml/2006/main" show="0">
+<p:sld xmlns:a="http://schemas.openxmlformats.org/drawingml/2006/main" xmlns:r="http://schemas.openxmlformats.org/officeDocument/2006/relationships" xmlns:p="http://schemas.openxmlformats.org/presentationml/2006/main">
+  <p:cSld>
+    <p:spTree>
+      <p:nvGrpSpPr>
+        <p:cNvPr id="1" name=""/>
+        <p:cNvGrpSpPr/>
+        <p:nvPr/>
+      </p:nvGrpSpPr>
+      <p:grpSpPr>
+        <a:xfrm>
+          <a:off x="0" y="0"/>
+          <a:ext cx="0" cy="0"/>
+          <a:chOff x="0" y="0"/>
+          <a:chExt cx="0" cy="0"/>
+        </a:xfrm>
+      </p:grpSpPr>
+      <p:sp>
+        <p:nvSpPr>
+          <p:cNvPr id="2" name="Title 1">
+            <a:extLst>
+              <a:ext uri="{FF2B5EF4-FFF2-40B4-BE49-F238E27FC236}">
+                <a16:creationId xmlns:a16="http://schemas.microsoft.com/office/drawing/2014/main" id="{F6A75F07-53E8-460D-AAD5-A66B538046C5}"/>
+              </a:ext>
+            </a:extLst>
+          </p:cNvPr>
+          <p:cNvSpPr>
+            <a:spLocks noGrp="1"/>
+          </p:cNvSpPr>
+          <p:nvPr>
+            <p:ph type="title"/>
+          </p:nvPr>
+        </p:nvSpPr>
+        <p:spPr>
+          <a:xfrm>
+            <a:off x="311700" y="1891203"/>
+            <a:ext cx="8520600" cy="1202192"/>
+          </a:xfrm>
+        </p:spPr>
+        <p:txBody>
+          <a:bodyPr/>
+          <a:lstStyle/>
+          <a:p>
+            <a:pPr algn="ctr"/>
+            <a:r>
+              <a:rPr lang="en-US" b="1" dirty="0">
+                <a:effectLst>
+                  <a:outerShdw blurRad="38100" dist="38100" dir="2700000" algn="tl">
+                    <a:srgbClr val="000000">
+                      <a:alpha val="43137"/>
+                    </a:srgbClr>
+                  </a:outerShdw>
+                </a:effectLst>
+              </a:rPr>
+              <a:t>Thanks for attention!</a:t>
+            </a:r>
+            <a:br>
+              <a:rPr lang="en-US" dirty="0"/>
+            </a:br>
+            <a:r>
+              <a:rPr lang="en-US" dirty="0"/>
+              <a:t>Now we are ready to answer your questions!</a:t>
+            </a:r>
+            <a:endParaRPr lang="ru-RU" dirty="0"/>
+          </a:p>
+        </p:txBody>
+      </p:sp>
+      <p:sp>
+        <p:nvSpPr>
+          <p:cNvPr id="4" name="Slide Number Placeholder 3">
+            <a:extLst>
+              <a:ext uri="{FF2B5EF4-FFF2-40B4-BE49-F238E27FC236}">
+                <a16:creationId xmlns:a16="http://schemas.microsoft.com/office/drawing/2014/main" id="{04DFBD33-0DE6-4573-A33E-96F91414E2F6}"/>
+              </a:ext>
+            </a:extLst>
+          </p:cNvPr>
+          <p:cNvSpPr>
+            <a:spLocks noGrp="1"/>
+          </p:cNvSpPr>
+          <p:nvPr>
+            <p:ph type="sldNum" idx="12"/>
+          </p:nvPr>
+        </p:nvSpPr>
+        <p:spPr/>
+        <p:txBody>
+          <a:bodyPr/>
+          <a:lstStyle/>
+          <a:p>
+            <a:pPr marL="0" lvl="0" indent="0" algn="r" rtl="0">
+              <a:spcBef>
+                <a:spcPts val="0"/>
+              </a:spcBef>
+              <a:spcAft>
+                <a:spcPts val="0"/>
+              </a:spcAft>
+              <a:buNone/>
+            </a:pPr>
+            <a:fld id="{00000000-1234-1234-1234-123412341234}" type="slidenum">
+              <a:rPr lang="en-GB" smtClean="0"/>
+              <a:t>13</a:t>
+            </a:fld>
+            <a:endParaRPr lang="en-GB"/>
+          </a:p>
+        </p:txBody>
+      </p:sp>
+    </p:spTree>
+    <p:extLst>
+      <p:ext uri="{BB962C8B-B14F-4D97-AF65-F5344CB8AC3E}">
+        <p14:creationId xmlns:p14="http://schemas.microsoft.com/office/powerpoint/2010/main" val="4259944410"/>
+      </p:ext>
+    </p:extLst>
+  </p:cSld>
+  <p:clrMapOvr>
+    <a:masterClrMapping/>
+  </p:clrMapOvr>
+</p:sld>
+</file>
+
+<file path=ppt/slides/slide14.xml><?xml version="1.0" encoding="utf-8"?>
+<p:sld xmlns:a="http://schemas.openxmlformats.org/drawingml/2006/main" xmlns:r="http://schemas.openxmlformats.org/officeDocument/2006/relationships" xmlns:p="http://schemas.openxmlformats.org/presentationml/2006/main">
   <p:cSld>
     <p:spTree>
       <p:nvGrpSpPr>
@@ -7012,7 +8733,7 @@
         </p:nvSpPr>
         <p:spPr>
           <a:xfrm>
-            <a:off x="311700" y="445025"/>
+            <a:off x="311700" y="328553"/>
             <a:ext cx="8520600" cy="572700"/>
           </a:xfrm>
           <a:prstGeom prst="rect">
@@ -7035,17 +8756,31 @@
               <a:buNone/>
             </a:pPr>
             <a:r>
-              <a:rPr lang="en-GB" dirty="0">
+              <a:rPr lang="en-GB" b="1" dirty="0">
                 <a:solidFill>
                   <a:schemeClr val="tx1"/>
                 </a:solidFill>
+                <a:effectLst>
+                  <a:outerShdw blurRad="38100" dist="38100" dir="2700000" algn="tl">
+                    <a:srgbClr val="000000">
+                      <a:alpha val="43137"/>
+                    </a:srgbClr>
+                  </a:outerShdw>
+                </a:effectLst>
               </a:rPr>
               <a:t>DFD (Level 0)</a:t>
             </a:r>
-            <a:endParaRPr dirty="0">
+            <a:endParaRPr b="1" dirty="0">
               <a:solidFill>
                 <a:schemeClr val="tx1"/>
               </a:solidFill>
+              <a:effectLst>
+                <a:outerShdw blurRad="38100" dist="38100" dir="2700000" algn="tl">
+                  <a:srgbClr val="000000">
+                    <a:alpha val="43137"/>
+                  </a:srgbClr>
+                </a:outerShdw>
+              </a:effectLst>
             </a:endParaRPr>
           </a:p>
         </p:txBody>
@@ -7085,6 +8820,44 @@
           </a:prstGeom>
         </p:spPr>
       </p:pic>
+      <p:sp>
+        <p:nvSpPr>
+          <p:cNvPr id="2" name="Slide Number Placeholder 1">
+            <a:extLst>
+              <a:ext uri="{FF2B5EF4-FFF2-40B4-BE49-F238E27FC236}">
+                <a16:creationId xmlns:a16="http://schemas.microsoft.com/office/drawing/2014/main" id="{29181400-B16F-4AA2-AE6B-A889BCDD8D4F}"/>
+              </a:ext>
+            </a:extLst>
+          </p:cNvPr>
+          <p:cNvSpPr>
+            <a:spLocks noGrp="1"/>
+          </p:cNvSpPr>
+          <p:nvPr>
+            <p:ph type="sldNum" idx="12"/>
+          </p:nvPr>
+        </p:nvSpPr>
+        <p:spPr/>
+        <p:txBody>
+          <a:bodyPr/>
+          <a:lstStyle/>
+          <a:p>
+            <a:pPr marL="0" lvl="0" indent="0" algn="r" rtl="0">
+              <a:spcBef>
+                <a:spcPts val="0"/>
+              </a:spcBef>
+              <a:spcAft>
+                <a:spcPts val="0"/>
+              </a:spcAft>
+              <a:buNone/>
+            </a:pPr>
+            <a:fld id="{00000000-1234-1234-1234-123412341234}" type="slidenum">
+              <a:rPr lang="en-GB" smtClean="0"/>
+              <a:t>14</a:t>
+            </a:fld>
+            <a:endParaRPr lang="en-GB"/>
+          </a:p>
+        </p:txBody>
+      </p:sp>
     </p:spTree>
   </p:cSld>
   <p:clrMapOvr>
@@ -7145,10 +8918,26 @@
               <a:buNone/>
             </a:pPr>
             <a:r>
-              <a:rPr lang="en-GB" dirty="0"/>
+              <a:rPr lang="en-GB" b="1" dirty="0">
+                <a:effectLst>
+                  <a:outerShdw blurRad="38100" dist="38100" dir="2700000" algn="tl">
+                    <a:srgbClr val="000000">
+                      <a:alpha val="43137"/>
+                    </a:srgbClr>
+                  </a:outerShdw>
+                </a:effectLst>
+              </a:rPr>
               <a:t>Product description</a:t>
             </a:r>
-            <a:endParaRPr dirty="0"/>
+            <a:endParaRPr b="1" dirty="0">
+              <a:effectLst>
+                <a:outerShdw blurRad="38100" dist="38100" dir="2700000" algn="tl">
+                  <a:srgbClr val="000000">
+                    <a:alpha val="43137"/>
+                  </a:srgbClr>
+                </a:outerShdw>
+              </a:effectLst>
+            </a:endParaRPr>
           </a:p>
         </p:txBody>
       </p:sp>
@@ -7210,22 +8999,27 @@
             </a:endParaRPr>
           </a:p>
           <a:p>
-            <a:pPr marL="0" lvl="0" indent="0" algn="l" rtl="0">
+            <a:pPr marL="0" lvl="0" indent="0">
               <a:spcBef>
                 <a:spcPts val="1200"/>
               </a:spcBef>
-              <a:spcAft>
-                <a:spcPts val="0"/>
-              </a:spcAft>
-              <a:buNone/>
-            </a:pPr>
+              <a:buNone/>
+            </a:pPr>
+            <a:r>
+              <a:rPr lang="en-GB" sz="1400" b="1" dirty="0">
+                <a:solidFill>
+                  <a:schemeClr val="dk1"/>
+                </a:solidFill>
+              </a:rPr>
+              <a:t>Team K8C</a:t>
+            </a:r>
             <a:r>
               <a:rPr lang="en-GB" sz="1400" dirty="0">
                 <a:solidFill>
                   <a:schemeClr val="dk1"/>
                 </a:solidFill>
               </a:rPr>
-              <a:t>Team K8C: Daniel </a:t>
+              <a:t>: </a:t>
             </a:r>
             <a:r>
               <a:rPr lang="en-GB" sz="1400" dirty="0" err="1">
@@ -7241,7 +9035,7 @@
                   <a:schemeClr val="dk1"/>
                 </a:solidFill>
               </a:rPr>
-              <a:t>; </a:t>
+              <a:t> Daniel; </a:t>
             </a:r>
             <a:r>
               <a:rPr lang="en-GB" sz="1400" dirty="0" err="1">
@@ -7249,7 +9043,7 @@
                   <a:schemeClr val="dk1"/>
                 </a:solidFill>
               </a:rPr>
-              <a:t>Gadji</a:t>
+              <a:t>Dandamaev</a:t>
             </a:r>
             <a:r>
               <a:rPr lang="en-GB" sz="1400" dirty="0">
@@ -7265,7 +9059,7 @@
                   <a:schemeClr val="dk1"/>
                 </a:solidFill>
               </a:rPr>
-              <a:t>Dandamaev</a:t>
+              <a:t>Gadji</a:t>
             </a:r>
             <a:r>
               <a:rPr lang="en-GB" sz="1400" dirty="0">
@@ -7308,12 +9102,20 @@
               <a:buNone/>
             </a:pPr>
             <a:r>
+              <a:rPr lang="en-GB" sz="1400" b="1" dirty="0">
+                <a:solidFill>
+                  <a:schemeClr val="dk1"/>
+                </a:solidFill>
+              </a:rPr>
+              <a:t>Project repo</a:t>
+            </a:r>
+            <a:r>
               <a:rPr lang="en-GB" sz="1400" dirty="0">
                 <a:solidFill>
                   <a:schemeClr val="dk1"/>
                 </a:solidFill>
               </a:rPr>
-              <a:t>Project repo: </a:t>
+              <a:t>: </a:t>
             </a:r>
             <a:r>
               <a:rPr lang="en-GB" sz="1400" u="sng" dirty="0">
@@ -7340,12 +9142,20 @@
               <a:buNone/>
             </a:pPr>
             <a:r>
+              <a:rPr lang="en-GB" sz="1400" b="1" dirty="0">
+                <a:solidFill>
+                  <a:schemeClr val="dk1"/>
+                </a:solidFill>
+              </a:rPr>
+              <a:t>This report</a:t>
+            </a:r>
+            <a:r>
               <a:rPr lang="en-GB" sz="1400" dirty="0">
                 <a:solidFill>
                   <a:schemeClr val="dk1"/>
                 </a:solidFill>
               </a:rPr>
-              <a:t>This report: </a:t>
+              <a:t>: </a:t>
             </a:r>
             <a:r>
               <a:rPr lang="en-GB" sz="1400" u="sng" dirty="0">
@@ -7399,6 +9209,44 @@
                 <a:schemeClr val="dk1"/>
               </a:solidFill>
             </a:endParaRPr>
+          </a:p>
+        </p:txBody>
+      </p:sp>
+      <p:sp>
+        <p:nvSpPr>
+          <p:cNvPr id="2" name="Slide Number Placeholder 1">
+            <a:extLst>
+              <a:ext uri="{FF2B5EF4-FFF2-40B4-BE49-F238E27FC236}">
+                <a16:creationId xmlns:a16="http://schemas.microsoft.com/office/drawing/2014/main" id="{73F10E7C-2BDF-4387-B5C5-552F63A04249}"/>
+              </a:ext>
+            </a:extLst>
+          </p:cNvPr>
+          <p:cNvSpPr>
+            <a:spLocks noGrp="1"/>
+          </p:cNvSpPr>
+          <p:nvPr>
+            <p:ph type="sldNum" idx="12"/>
+          </p:nvPr>
+        </p:nvSpPr>
+        <p:spPr/>
+        <p:txBody>
+          <a:bodyPr/>
+          <a:lstStyle/>
+          <a:p>
+            <a:pPr marL="0" lvl="0" indent="0" algn="r" rtl="0">
+              <a:spcBef>
+                <a:spcPts val="0"/>
+              </a:spcBef>
+              <a:spcAft>
+                <a:spcPts val="0"/>
+              </a:spcAft>
+              <a:buNone/>
+            </a:pPr>
+            <a:fld id="{00000000-1234-1234-1234-123412341234}" type="slidenum">
+              <a:rPr lang="en-GB" sz="2000" smtClean="0"/>
+              <a:t>2</a:t>
+            </a:fld>
+            <a:endParaRPr lang="en-GB" sz="2000" dirty="0"/>
           </a:p>
         </p:txBody>
       </p:sp>
@@ -7467,10 +9315,26 @@
               <a:buNone/>
             </a:pPr>
             <a:r>
-              <a:rPr lang="en-GB" dirty="0"/>
+              <a:rPr lang="en-GB" b="1" dirty="0">
+                <a:effectLst>
+                  <a:outerShdw blurRad="38100" dist="38100" dir="2700000" algn="tl">
+                    <a:srgbClr val="000000">
+                      <a:alpha val="43137"/>
+                    </a:srgbClr>
+                  </a:outerShdw>
+                </a:effectLst>
+              </a:rPr>
               <a:t>Roles</a:t>
             </a:r>
-            <a:endParaRPr dirty="0"/>
+            <a:endParaRPr b="1" dirty="0">
+              <a:effectLst>
+                <a:outerShdw blurRad="38100" dist="38100" dir="2700000" algn="tl">
+                  <a:srgbClr val="000000">
+                    <a:alpha val="43137"/>
+                  </a:srgbClr>
+                </a:outerShdw>
+              </a:effectLst>
+            </a:endParaRPr>
           </a:p>
         </p:txBody>
       </p:sp>
@@ -7636,6 +9500,44 @@
               </a:rPr>
               <a:t> This role joins professionals involved in the development, deployment, and monitoring of ML models. They want to simplify the deployment process, automate API documentation, and ensure efficient request validation and caching, ultimately enhancing their workflow and model performance.</a:t>
             </a:r>
+          </a:p>
+        </p:txBody>
+      </p:sp>
+      <p:sp>
+        <p:nvSpPr>
+          <p:cNvPr id="2" name="Slide Number Placeholder 1">
+            <a:extLst>
+              <a:ext uri="{FF2B5EF4-FFF2-40B4-BE49-F238E27FC236}">
+                <a16:creationId xmlns:a16="http://schemas.microsoft.com/office/drawing/2014/main" id="{05C977C6-4975-4B70-96F3-A175120220AB}"/>
+              </a:ext>
+            </a:extLst>
+          </p:cNvPr>
+          <p:cNvSpPr>
+            <a:spLocks noGrp="1"/>
+          </p:cNvSpPr>
+          <p:nvPr>
+            <p:ph type="sldNum" idx="12"/>
+          </p:nvPr>
+        </p:nvSpPr>
+        <p:spPr/>
+        <p:txBody>
+          <a:bodyPr/>
+          <a:lstStyle/>
+          <a:p>
+            <a:pPr marL="0" lvl="0" indent="0" algn="r" rtl="0">
+              <a:spcBef>
+                <a:spcPts val="0"/>
+              </a:spcBef>
+              <a:spcAft>
+                <a:spcPts val="0"/>
+              </a:spcAft>
+              <a:buNone/>
+            </a:pPr>
+            <a:fld id="{00000000-1234-1234-1234-123412341234}" type="slidenum">
+              <a:rPr lang="en-GB" smtClean="0"/>
+              <a:t>3</a:t>
+            </a:fld>
+            <a:endParaRPr lang="en-GB"/>
           </a:p>
         </p:txBody>
       </p:sp>
@@ -8122,7 +10024,15 @@
           </a:lstStyle>
           <a:p>
             <a:r>
-              <a:rPr lang="en-GB" dirty="0"/>
+              <a:rPr lang="en-GB" b="1" dirty="0">
+                <a:effectLst>
+                  <a:outerShdw blurRad="38100" dist="38100" dir="2700000" algn="tl">
+                    <a:srgbClr val="000000">
+                      <a:alpha val="43137"/>
+                    </a:srgbClr>
+                  </a:outerShdw>
+                </a:effectLst>
+              </a:rPr>
               <a:t>Personas</a:t>
             </a:r>
           </a:p>
@@ -8324,6 +10234,44 @@
                 <a:schemeClr val="tx1"/>
               </a:solidFill>
             </a:endParaRPr>
+          </a:p>
+        </p:txBody>
+      </p:sp>
+      <p:sp>
+        <p:nvSpPr>
+          <p:cNvPr id="2" name="Slide Number Placeholder 1">
+            <a:extLst>
+              <a:ext uri="{FF2B5EF4-FFF2-40B4-BE49-F238E27FC236}">
+                <a16:creationId xmlns:a16="http://schemas.microsoft.com/office/drawing/2014/main" id="{3178EC64-B23C-4E80-AA61-FE6C102031B5}"/>
+              </a:ext>
+            </a:extLst>
+          </p:cNvPr>
+          <p:cNvSpPr>
+            <a:spLocks noGrp="1"/>
+          </p:cNvSpPr>
+          <p:nvPr>
+            <p:ph type="sldNum" idx="12"/>
+          </p:nvPr>
+        </p:nvSpPr>
+        <p:spPr/>
+        <p:txBody>
+          <a:bodyPr/>
+          <a:lstStyle/>
+          <a:p>
+            <a:pPr marL="0" lvl="0" indent="0" algn="r" rtl="0">
+              <a:spcBef>
+                <a:spcPts val="0"/>
+              </a:spcBef>
+              <a:spcAft>
+                <a:spcPts val="0"/>
+              </a:spcAft>
+              <a:buNone/>
+            </a:pPr>
+            <a:fld id="{00000000-1234-1234-1234-123412341234}" type="slidenum">
+              <a:rPr lang="en-GB" smtClean="0"/>
+              <a:t>4</a:t>
+            </a:fld>
+            <a:endParaRPr lang="en-GB"/>
           </a:p>
         </p:txBody>
       </p:sp>
@@ -8637,7 +10585,15 @@
           </a:lstStyle>
           <a:p>
             <a:r>
-              <a:rPr lang="en-GB" dirty="0"/>
+              <a:rPr lang="en-GB" b="1" dirty="0">
+                <a:effectLst>
+                  <a:outerShdw blurRad="38100" dist="38100" dir="2700000" algn="tl">
+                    <a:srgbClr val="000000">
+                      <a:alpha val="43137"/>
+                    </a:srgbClr>
+                  </a:outerShdw>
+                </a:effectLst>
+              </a:rPr>
               <a:t>Personas</a:t>
             </a:r>
           </a:p>
@@ -8913,6 +10869,44 @@
           </a:p>
           <a:p>
             <a:endParaRPr lang="ru-RU" dirty="0"/>
+          </a:p>
+        </p:txBody>
+      </p:sp>
+      <p:sp>
+        <p:nvSpPr>
+          <p:cNvPr id="3" name="Slide Number Placeholder 2">
+            <a:extLst>
+              <a:ext uri="{FF2B5EF4-FFF2-40B4-BE49-F238E27FC236}">
+                <a16:creationId xmlns:a16="http://schemas.microsoft.com/office/drawing/2014/main" id="{C78D3A78-ED79-4CFE-9690-1D96304C679A}"/>
+              </a:ext>
+            </a:extLst>
+          </p:cNvPr>
+          <p:cNvSpPr>
+            <a:spLocks noGrp="1"/>
+          </p:cNvSpPr>
+          <p:nvPr>
+            <p:ph type="sldNum" idx="12"/>
+          </p:nvPr>
+        </p:nvSpPr>
+        <p:spPr/>
+        <p:txBody>
+          <a:bodyPr/>
+          <a:lstStyle/>
+          <a:p>
+            <a:pPr marL="0" lvl="0" indent="0" algn="r" rtl="0">
+              <a:spcBef>
+                <a:spcPts val="0"/>
+              </a:spcBef>
+              <a:spcAft>
+                <a:spcPts val="0"/>
+              </a:spcAft>
+              <a:buNone/>
+            </a:pPr>
+            <a:fld id="{00000000-1234-1234-1234-123412341234}" type="slidenum">
+              <a:rPr lang="en-GB" smtClean="0"/>
+              <a:t>5</a:t>
+            </a:fld>
+            <a:endParaRPr lang="en-GB"/>
           </a:p>
         </p:txBody>
       </p:sp>
@@ -8958,7 +10952,7 @@
         </p:nvSpPr>
         <p:spPr>
           <a:xfrm>
-            <a:off x="311700" y="445025"/>
+            <a:off x="311700" y="302353"/>
             <a:ext cx="8520600" cy="572700"/>
           </a:xfrm>
           <a:prstGeom prst="rect">
@@ -8981,17 +10975,31 @@
               <a:buNone/>
             </a:pPr>
             <a:r>
-              <a:rPr lang="en-GB" dirty="0">
+              <a:rPr lang="en-GB" b="1" dirty="0">
                 <a:solidFill>
                   <a:schemeClr val="tx1"/>
                 </a:solidFill>
+                <a:effectLst>
+                  <a:outerShdw blurRad="38100" dist="38100" dir="2700000" algn="tl">
+                    <a:srgbClr val="000000">
+                      <a:alpha val="43137"/>
+                    </a:srgbClr>
+                  </a:outerShdw>
+                </a:effectLst>
               </a:rPr>
               <a:t>Story map</a:t>
             </a:r>
-            <a:endParaRPr dirty="0">
+            <a:endParaRPr b="1" dirty="0">
               <a:solidFill>
                 <a:schemeClr val="tx1"/>
               </a:solidFill>
+              <a:effectLst>
+                <a:outerShdw blurRad="38100" dist="38100" dir="2700000" algn="tl">
+                  <a:srgbClr val="000000">
+                    <a:alpha val="43137"/>
+                  </a:srgbClr>
+                </a:outerShdw>
+              </a:effectLst>
             </a:endParaRPr>
           </a:p>
         </p:txBody>
@@ -9011,8 +11019,11 @@
           <p:nvPr/>
         </p:nvPicPr>
         <p:blipFill>
-          <a:blip r:embed="rId3">
+          <a:blip r:embed="rId3" cstate="screen">
             <a:extLst>
+              <a:ext uri="{28A0092B-C50C-407E-A947-70E740481C1C}">
+                <a14:useLocalDpi xmlns:a14="http://schemas.microsoft.com/office/drawing/2010/main"/>
+              </a:ext>
               <a:ext uri="{96DAC541-7B7A-43D3-8B79-37D633B846F1}">
                 <asvg:svgBlip xmlns:asvg="http://schemas.microsoft.com/office/drawing/2016/SVG/main" r:embed="rId4"/>
               </a:ext>
@@ -9031,6 +11042,44 @@
           </a:prstGeom>
         </p:spPr>
       </p:pic>
+      <p:sp>
+        <p:nvSpPr>
+          <p:cNvPr id="2" name="Slide Number Placeholder 1">
+            <a:extLst>
+              <a:ext uri="{FF2B5EF4-FFF2-40B4-BE49-F238E27FC236}">
+                <a16:creationId xmlns:a16="http://schemas.microsoft.com/office/drawing/2014/main" id="{32DF4B7A-60E7-4A58-95A7-A0B78E125643}"/>
+              </a:ext>
+            </a:extLst>
+          </p:cNvPr>
+          <p:cNvSpPr>
+            <a:spLocks noGrp="1"/>
+          </p:cNvSpPr>
+          <p:nvPr>
+            <p:ph type="sldNum" idx="12"/>
+          </p:nvPr>
+        </p:nvSpPr>
+        <p:spPr/>
+        <p:txBody>
+          <a:bodyPr/>
+          <a:lstStyle/>
+          <a:p>
+            <a:pPr marL="0" lvl="0" indent="0" algn="r" rtl="0">
+              <a:spcBef>
+                <a:spcPts val="0"/>
+              </a:spcBef>
+              <a:spcAft>
+                <a:spcPts val="0"/>
+              </a:spcAft>
+              <a:buNone/>
+            </a:pPr>
+            <a:fld id="{00000000-1234-1234-1234-123412341234}" type="slidenum">
+              <a:rPr lang="en-GB" smtClean="0"/>
+              <a:t>6</a:t>
+            </a:fld>
+            <a:endParaRPr lang="en-GB"/>
+          </a:p>
+        </p:txBody>
+      </p:sp>
     </p:spTree>
     <p:extLst>
       <p:ext uri="{BB962C8B-B14F-4D97-AF65-F5344CB8AC3E}">
@@ -9073,7 +11122,7 @@
         </p:nvSpPr>
         <p:spPr>
           <a:xfrm>
-            <a:off x="311700" y="445025"/>
+            <a:off x="311700" y="288275"/>
             <a:ext cx="8520600" cy="572700"/>
           </a:xfrm>
           <a:prstGeom prst="rect">
@@ -9096,17 +11145,31 @@
               <a:buNone/>
             </a:pPr>
             <a:r>
-              <a:rPr lang="en-GB" dirty="0">
+              <a:rPr lang="en-GB" b="1" dirty="0">
                 <a:solidFill>
                   <a:srgbClr val="FF0000"/>
                 </a:solidFill>
+                <a:effectLst>
+                  <a:outerShdw blurRad="38100" dist="38100" dir="2700000" algn="tl">
+                    <a:srgbClr val="000000">
+                      <a:alpha val="43137"/>
+                    </a:srgbClr>
+                  </a:outerShdw>
+                </a:effectLst>
               </a:rPr>
               <a:t>Use case diagram</a:t>
             </a:r>
-            <a:endParaRPr dirty="0">
+            <a:endParaRPr b="1" dirty="0">
               <a:solidFill>
                 <a:srgbClr val="FF0000"/>
               </a:solidFill>
+              <a:effectLst>
+                <a:outerShdw blurRad="38100" dist="38100" dir="2700000" algn="tl">
+                  <a:srgbClr val="000000">
+                    <a:alpha val="43137"/>
+                  </a:srgbClr>
+                </a:outerShdw>
+              </a:effectLst>
             </a:endParaRPr>
           </a:p>
         </p:txBody>
@@ -9182,6 +11245,44 @@
               <a:t>Provide a link to structured textual use case scenarios in your project repo. </a:t>
             </a:r>
             <a:endParaRPr/>
+          </a:p>
+        </p:txBody>
+      </p:sp>
+      <p:sp>
+        <p:nvSpPr>
+          <p:cNvPr id="2" name="Slide Number Placeholder 1">
+            <a:extLst>
+              <a:ext uri="{FF2B5EF4-FFF2-40B4-BE49-F238E27FC236}">
+                <a16:creationId xmlns:a16="http://schemas.microsoft.com/office/drawing/2014/main" id="{1C45EA91-FF78-454E-8779-39554D13AEE4}"/>
+              </a:ext>
+            </a:extLst>
+          </p:cNvPr>
+          <p:cNvSpPr>
+            <a:spLocks noGrp="1"/>
+          </p:cNvSpPr>
+          <p:nvPr>
+            <p:ph type="sldNum" idx="12"/>
+          </p:nvPr>
+        </p:nvSpPr>
+        <p:spPr/>
+        <p:txBody>
+          <a:bodyPr/>
+          <a:lstStyle/>
+          <a:p>
+            <a:pPr marL="0" lvl="0" indent="0" algn="r" rtl="0">
+              <a:spcBef>
+                <a:spcPts val="0"/>
+              </a:spcBef>
+              <a:spcAft>
+                <a:spcPts val="0"/>
+              </a:spcAft>
+              <a:buNone/>
+            </a:pPr>
+            <a:fld id="{00000000-1234-1234-1234-123412341234}" type="slidenum">
+              <a:rPr lang="en-GB" smtClean="0"/>
+              <a:t>7</a:t>
+            </a:fld>
+            <a:endParaRPr lang="en-GB"/>
           </a:p>
         </p:txBody>
       </p:sp>
@@ -9222,7 +11323,7 @@
         </p:nvSpPr>
         <p:spPr>
           <a:xfrm>
-            <a:off x="311700" y="445025"/>
+            <a:off x="311700" y="341264"/>
             <a:ext cx="8520600" cy="572700"/>
           </a:xfrm>
           <a:prstGeom prst="rect">
@@ -9245,17 +11346,31 @@
               <a:buNone/>
             </a:pPr>
             <a:r>
-              <a:rPr lang="en-GB" dirty="0">
+              <a:rPr lang="en-GB" b="1" dirty="0">
                 <a:solidFill>
                   <a:srgbClr val="FF0000"/>
                 </a:solidFill>
+                <a:effectLst>
+                  <a:outerShdw blurRad="38100" dist="38100" dir="2700000" algn="tl">
+                    <a:srgbClr val="000000">
+                      <a:alpha val="43137"/>
+                    </a:srgbClr>
+                  </a:outerShdw>
+                </a:effectLst>
               </a:rPr>
               <a:t>Interaction analysis</a:t>
             </a:r>
-            <a:endParaRPr dirty="0">
+            <a:endParaRPr b="1" dirty="0">
               <a:solidFill>
                 <a:srgbClr val="FF0000"/>
               </a:solidFill>
+              <a:effectLst>
+                <a:outerShdw blurRad="38100" dist="38100" dir="2700000" algn="tl">
+                  <a:srgbClr val="000000">
+                    <a:alpha val="43137"/>
+                  </a:srgbClr>
+                </a:outerShdw>
+              </a:effectLst>
             </a:endParaRPr>
           </a:p>
         </p:txBody>
@@ -9327,6 +11442,44 @@
               <a:buNone/>
             </a:pPr>
             <a:endParaRPr/>
+          </a:p>
+        </p:txBody>
+      </p:sp>
+      <p:sp>
+        <p:nvSpPr>
+          <p:cNvPr id="2" name="Slide Number Placeholder 1">
+            <a:extLst>
+              <a:ext uri="{FF2B5EF4-FFF2-40B4-BE49-F238E27FC236}">
+                <a16:creationId xmlns:a16="http://schemas.microsoft.com/office/drawing/2014/main" id="{B60C37F1-9E12-44DE-97AF-92CAF189E47B}"/>
+              </a:ext>
+            </a:extLst>
+          </p:cNvPr>
+          <p:cNvSpPr>
+            <a:spLocks noGrp="1"/>
+          </p:cNvSpPr>
+          <p:nvPr>
+            <p:ph type="sldNum" idx="12"/>
+          </p:nvPr>
+        </p:nvSpPr>
+        <p:spPr/>
+        <p:txBody>
+          <a:bodyPr/>
+          <a:lstStyle/>
+          <a:p>
+            <a:pPr marL="0" lvl="0" indent="0" algn="r" rtl="0">
+              <a:spcBef>
+                <a:spcPts val="0"/>
+              </a:spcBef>
+              <a:spcAft>
+                <a:spcPts val="0"/>
+              </a:spcAft>
+              <a:buNone/>
+            </a:pPr>
+            <a:fld id="{00000000-1234-1234-1234-123412341234}" type="slidenum">
+              <a:rPr lang="en-GB" smtClean="0"/>
+              <a:t>8</a:t>
+            </a:fld>
+            <a:endParaRPr lang="en-GB"/>
           </a:p>
         </p:txBody>
       </p:sp>
@@ -9367,7 +11520,7 @@
         </p:nvSpPr>
         <p:spPr>
           <a:xfrm>
-            <a:off x="311700" y="445025"/>
+            <a:off x="311700" y="288275"/>
             <a:ext cx="8520600" cy="572700"/>
           </a:xfrm>
           <a:prstGeom prst="rect">
@@ -9390,17 +11543,31 @@
               <a:buNone/>
             </a:pPr>
             <a:r>
-              <a:rPr lang="en-GB" dirty="0">
+              <a:rPr lang="en-GB" b="1" dirty="0">
                 <a:solidFill>
                   <a:srgbClr val="FF0000"/>
                 </a:solidFill>
+                <a:effectLst>
+                  <a:outerShdw blurRad="38100" dist="38100" dir="2700000" algn="tl">
+                    <a:srgbClr val="000000">
+                      <a:alpha val="43137"/>
+                    </a:srgbClr>
+                  </a:outerShdw>
+                </a:effectLst>
               </a:rPr>
               <a:t>Final class diagram</a:t>
             </a:r>
-            <a:endParaRPr dirty="0">
+            <a:endParaRPr b="1" dirty="0">
               <a:solidFill>
                 <a:srgbClr val="FF0000"/>
               </a:solidFill>
+              <a:effectLst>
+                <a:outerShdw blurRad="38100" dist="38100" dir="2700000" algn="tl">
+                  <a:srgbClr val="000000">
+                    <a:alpha val="43137"/>
+                  </a:srgbClr>
+                </a:outerShdw>
+              </a:effectLst>
             </a:endParaRPr>
           </a:p>
         </p:txBody>
@@ -9470,8 +11637,13 @@
           <p:nvPr/>
         </p:nvPicPr>
         <p:blipFill>
-          <a:blip r:embed="rId3">
+          <a:blip r:embed="rId3" cstate="screen">
             <a:alphaModFix/>
+            <a:extLst>
+              <a:ext uri="{28A0092B-C50C-407E-A947-70E740481C1C}">
+                <a14:useLocalDpi xmlns:a14="http://schemas.microsoft.com/office/drawing/2010/main"/>
+              </a:ext>
+            </a:extLst>
           </a:blip>
           <a:stretch>
             <a:fillRect/>
@@ -9491,6 +11663,44 @@
           </a:ln>
         </p:spPr>
       </p:pic>
+      <p:sp>
+        <p:nvSpPr>
+          <p:cNvPr id="2" name="Slide Number Placeholder 1">
+            <a:extLst>
+              <a:ext uri="{FF2B5EF4-FFF2-40B4-BE49-F238E27FC236}">
+                <a16:creationId xmlns:a16="http://schemas.microsoft.com/office/drawing/2014/main" id="{272B98B5-4E5D-4669-BBE9-A43F81998D44}"/>
+              </a:ext>
+            </a:extLst>
+          </p:cNvPr>
+          <p:cNvSpPr>
+            <a:spLocks noGrp="1"/>
+          </p:cNvSpPr>
+          <p:nvPr>
+            <p:ph type="sldNum" idx="12"/>
+          </p:nvPr>
+        </p:nvSpPr>
+        <p:spPr/>
+        <p:txBody>
+          <a:bodyPr/>
+          <a:lstStyle/>
+          <a:p>
+            <a:pPr marL="0" lvl="0" indent="0" algn="r" rtl="0">
+              <a:spcBef>
+                <a:spcPts val="0"/>
+              </a:spcBef>
+              <a:spcAft>
+                <a:spcPts val="0"/>
+              </a:spcAft>
+              <a:buNone/>
+            </a:pPr>
+            <a:fld id="{00000000-1234-1234-1234-123412341234}" type="slidenum">
+              <a:rPr lang="en-GB" smtClean="0"/>
+              <a:t>9</a:t>
+            </a:fld>
+            <a:endParaRPr lang="en-GB"/>
+          </a:p>
+        </p:txBody>
+      </p:sp>
     </p:spTree>
   </p:cSld>
   <p:clrMapOvr>
